--- a/paper/figures/auto_framework.pptx
+++ b/paper/figures/auto_framework.pptx
@@ -104,6 +104,11 @@
       </a:defRPr>
     </a:lvl9pPr>
   </p:defaultTextStyle>
+  <p:extLst>
+    <p:ext uri="{EFAFB233-063F-42B5-8137-9DF3F51BA10A}">
+      <p15:sldGuideLst xmlns:p15="http://schemas.microsoft.com/office/powerpoint/2012/main"/>
+    </p:ext>
+  </p:extLst>
 </p:presentation>
 </file>
 
@@ -238,7 +243,7 @@
           <a:p>
             <a:fld id="{495911F8-3A92-4C30-BABF-4CB553799E6D}" type="datetimeFigureOut">
               <a:rPr lang="zh-CN" altLang="en-US" smtClean="0"/>
-              <a:t>2020/12/1</a:t>
+              <a:t>2020/12/10</a:t>
             </a:fld>
             <a:endParaRPr lang="zh-CN" altLang="en-US"/>
           </a:p>
@@ -408,7 +413,7 @@
           <a:p>
             <a:fld id="{495911F8-3A92-4C30-BABF-4CB553799E6D}" type="datetimeFigureOut">
               <a:rPr lang="zh-CN" altLang="en-US" smtClean="0"/>
-              <a:t>2020/12/1</a:t>
+              <a:t>2020/12/10</a:t>
             </a:fld>
             <a:endParaRPr lang="zh-CN" altLang="en-US"/>
           </a:p>
@@ -588,7 +593,7 @@
           <a:p>
             <a:fld id="{495911F8-3A92-4C30-BABF-4CB553799E6D}" type="datetimeFigureOut">
               <a:rPr lang="zh-CN" altLang="en-US" smtClean="0"/>
-              <a:t>2020/12/1</a:t>
+              <a:t>2020/12/10</a:t>
             </a:fld>
             <a:endParaRPr lang="zh-CN" altLang="en-US"/>
           </a:p>
@@ -758,7 +763,7 @@
           <a:p>
             <a:fld id="{495911F8-3A92-4C30-BABF-4CB553799E6D}" type="datetimeFigureOut">
               <a:rPr lang="zh-CN" altLang="en-US" smtClean="0"/>
-              <a:t>2020/12/1</a:t>
+              <a:t>2020/12/10</a:t>
             </a:fld>
             <a:endParaRPr lang="zh-CN" altLang="en-US"/>
           </a:p>
@@ -1004,7 +1009,7 @@
           <a:p>
             <a:fld id="{495911F8-3A92-4C30-BABF-4CB553799E6D}" type="datetimeFigureOut">
               <a:rPr lang="zh-CN" altLang="en-US" smtClean="0"/>
-              <a:t>2020/12/1</a:t>
+              <a:t>2020/12/10</a:t>
             </a:fld>
             <a:endParaRPr lang="zh-CN" altLang="en-US"/>
           </a:p>
@@ -1236,7 +1241,7 @@
           <a:p>
             <a:fld id="{495911F8-3A92-4C30-BABF-4CB553799E6D}" type="datetimeFigureOut">
               <a:rPr lang="zh-CN" altLang="en-US" smtClean="0"/>
-              <a:t>2020/12/1</a:t>
+              <a:t>2020/12/10</a:t>
             </a:fld>
             <a:endParaRPr lang="zh-CN" altLang="en-US"/>
           </a:p>
@@ -1603,7 +1608,7 @@
           <a:p>
             <a:fld id="{495911F8-3A92-4C30-BABF-4CB553799E6D}" type="datetimeFigureOut">
               <a:rPr lang="zh-CN" altLang="en-US" smtClean="0"/>
-              <a:t>2020/12/1</a:t>
+              <a:t>2020/12/10</a:t>
             </a:fld>
             <a:endParaRPr lang="zh-CN" altLang="en-US"/>
           </a:p>
@@ -1721,7 +1726,7 @@
           <a:p>
             <a:fld id="{495911F8-3A92-4C30-BABF-4CB553799E6D}" type="datetimeFigureOut">
               <a:rPr lang="zh-CN" altLang="en-US" smtClean="0"/>
-              <a:t>2020/12/1</a:t>
+              <a:t>2020/12/10</a:t>
             </a:fld>
             <a:endParaRPr lang="zh-CN" altLang="en-US"/>
           </a:p>
@@ -1816,7 +1821,7 @@
           <a:p>
             <a:fld id="{495911F8-3A92-4C30-BABF-4CB553799E6D}" type="datetimeFigureOut">
               <a:rPr lang="zh-CN" altLang="en-US" smtClean="0"/>
-              <a:t>2020/12/1</a:t>
+              <a:t>2020/12/10</a:t>
             </a:fld>
             <a:endParaRPr lang="zh-CN" altLang="en-US"/>
           </a:p>
@@ -2093,7 +2098,7 @@
           <a:p>
             <a:fld id="{495911F8-3A92-4C30-BABF-4CB553799E6D}" type="datetimeFigureOut">
               <a:rPr lang="zh-CN" altLang="en-US" smtClean="0"/>
-              <a:t>2020/12/1</a:t>
+              <a:t>2020/12/10</a:t>
             </a:fld>
             <a:endParaRPr lang="zh-CN" altLang="en-US"/>
           </a:p>
@@ -2350,7 +2355,7 @@
           <a:p>
             <a:fld id="{495911F8-3A92-4C30-BABF-4CB553799E6D}" type="datetimeFigureOut">
               <a:rPr lang="zh-CN" altLang="en-US" smtClean="0"/>
-              <a:t>2020/12/1</a:t>
+              <a:t>2020/12/10</a:t>
             </a:fld>
             <a:endParaRPr lang="zh-CN" altLang="en-US"/>
           </a:p>
@@ -2563,7 +2568,7 @@
           <a:p>
             <a:fld id="{495911F8-3A92-4C30-BABF-4CB553799E6D}" type="datetimeFigureOut">
               <a:rPr lang="zh-CN" altLang="en-US" smtClean="0"/>
-              <a:t>2020/12/1</a:t>
+              <a:t>2020/12/10</a:t>
             </a:fld>
             <a:endParaRPr lang="zh-CN" altLang="en-US"/>
           </a:p>
@@ -3320,8 +3325,8 @@
           </p:nvSpPr>
           <p:spPr>
             <a:xfrm>
-              <a:off x="5112006" y="112871"/>
-              <a:ext cx="1859813" cy="415579"/>
+              <a:off x="4914655" y="123239"/>
+              <a:ext cx="2793997" cy="415579"/>
             </a:xfrm>
             <a:prstGeom prst="rect">
               <a:avLst/>
@@ -3344,7 +3349,15 @@
               </a:r>
               <a:r>
                 <a:rPr lang="en-US" sz="1511" dirty="0"/>
-                <a:t>, 640p,1024p)</a:t>
+                <a:t>, 320</a:t>
+              </a:r>
+              <a:r>
+                <a:rPr lang="en-US" altLang="zh-CN" sz="1511" dirty="0"/>
+                <a:t>p,</a:t>
+              </a:r>
+              <a:r>
+                <a:rPr lang="en-US" sz="1511" dirty="0"/>
+                <a:t>640p,960p,1024p)</a:t>
               </a:r>
               <a:endParaRPr lang="en-US" sz="1133" dirty="0"/>
             </a:p>

--- a/paper/figures/auto_framework.pptx
+++ b/paper/figures/auto_framework.pptx
@@ -243,7 +243,7 @@
           <a:p>
             <a:fld id="{495911F8-3A92-4C30-BABF-4CB553799E6D}" type="datetimeFigureOut">
               <a:rPr lang="zh-CN" altLang="en-US" smtClean="0"/>
-              <a:t>2020/12/10</a:t>
+              <a:t>2020/12/11</a:t>
             </a:fld>
             <a:endParaRPr lang="zh-CN" altLang="en-US"/>
           </a:p>
@@ -413,7 +413,7 @@
           <a:p>
             <a:fld id="{495911F8-3A92-4C30-BABF-4CB553799E6D}" type="datetimeFigureOut">
               <a:rPr lang="zh-CN" altLang="en-US" smtClean="0"/>
-              <a:t>2020/12/10</a:t>
+              <a:t>2020/12/11</a:t>
             </a:fld>
             <a:endParaRPr lang="zh-CN" altLang="en-US"/>
           </a:p>
@@ -593,7 +593,7 @@
           <a:p>
             <a:fld id="{495911F8-3A92-4C30-BABF-4CB553799E6D}" type="datetimeFigureOut">
               <a:rPr lang="zh-CN" altLang="en-US" smtClean="0"/>
-              <a:t>2020/12/10</a:t>
+              <a:t>2020/12/11</a:t>
             </a:fld>
             <a:endParaRPr lang="zh-CN" altLang="en-US"/>
           </a:p>
@@ -763,7 +763,7 @@
           <a:p>
             <a:fld id="{495911F8-3A92-4C30-BABF-4CB553799E6D}" type="datetimeFigureOut">
               <a:rPr lang="zh-CN" altLang="en-US" smtClean="0"/>
-              <a:t>2020/12/10</a:t>
+              <a:t>2020/12/11</a:t>
             </a:fld>
             <a:endParaRPr lang="zh-CN" altLang="en-US"/>
           </a:p>
@@ -1009,7 +1009,7 @@
           <a:p>
             <a:fld id="{495911F8-3A92-4C30-BABF-4CB553799E6D}" type="datetimeFigureOut">
               <a:rPr lang="zh-CN" altLang="en-US" smtClean="0"/>
-              <a:t>2020/12/10</a:t>
+              <a:t>2020/12/11</a:t>
             </a:fld>
             <a:endParaRPr lang="zh-CN" altLang="en-US"/>
           </a:p>
@@ -1241,7 +1241,7 @@
           <a:p>
             <a:fld id="{495911F8-3A92-4C30-BABF-4CB553799E6D}" type="datetimeFigureOut">
               <a:rPr lang="zh-CN" altLang="en-US" smtClean="0"/>
-              <a:t>2020/12/10</a:t>
+              <a:t>2020/12/11</a:t>
             </a:fld>
             <a:endParaRPr lang="zh-CN" altLang="en-US"/>
           </a:p>
@@ -1608,7 +1608,7 @@
           <a:p>
             <a:fld id="{495911F8-3A92-4C30-BABF-4CB553799E6D}" type="datetimeFigureOut">
               <a:rPr lang="zh-CN" altLang="en-US" smtClean="0"/>
-              <a:t>2020/12/10</a:t>
+              <a:t>2020/12/11</a:t>
             </a:fld>
             <a:endParaRPr lang="zh-CN" altLang="en-US"/>
           </a:p>
@@ -1726,7 +1726,7 @@
           <a:p>
             <a:fld id="{495911F8-3A92-4C30-BABF-4CB553799E6D}" type="datetimeFigureOut">
               <a:rPr lang="zh-CN" altLang="en-US" smtClean="0"/>
-              <a:t>2020/12/10</a:t>
+              <a:t>2020/12/11</a:t>
             </a:fld>
             <a:endParaRPr lang="zh-CN" altLang="en-US"/>
           </a:p>
@@ -1821,7 +1821,7 @@
           <a:p>
             <a:fld id="{495911F8-3A92-4C30-BABF-4CB553799E6D}" type="datetimeFigureOut">
               <a:rPr lang="zh-CN" altLang="en-US" smtClean="0"/>
-              <a:t>2020/12/10</a:t>
+              <a:t>2020/12/11</a:t>
             </a:fld>
             <a:endParaRPr lang="zh-CN" altLang="en-US"/>
           </a:p>
@@ -2098,7 +2098,7 @@
           <a:p>
             <a:fld id="{495911F8-3A92-4C30-BABF-4CB553799E6D}" type="datetimeFigureOut">
               <a:rPr lang="zh-CN" altLang="en-US" smtClean="0"/>
-              <a:t>2020/12/10</a:t>
+              <a:t>2020/12/11</a:t>
             </a:fld>
             <a:endParaRPr lang="zh-CN" altLang="en-US"/>
           </a:p>
@@ -2355,7 +2355,7 @@
           <a:p>
             <a:fld id="{495911F8-3A92-4C30-BABF-4CB553799E6D}" type="datetimeFigureOut">
               <a:rPr lang="zh-CN" altLang="en-US" smtClean="0"/>
-              <a:t>2020/12/10</a:t>
+              <a:t>2020/12/11</a:t>
             </a:fld>
             <a:endParaRPr lang="zh-CN" altLang="en-US"/>
           </a:p>
@@ -2568,7 +2568,7 @@
           <a:p>
             <a:fld id="{495911F8-3A92-4C30-BABF-4CB553799E6D}" type="datetimeFigureOut">
               <a:rPr lang="zh-CN" altLang="en-US" smtClean="0"/>
-              <a:t>2020/12/10</a:t>
+              <a:t>2020/12/11</a:t>
             </a:fld>
             <a:endParaRPr lang="zh-CN" altLang="en-US"/>
           </a:p>
@@ -3089,8 +3089,8 @@
             <a:lstStyle/>
             <a:p>
               <a:r>
-                <a:rPr lang="en-US" altLang="zh-CN" sz="2266" b="1" i="1" dirty="0" err="1"/>
-                <a:t>AutoConfigure</a:t>
+                <a:rPr lang="en-US" altLang="zh-CN" sz="2266" b="1" i="1"/>
+                <a:t>AdaConfigure</a:t>
               </a:r>
               <a:r>
                 <a:rPr lang="en-US" sz="2266" b="1" i="1" dirty="0"/>
@@ -3108,7 +3108,7 @@
               </a:r>
               <a:r>
                 <a:rPr lang="en-US" altLang="zh-CN" sz="1888" i="1" dirty="0"/>
-                <a:t>Auto </a:t>
+                <a:t>Adaptive </a:t>
               </a:r>
             </a:p>
             <a:p>

--- a/paper/figures/auto_framework.pptx
+++ b/paper/figures/auto_framework.pptx
@@ -2,12 +2,12 @@
 <file path=ppt/presentation.xml><?xml version="1.0" encoding="utf-8"?>
 <p:presentation xmlns:a="http://schemas.openxmlformats.org/drawingml/2006/main" xmlns:r="http://schemas.openxmlformats.org/officeDocument/2006/relationships" xmlns:p="http://schemas.openxmlformats.org/presentationml/2006/main" saveSubsetFonts="1">
   <p:sldMasterIdLst>
-    <p:sldMasterId id="2147483672" r:id="rId1"/>
+    <p:sldMasterId id="2147483684" r:id="rId1"/>
   </p:sldMasterIdLst>
   <p:sldIdLst>
     <p:sldId id="6271" r:id="rId2"/>
   </p:sldIdLst>
-  <p:sldSz cx="12192000" cy="5057775"/>
+  <p:sldSz cx="12192000" cy="4337050"/>
   <p:notesSz cx="6858000" cy="9144000"/>
   <p:defaultTextStyle>
     <a:defPPr>
@@ -141,15 +141,15 @@
         </p:nvSpPr>
         <p:spPr>
           <a:xfrm>
-            <a:off x="1524000" y="827743"/>
-            <a:ext cx="9144000" cy="1760855"/>
+            <a:off x="1524000" y="709791"/>
+            <a:ext cx="9144000" cy="1509936"/>
           </a:xfrm>
         </p:spPr>
         <p:txBody>
           <a:bodyPr anchor="b"/>
           <a:lstStyle>
             <a:lvl1pPr algn="ctr">
-              <a:defRPr sz="4425"/>
+              <a:defRPr sz="3794"/>
             </a:lvl1pPr>
           </a:lstStyle>
           <a:p>
@@ -173,8 +173,8 @@
         </p:nvSpPr>
         <p:spPr>
           <a:xfrm>
-            <a:off x="1524000" y="2656503"/>
-            <a:ext cx="9144000" cy="1221124"/>
+            <a:off x="1524000" y="2277956"/>
+            <a:ext cx="9144000" cy="1047116"/>
           </a:xfrm>
         </p:spPr>
         <p:txBody>
@@ -182,39 +182,39 @@
           <a:lstStyle>
             <a:lvl1pPr marL="0" indent="0" algn="ctr">
               <a:buNone/>
-              <a:defRPr sz="1770"/>
+              <a:defRPr sz="1518"/>
             </a:lvl1pPr>
-            <a:lvl2pPr marL="337185" indent="0" algn="ctr">
-              <a:buNone/>
-              <a:defRPr sz="1475"/>
+            <a:lvl2pPr marL="289133" indent="0" algn="ctr">
+              <a:buNone/>
+              <a:defRPr sz="1265"/>
             </a:lvl2pPr>
-            <a:lvl3pPr marL="674370" indent="0" algn="ctr">
-              <a:buNone/>
-              <a:defRPr sz="1328"/>
+            <a:lvl3pPr marL="578267" indent="0" algn="ctr">
+              <a:buNone/>
+              <a:defRPr sz="1138"/>
             </a:lvl3pPr>
-            <a:lvl4pPr marL="1011555" indent="0" algn="ctr">
-              <a:buNone/>
-              <a:defRPr sz="1180"/>
+            <a:lvl4pPr marL="867400" indent="0" algn="ctr">
+              <a:buNone/>
+              <a:defRPr sz="1012"/>
             </a:lvl4pPr>
-            <a:lvl5pPr marL="1348740" indent="0" algn="ctr">
-              <a:buNone/>
-              <a:defRPr sz="1180"/>
+            <a:lvl5pPr marL="1156533" indent="0" algn="ctr">
+              <a:buNone/>
+              <a:defRPr sz="1012"/>
             </a:lvl5pPr>
-            <a:lvl6pPr marL="1685925" indent="0" algn="ctr">
-              <a:buNone/>
-              <a:defRPr sz="1180"/>
+            <a:lvl6pPr marL="1445666" indent="0" algn="ctr">
+              <a:buNone/>
+              <a:defRPr sz="1012"/>
             </a:lvl6pPr>
-            <a:lvl7pPr marL="2023110" indent="0" algn="ctr">
-              <a:buNone/>
-              <a:defRPr sz="1180"/>
+            <a:lvl7pPr marL="1734800" indent="0" algn="ctr">
+              <a:buNone/>
+              <a:defRPr sz="1012"/>
             </a:lvl7pPr>
-            <a:lvl8pPr marL="2360295" indent="0" algn="ctr">
-              <a:buNone/>
-              <a:defRPr sz="1180"/>
+            <a:lvl8pPr marL="2023933" indent="0" algn="ctr">
+              <a:buNone/>
+              <a:defRPr sz="1012"/>
             </a:lvl8pPr>
-            <a:lvl9pPr marL="2697480" indent="0" algn="ctr">
-              <a:buNone/>
-              <a:defRPr sz="1180"/>
+            <a:lvl9pPr marL="2313066" indent="0" algn="ctr">
+              <a:buNone/>
+              <a:defRPr sz="1012"/>
             </a:lvl9pPr>
           </a:lstStyle>
           <a:p>
@@ -243,7 +243,7 @@
           <a:p>
             <a:fld id="{495911F8-3A92-4C30-BABF-4CB553799E6D}" type="datetimeFigureOut">
               <a:rPr lang="zh-CN" altLang="en-US" smtClean="0"/>
-              <a:t>2020/12/11</a:t>
+              <a:t>2020/12/12</a:t>
             </a:fld>
             <a:endParaRPr lang="zh-CN" altLang="en-US"/>
           </a:p>
@@ -294,7 +294,7 @@
     </p:spTree>
     <p:extLst>
       <p:ext uri="{BB962C8B-B14F-4D97-AF65-F5344CB8AC3E}">
-        <p14:creationId xmlns:p14="http://schemas.microsoft.com/office/powerpoint/2010/main" val="1770212965"/>
+        <p14:creationId xmlns:p14="http://schemas.microsoft.com/office/powerpoint/2010/main" val="1967013760"/>
       </p:ext>
     </p:extLst>
   </p:cSld>
@@ -413,7 +413,7 @@
           <a:p>
             <a:fld id="{495911F8-3A92-4C30-BABF-4CB553799E6D}" type="datetimeFigureOut">
               <a:rPr lang="zh-CN" altLang="en-US" smtClean="0"/>
-              <a:t>2020/12/11</a:t>
+              <a:t>2020/12/12</a:t>
             </a:fld>
             <a:endParaRPr lang="zh-CN" altLang="en-US"/>
           </a:p>
@@ -464,7 +464,7 @@
     </p:spTree>
     <p:extLst>
       <p:ext uri="{BB962C8B-B14F-4D97-AF65-F5344CB8AC3E}">
-        <p14:creationId xmlns:p14="http://schemas.microsoft.com/office/powerpoint/2010/main" val="1805115934"/>
+        <p14:creationId xmlns:p14="http://schemas.microsoft.com/office/powerpoint/2010/main" val="410381770"/>
       </p:ext>
     </p:extLst>
   </p:cSld>
@@ -503,8 +503,8 @@
         </p:nvSpPr>
         <p:spPr>
           <a:xfrm>
-            <a:off x="8724900" y="269279"/>
-            <a:ext cx="2628900" cy="4286231"/>
+            <a:off x="8724900" y="230908"/>
+            <a:ext cx="2628900" cy="3675449"/>
           </a:xfrm>
         </p:spPr>
         <p:txBody>
@@ -531,8 +531,8 @@
         </p:nvSpPr>
         <p:spPr>
           <a:xfrm>
-            <a:off x="838200" y="269279"/>
-            <a:ext cx="7734300" cy="4286231"/>
+            <a:off x="838200" y="230908"/>
+            <a:ext cx="7734300" cy="3675449"/>
           </a:xfrm>
         </p:spPr>
         <p:txBody>
@@ -593,7 +593,7 @@
           <a:p>
             <a:fld id="{495911F8-3A92-4C30-BABF-4CB553799E6D}" type="datetimeFigureOut">
               <a:rPr lang="zh-CN" altLang="en-US" smtClean="0"/>
-              <a:t>2020/12/11</a:t>
+              <a:t>2020/12/12</a:t>
             </a:fld>
             <a:endParaRPr lang="zh-CN" altLang="en-US"/>
           </a:p>
@@ -644,7 +644,7 @@
     </p:spTree>
     <p:extLst>
       <p:ext uri="{BB962C8B-B14F-4D97-AF65-F5344CB8AC3E}">
-        <p14:creationId xmlns:p14="http://schemas.microsoft.com/office/powerpoint/2010/main" val="1890046614"/>
+        <p14:creationId xmlns:p14="http://schemas.microsoft.com/office/powerpoint/2010/main" val="1474804849"/>
       </p:ext>
     </p:extLst>
   </p:cSld>
@@ -763,7 +763,7 @@
           <a:p>
             <a:fld id="{495911F8-3A92-4C30-BABF-4CB553799E6D}" type="datetimeFigureOut">
               <a:rPr lang="zh-CN" altLang="en-US" smtClean="0"/>
-              <a:t>2020/12/11</a:t>
+              <a:t>2020/12/12</a:t>
             </a:fld>
             <a:endParaRPr lang="zh-CN" altLang="en-US"/>
           </a:p>
@@ -814,7 +814,7 @@
     </p:spTree>
     <p:extLst>
       <p:ext uri="{BB962C8B-B14F-4D97-AF65-F5344CB8AC3E}">
-        <p14:creationId xmlns:p14="http://schemas.microsoft.com/office/powerpoint/2010/main" val="708233089"/>
+        <p14:creationId xmlns:p14="http://schemas.microsoft.com/office/powerpoint/2010/main" val="1245392052"/>
       </p:ext>
     </p:extLst>
   </p:cSld>
@@ -853,15 +853,15 @@
         </p:nvSpPr>
         <p:spPr>
           <a:xfrm>
-            <a:off x="831850" y="1260932"/>
-            <a:ext cx="10515600" cy="2103894"/>
+            <a:off x="831850" y="1081251"/>
+            <a:ext cx="10515600" cy="1804092"/>
           </a:xfrm>
         </p:spPr>
         <p:txBody>
           <a:bodyPr anchor="b"/>
           <a:lstStyle>
             <a:lvl1pPr>
-              <a:defRPr sz="4425"/>
+              <a:defRPr sz="3794"/>
             </a:lvl1pPr>
           </a:lstStyle>
           <a:p>
@@ -885,8 +885,8 @@
         </p:nvSpPr>
         <p:spPr>
           <a:xfrm>
-            <a:off x="831850" y="3384729"/>
-            <a:ext cx="10515600" cy="1106388"/>
+            <a:off x="831850" y="2902411"/>
+            <a:ext cx="10515600" cy="948729"/>
           </a:xfrm>
         </p:spPr>
         <p:txBody>
@@ -894,7 +894,7 @@
           <a:lstStyle>
             <a:lvl1pPr marL="0" indent="0">
               <a:buNone/>
-              <a:defRPr sz="1770">
+              <a:defRPr sz="1518">
                 <a:solidFill>
                   <a:schemeClr val="tx1">
                     <a:tint val="75000"/>
@@ -902,9 +902,9 @@
                 </a:solidFill>
               </a:defRPr>
             </a:lvl1pPr>
-            <a:lvl2pPr marL="337185" indent="0">
-              <a:buNone/>
-              <a:defRPr sz="1475">
+            <a:lvl2pPr marL="289133" indent="0">
+              <a:buNone/>
+              <a:defRPr sz="1265">
                 <a:solidFill>
                   <a:schemeClr val="tx1">
                     <a:tint val="75000"/>
@@ -912,9 +912,9 @@
                 </a:solidFill>
               </a:defRPr>
             </a:lvl2pPr>
-            <a:lvl3pPr marL="674370" indent="0">
-              <a:buNone/>
-              <a:defRPr sz="1328">
+            <a:lvl3pPr marL="578267" indent="0">
+              <a:buNone/>
+              <a:defRPr sz="1138">
                 <a:solidFill>
                   <a:schemeClr val="tx1">
                     <a:tint val="75000"/>
@@ -922,9 +922,9 @@
                 </a:solidFill>
               </a:defRPr>
             </a:lvl3pPr>
-            <a:lvl4pPr marL="1011555" indent="0">
-              <a:buNone/>
-              <a:defRPr sz="1180">
+            <a:lvl4pPr marL="867400" indent="0">
+              <a:buNone/>
+              <a:defRPr sz="1012">
                 <a:solidFill>
                   <a:schemeClr val="tx1">
                     <a:tint val="75000"/>
@@ -932,9 +932,9 @@
                 </a:solidFill>
               </a:defRPr>
             </a:lvl4pPr>
-            <a:lvl5pPr marL="1348740" indent="0">
-              <a:buNone/>
-              <a:defRPr sz="1180">
+            <a:lvl5pPr marL="1156533" indent="0">
+              <a:buNone/>
+              <a:defRPr sz="1012">
                 <a:solidFill>
                   <a:schemeClr val="tx1">
                     <a:tint val="75000"/>
@@ -942,9 +942,9 @@
                 </a:solidFill>
               </a:defRPr>
             </a:lvl5pPr>
-            <a:lvl6pPr marL="1685925" indent="0">
-              <a:buNone/>
-              <a:defRPr sz="1180">
+            <a:lvl6pPr marL="1445666" indent="0">
+              <a:buNone/>
+              <a:defRPr sz="1012">
                 <a:solidFill>
                   <a:schemeClr val="tx1">
                     <a:tint val="75000"/>
@@ -952,9 +952,9 @@
                 </a:solidFill>
               </a:defRPr>
             </a:lvl6pPr>
-            <a:lvl7pPr marL="2023110" indent="0">
-              <a:buNone/>
-              <a:defRPr sz="1180">
+            <a:lvl7pPr marL="1734800" indent="0">
+              <a:buNone/>
+              <a:defRPr sz="1012">
                 <a:solidFill>
                   <a:schemeClr val="tx1">
                     <a:tint val="75000"/>
@@ -962,9 +962,9 @@
                 </a:solidFill>
               </a:defRPr>
             </a:lvl7pPr>
-            <a:lvl8pPr marL="2360295" indent="0">
-              <a:buNone/>
-              <a:defRPr sz="1180">
+            <a:lvl8pPr marL="2023933" indent="0">
+              <a:buNone/>
+              <a:defRPr sz="1012">
                 <a:solidFill>
                   <a:schemeClr val="tx1">
                     <a:tint val="75000"/>
@@ -972,9 +972,9 @@
                 </a:solidFill>
               </a:defRPr>
             </a:lvl8pPr>
-            <a:lvl9pPr marL="2697480" indent="0">
-              <a:buNone/>
-              <a:defRPr sz="1180">
+            <a:lvl9pPr marL="2313066" indent="0">
+              <a:buNone/>
+              <a:defRPr sz="1012">
                 <a:solidFill>
                   <a:schemeClr val="tx1">
                     <a:tint val="75000"/>
@@ -1009,7 +1009,7 @@
           <a:p>
             <a:fld id="{495911F8-3A92-4C30-BABF-4CB553799E6D}" type="datetimeFigureOut">
               <a:rPr lang="zh-CN" altLang="en-US" smtClean="0"/>
-              <a:t>2020/12/11</a:t>
+              <a:t>2020/12/12</a:t>
             </a:fld>
             <a:endParaRPr lang="zh-CN" altLang="en-US"/>
           </a:p>
@@ -1060,7 +1060,7 @@
     </p:spTree>
     <p:extLst>
       <p:ext uri="{BB962C8B-B14F-4D97-AF65-F5344CB8AC3E}">
-        <p14:creationId xmlns:p14="http://schemas.microsoft.com/office/powerpoint/2010/main" val="2617255825"/>
+        <p14:creationId xmlns:p14="http://schemas.microsoft.com/office/powerpoint/2010/main" val="2292779424"/>
       </p:ext>
     </p:extLst>
   </p:cSld>
@@ -1122,8 +1122,8 @@
         </p:nvSpPr>
         <p:spPr>
           <a:xfrm>
-            <a:off x="838200" y="1346398"/>
-            <a:ext cx="5181600" cy="3209112"/>
+            <a:off x="838200" y="1154539"/>
+            <a:ext cx="5181600" cy="2751818"/>
           </a:xfrm>
         </p:spPr>
         <p:txBody>
@@ -1179,8 +1179,8 @@
         </p:nvSpPr>
         <p:spPr>
           <a:xfrm>
-            <a:off x="6172200" y="1346398"/>
-            <a:ext cx="5181600" cy="3209112"/>
+            <a:off x="6172200" y="1154539"/>
+            <a:ext cx="5181600" cy="2751818"/>
           </a:xfrm>
         </p:spPr>
         <p:txBody>
@@ -1241,7 +1241,7 @@
           <a:p>
             <a:fld id="{495911F8-3A92-4C30-BABF-4CB553799E6D}" type="datetimeFigureOut">
               <a:rPr lang="zh-CN" altLang="en-US" smtClean="0"/>
-              <a:t>2020/12/11</a:t>
+              <a:t>2020/12/12</a:t>
             </a:fld>
             <a:endParaRPr lang="zh-CN" altLang="en-US"/>
           </a:p>
@@ -1292,7 +1292,7 @@
     </p:spTree>
     <p:extLst>
       <p:ext uri="{BB962C8B-B14F-4D97-AF65-F5344CB8AC3E}">
-        <p14:creationId xmlns:p14="http://schemas.microsoft.com/office/powerpoint/2010/main" val="1235536918"/>
+        <p14:creationId xmlns:p14="http://schemas.microsoft.com/office/powerpoint/2010/main" val="2336785059"/>
       </p:ext>
     </p:extLst>
   </p:cSld>
@@ -1331,8 +1331,8 @@
         </p:nvSpPr>
         <p:spPr>
           <a:xfrm>
-            <a:off x="839788" y="269280"/>
-            <a:ext cx="10515600" cy="977603"/>
+            <a:off x="839788" y="230908"/>
+            <a:ext cx="10515600" cy="838296"/>
           </a:xfrm>
         </p:spPr>
         <p:txBody>
@@ -1359,8 +1359,8 @@
         </p:nvSpPr>
         <p:spPr>
           <a:xfrm>
-            <a:off x="839789" y="1239858"/>
-            <a:ext cx="5157787" cy="607635"/>
+            <a:off x="839789" y="1063180"/>
+            <a:ext cx="5157787" cy="521048"/>
           </a:xfrm>
         </p:spPr>
         <p:txBody>
@@ -1368,39 +1368,39 @@
           <a:lstStyle>
             <a:lvl1pPr marL="0" indent="0">
               <a:buNone/>
-              <a:defRPr sz="1770" b="1"/>
+              <a:defRPr sz="1518" b="1"/>
             </a:lvl1pPr>
-            <a:lvl2pPr marL="337185" indent="0">
-              <a:buNone/>
-              <a:defRPr sz="1475" b="1"/>
+            <a:lvl2pPr marL="289133" indent="0">
+              <a:buNone/>
+              <a:defRPr sz="1265" b="1"/>
             </a:lvl2pPr>
-            <a:lvl3pPr marL="674370" indent="0">
-              <a:buNone/>
-              <a:defRPr sz="1328" b="1"/>
+            <a:lvl3pPr marL="578267" indent="0">
+              <a:buNone/>
+              <a:defRPr sz="1138" b="1"/>
             </a:lvl3pPr>
-            <a:lvl4pPr marL="1011555" indent="0">
-              <a:buNone/>
-              <a:defRPr sz="1180" b="1"/>
+            <a:lvl4pPr marL="867400" indent="0">
+              <a:buNone/>
+              <a:defRPr sz="1012" b="1"/>
             </a:lvl4pPr>
-            <a:lvl5pPr marL="1348740" indent="0">
-              <a:buNone/>
-              <a:defRPr sz="1180" b="1"/>
+            <a:lvl5pPr marL="1156533" indent="0">
+              <a:buNone/>
+              <a:defRPr sz="1012" b="1"/>
             </a:lvl5pPr>
-            <a:lvl6pPr marL="1685925" indent="0">
-              <a:buNone/>
-              <a:defRPr sz="1180" b="1"/>
+            <a:lvl6pPr marL="1445666" indent="0">
+              <a:buNone/>
+              <a:defRPr sz="1012" b="1"/>
             </a:lvl6pPr>
-            <a:lvl7pPr marL="2023110" indent="0">
-              <a:buNone/>
-              <a:defRPr sz="1180" b="1"/>
+            <a:lvl7pPr marL="1734800" indent="0">
+              <a:buNone/>
+              <a:defRPr sz="1012" b="1"/>
             </a:lvl7pPr>
-            <a:lvl8pPr marL="2360295" indent="0">
-              <a:buNone/>
-              <a:defRPr sz="1180" b="1"/>
+            <a:lvl8pPr marL="2023933" indent="0">
+              <a:buNone/>
+              <a:defRPr sz="1012" b="1"/>
             </a:lvl8pPr>
-            <a:lvl9pPr marL="2697480" indent="0">
-              <a:buNone/>
-              <a:defRPr sz="1180" b="1"/>
+            <a:lvl9pPr marL="2313066" indent="0">
+              <a:buNone/>
+              <a:defRPr sz="1012" b="1"/>
             </a:lvl9pPr>
           </a:lstStyle>
           <a:p>
@@ -1424,8 +1424,8 @@
         </p:nvSpPr>
         <p:spPr>
           <a:xfrm>
-            <a:off x="839789" y="1847493"/>
-            <a:ext cx="5157787" cy="2717384"/>
+            <a:off x="839789" y="1584228"/>
+            <a:ext cx="5157787" cy="2330161"/>
           </a:xfrm>
         </p:spPr>
         <p:txBody>
@@ -1481,8 +1481,8 @@
         </p:nvSpPr>
         <p:spPr>
           <a:xfrm>
-            <a:off x="6172200" y="1239858"/>
-            <a:ext cx="5183188" cy="607635"/>
+            <a:off x="6172200" y="1063180"/>
+            <a:ext cx="5183188" cy="521048"/>
           </a:xfrm>
         </p:spPr>
         <p:txBody>
@@ -1490,39 +1490,39 @@
           <a:lstStyle>
             <a:lvl1pPr marL="0" indent="0">
               <a:buNone/>
-              <a:defRPr sz="1770" b="1"/>
+              <a:defRPr sz="1518" b="1"/>
             </a:lvl1pPr>
-            <a:lvl2pPr marL="337185" indent="0">
-              <a:buNone/>
-              <a:defRPr sz="1475" b="1"/>
+            <a:lvl2pPr marL="289133" indent="0">
+              <a:buNone/>
+              <a:defRPr sz="1265" b="1"/>
             </a:lvl2pPr>
-            <a:lvl3pPr marL="674370" indent="0">
-              <a:buNone/>
-              <a:defRPr sz="1328" b="1"/>
+            <a:lvl3pPr marL="578267" indent="0">
+              <a:buNone/>
+              <a:defRPr sz="1138" b="1"/>
             </a:lvl3pPr>
-            <a:lvl4pPr marL="1011555" indent="0">
-              <a:buNone/>
-              <a:defRPr sz="1180" b="1"/>
+            <a:lvl4pPr marL="867400" indent="0">
+              <a:buNone/>
+              <a:defRPr sz="1012" b="1"/>
             </a:lvl4pPr>
-            <a:lvl5pPr marL="1348740" indent="0">
-              <a:buNone/>
-              <a:defRPr sz="1180" b="1"/>
+            <a:lvl5pPr marL="1156533" indent="0">
+              <a:buNone/>
+              <a:defRPr sz="1012" b="1"/>
             </a:lvl5pPr>
-            <a:lvl6pPr marL="1685925" indent="0">
-              <a:buNone/>
-              <a:defRPr sz="1180" b="1"/>
+            <a:lvl6pPr marL="1445666" indent="0">
+              <a:buNone/>
+              <a:defRPr sz="1012" b="1"/>
             </a:lvl6pPr>
-            <a:lvl7pPr marL="2023110" indent="0">
-              <a:buNone/>
-              <a:defRPr sz="1180" b="1"/>
+            <a:lvl7pPr marL="1734800" indent="0">
+              <a:buNone/>
+              <a:defRPr sz="1012" b="1"/>
             </a:lvl7pPr>
-            <a:lvl8pPr marL="2360295" indent="0">
-              <a:buNone/>
-              <a:defRPr sz="1180" b="1"/>
+            <a:lvl8pPr marL="2023933" indent="0">
+              <a:buNone/>
+              <a:defRPr sz="1012" b="1"/>
             </a:lvl8pPr>
-            <a:lvl9pPr marL="2697480" indent="0">
-              <a:buNone/>
-              <a:defRPr sz="1180" b="1"/>
+            <a:lvl9pPr marL="2313066" indent="0">
+              <a:buNone/>
+              <a:defRPr sz="1012" b="1"/>
             </a:lvl9pPr>
           </a:lstStyle>
           <a:p>
@@ -1546,8 +1546,8 @@
         </p:nvSpPr>
         <p:spPr>
           <a:xfrm>
-            <a:off x="6172200" y="1847493"/>
-            <a:ext cx="5183188" cy="2717384"/>
+            <a:off x="6172200" y="1584228"/>
+            <a:ext cx="5183188" cy="2330161"/>
           </a:xfrm>
         </p:spPr>
         <p:txBody>
@@ -1608,7 +1608,7 @@
           <a:p>
             <a:fld id="{495911F8-3A92-4C30-BABF-4CB553799E6D}" type="datetimeFigureOut">
               <a:rPr lang="zh-CN" altLang="en-US" smtClean="0"/>
-              <a:t>2020/12/11</a:t>
+              <a:t>2020/12/12</a:t>
             </a:fld>
             <a:endParaRPr lang="zh-CN" altLang="en-US"/>
           </a:p>
@@ -1659,7 +1659,7 @@
     </p:spTree>
     <p:extLst>
       <p:ext uri="{BB962C8B-B14F-4D97-AF65-F5344CB8AC3E}">
-        <p14:creationId xmlns:p14="http://schemas.microsoft.com/office/powerpoint/2010/main" val="2866071761"/>
+        <p14:creationId xmlns:p14="http://schemas.microsoft.com/office/powerpoint/2010/main" val="135426197"/>
       </p:ext>
     </p:extLst>
   </p:cSld>
@@ -1726,7 +1726,7 @@
           <a:p>
             <a:fld id="{495911F8-3A92-4C30-BABF-4CB553799E6D}" type="datetimeFigureOut">
               <a:rPr lang="zh-CN" altLang="en-US" smtClean="0"/>
-              <a:t>2020/12/11</a:t>
+              <a:t>2020/12/12</a:t>
             </a:fld>
             <a:endParaRPr lang="zh-CN" altLang="en-US"/>
           </a:p>
@@ -1777,7 +1777,7 @@
     </p:spTree>
     <p:extLst>
       <p:ext uri="{BB962C8B-B14F-4D97-AF65-F5344CB8AC3E}">
-        <p14:creationId xmlns:p14="http://schemas.microsoft.com/office/powerpoint/2010/main" val="4220851481"/>
+        <p14:creationId xmlns:p14="http://schemas.microsoft.com/office/powerpoint/2010/main" val="793722052"/>
       </p:ext>
     </p:extLst>
   </p:cSld>
@@ -1821,7 +1821,7 @@
           <a:p>
             <a:fld id="{495911F8-3A92-4C30-BABF-4CB553799E6D}" type="datetimeFigureOut">
               <a:rPr lang="zh-CN" altLang="en-US" smtClean="0"/>
-              <a:t>2020/12/11</a:t>
+              <a:t>2020/12/12</a:t>
             </a:fld>
             <a:endParaRPr lang="zh-CN" altLang="en-US"/>
           </a:p>
@@ -1872,7 +1872,7 @@
     </p:spTree>
     <p:extLst>
       <p:ext uri="{BB962C8B-B14F-4D97-AF65-F5344CB8AC3E}">
-        <p14:creationId xmlns:p14="http://schemas.microsoft.com/office/powerpoint/2010/main" val="3192286444"/>
+        <p14:creationId xmlns:p14="http://schemas.microsoft.com/office/powerpoint/2010/main" val="4232523684"/>
       </p:ext>
     </p:extLst>
   </p:cSld>
@@ -1911,15 +1911,15 @@
         </p:nvSpPr>
         <p:spPr>
           <a:xfrm>
-            <a:off x="839789" y="337185"/>
-            <a:ext cx="3932237" cy="1180148"/>
+            <a:off x="839789" y="289137"/>
+            <a:ext cx="3932237" cy="1011978"/>
           </a:xfrm>
         </p:spPr>
         <p:txBody>
           <a:bodyPr anchor="b"/>
           <a:lstStyle>
             <a:lvl1pPr>
-              <a:defRPr sz="2360"/>
+              <a:defRPr sz="2024"/>
             </a:lvl1pPr>
           </a:lstStyle>
           <a:p>
@@ -1943,39 +1943,39 @@
         </p:nvSpPr>
         <p:spPr>
           <a:xfrm>
-            <a:off x="5183188" y="728227"/>
-            <a:ext cx="6172200" cy="3594298"/>
+            <a:off x="5183188" y="624455"/>
+            <a:ext cx="6172200" cy="3082117"/>
           </a:xfrm>
         </p:spPr>
         <p:txBody>
           <a:bodyPr/>
           <a:lstStyle>
             <a:lvl1pPr>
-              <a:defRPr sz="2360"/>
+              <a:defRPr sz="2024"/>
             </a:lvl1pPr>
             <a:lvl2pPr>
-              <a:defRPr sz="2065"/>
+              <a:defRPr sz="1771"/>
             </a:lvl2pPr>
             <a:lvl3pPr>
-              <a:defRPr sz="1770"/>
+              <a:defRPr sz="1518"/>
             </a:lvl3pPr>
             <a:lvl4pPr>
-              <a:defRPr sz="1475"/>
+              <a:defRPr sz="1265"/>
             </a:lvl4pPr>
             <a:lvl5pPr>
-              <a:defRPr sz="1475"/>
+              <a:defRPr sz="1265"/>
             </a:lvl5pPr>
             <a:lvl6pPr>
-              <a:defRPr sz="1475"/>
+              <a:defRPr sz="1265"/>
             </a:lvl6pPr>
             <a:lvl7pPr>
-              <a:defRPr sz="1475"/>
+              <a:defRPr sz="1265"/>
             </a:lvl7pPr>
             <a:lvl8pPr>
-              <a:defRPr sz="1475"/>
+              <a:defRPr sz="1265"/>
             </a:lvl8pPr>
             <a:lvl9pPr>
-              <a:defRPr sz="1475"/>
+              <a:defRPr sz="1265"/>
             </a:lvl9pPr>
           </a:lstStyle>
           <a:p>
@@ -2028,8 +2028,8 @@
         </p:nvSpPr>
         <p:spPr>
           <a:xfrm>
-            <a:off x="839789" y="1517333"/>
-            <a:ext cx="3932237" cy="2811046"/>
+            <a:off x="839789" y="1301115"/>
+            <a:ext cx="3932237" cy="2410476"/>
           </a:xfrm>
         </p:spPr>
         <p:txBody>
@@ -2037,39 +2037,39 @@
           <a:lstStyle>
             <a:lvl1pPr marL="0" indent="0">
               <a:buNone/>
-              <a:defRPr sz="1180"/>
+              <a:defRPr sz="1012"/>
             </a:lvl1pPr>
-            <a:lvl2pPr marL="337185" indent="0">
-              <a:buNone/>
-              <a:defRPr sz="1033"/>
+            <a:lvl2pPr marL="289133" indent="0">
+              <a:buNone/>
+              <a:defRPr sz="885"/>
             </a:lvl2pPr>
-            <a:lvl3pPr marL="674370" indent="0">
-              <a:buNone/>
-              <a:defRPr sz="885"/>
+            <a:lvl3pPr marL="578267" indent="0">
+              <a:buNone/>
+              <a:defRPr sz="759"/>
             </a:lvl3pPr>
-            <a:lvl4pPr marL="1011555" indent="0">
-              <a:buNone/>
-              <a:defRPr sz="738"/>
+            <a:lvl4pPr marL="867400" indent="0">
+              <a:buNone/>
+              <a:defRPr sz="632"/>
             </a:lvl4pPr>
-            <a:lvl5pPr marL="1348740" indent="0">
-              <a:buNone/>
-              <a:defRPr sz="738"/>
+            <a:lvl5pPr marL="1156533" indent="0">
+              <a:buNone/>
+              <a:defRPr sz="632"/>
             </a:lvl5pPr>
-            <a:lvl6pPr marL="1685925" indent="0">
-              <a:buNone/>
-              <a:defRPr sz="738"/>
+            <a:lvl6pPr marL="1445666" indent="0">
+              <a:buNone/>
+              <a:defRPr sz="632"/>
             </a:lvl6pPr>
-            <a:lvl7pPr marL="2023110" indent="0">
-              <a:buNone/>
-              <a:defRPr sz="738"/>
+            <a:lvl7pPr marL="1734800" indent="0">
+              <a:buNone/>
+              <a:defRPr sz="632"/>
             </a:lvl7pPr>
-            <a:lvl8pPr marL="2360295" indent="0">
-              <a:buNone/>
-              <a:defRPr sz="738"/>
+            <a:lvl8pPr marL="2023933" indent="0">
+              <a:buNone/>
+              <a:defRPr sz="632"/>
             </a:lvl8pPr>
-            <a:lvl9pPr marL="2697480" indent="0">
-              <a:buNone/>
-              <a:defRPr sz="738"/>
+            <a:lvl9pPr marL="2313066" indent="0">
+              <a:buNone/>
+              <a:defRPr sz="632"/>
             </a:lvl9pPr>
           </a:lstStyle>
           <a:p>
@@ -2098,7 +2098,7 @@
           <a:p>
             <a:fld id="{495911F8-3A92-4C30-BABF-4CB553799E6D}" type="datetimeFigureOut">
               <a:rPr lang="zh-CN" altLang="en-US" smtClean="0"/>
-              <a:t>2020/12/11</a:t>
+              <a:t>2020/12/12</a:t>
             </a:fld>
             <a:endParaRPr lang="zh-CN" altLang="en-US"/>
           </a:p>
@@ -2149,7 +2149,7 @@
     </p:spTree>
     <p:extLst>
       <p:ext uri="{BB962C8B-B14F-4D97-AF65-F5344CB8AC3E}">
-        <p14:creationId xmlns:p14="http://schemas.microsoft.com/office/powerpoint/2010/main" val="479328096"/>
+        <p14:creationId xmlns:p14="http://schemas.microsoft.com/office/powerpoint/2010/main" val="1998237089"/>
       </p:ext>
     </p:extLst>
   </p:cSld>
@@ -2188,15 +2188,15 @@
         </p:nvSpPr>
         <p:spPr>
           <a:xfrm>
-            <a:off x="839789" y="337185"/>
-            <a:ext cx="3932237" cy="1180148"/>
+            <a:off x="839789" y="289137"/>
+            <a:ext cx="3932237" cy="1011978"/>
           </a:xfrm>
         </p:spPr>
         <p:txBody>
           <a:bodyPr anchor="b"/>
           <a:lstStyle>
             <a:lvl1pPr>
-              <a:defRPr sz="2360"/>
+              <a:defRPr sz="2024"/>
             </a:lvl1pPr>
           </a:lstStyle>
           <a:p>
@@ -2220,8 +2220,8 @@
         </p:nvSpPr>
         <p:spPr>
           <a:xfrm>
-            <a:off x="5183188" y="728227"/>
-            <a:ext cx="6172200" cy="3594298"/>
+            <a:off x="5183188" y="624455"/>
+            <a:ext cx="6172200" cy="3082117"/>
           </a:xfrm>
         </p:spPr>
         <p:txBody>
@@ -2229,39 +2229,39 @@
           <a:lstStyle>
             <a:lvl1pPr marL="0" indent="0">
               <a:buNone/>
-              <a:defRPr sz="2360"/>
+              <a:defRPr sz="2024"/>
             </a:lvl1pPr>
-            <a:lvl2pPr marL="337185" indent="0">
-              <a:buNone/>
-              <a:defRPr sz="2065"/>
+            <a:lvl2pPr marL="289133" indent="0">
+              <a:buNone/>
+              <a:defRPr sz="1771"/>
             </a:lvl2pPr>
-            <a:lvl3pPr marL="674370" indent="0">
-              <a:buNone/>
-              <a:defRPr sz="1770"/>
+            <a:lvl3pPr marL="578267" indent="0">
+              <a:buNone/>
+              <a:defRPr sz="1518"/>
             </a:lvl3pPr>
-            <a:lvl4pPr marL="1011555" indent="0">
-              <a:buNone/>
-              <a:defRPr sz="1475"/>
+            <a:lvl4pPr marL="867400" indent="0">
+              <a:buNone/>
+              <a:defRPr sz="1265"/>
             </a:lvl4pPr>
-            <a:lvl5pPr marL="1348740" indent="0">
-              <a:buNone/>
-              <a:defRPr sz="1475"/>
+            <a:lvl5pPr marL="1156533" indent="0">
+              <a:buNone/>
+              <a:defRPr sz="1265"/>
             </a:lvl5pPr>
-            <a:lvl6pPr marL="1685925" indent="0">
-              <a:buNone/>
-              <a:defRPr sz="1475"/>
+            <a:lvl6pPr marL="1445666" indent="0">
+              <a:buNone/>
+              <a:defRPr sz="1265"/>
             </a:lvl6pPr>
-            <a:lvl7pPr marL="2023110" indent="0">
-              <a:buNone/>
-              <a:defRPr sz="1475"/>
+            <a:lvl7pPr marL="1734800" indent="0">
+              <a:buNone/>
+              <a:defRPr sz="1265"/>
             </a:lvl7pPr>
-            <a:lvl8pPr marL="2360295" indent="0">
-              <a:buNone/>
-              <a:defRPr sz="1475"/>
+            <a:lvl8pPr marL="2023933" indent="0">
+              <a:buNone/>
+              <a:defRPr sz="1265"/>
             </a:lvl8pPr>
-            <a:lvl9pPr marL="2697480" indent="0">
-              <a:buNone/>
-              <a:defRPr sz="1475"/>
+            <a:lvl9pPr marL="2313066" indent="0">
+              <a:buNone/>
+              <a:defRPr sz="1265"/>
             </a:lvl9pPr>
           </a:lstStyle>
           <a:p>
@@ -2285,8 +2285,8 @@
         </p:nvSpPr>
         <p:spPr>
           <a:xfrm>
-            <a:off x="839789" y="1517333"/>
-            <a:ext cx="3932237" cy="2811046"/>
+            <a:off x="839789" y="1301115"/>
+            <a:ext cx="3932237" cy="2410476"/>
           </a:xfrm>
         </p:spPr>
         <p:txBody>
@@ -2294,39 +2294,39 @@
           <a:lstStyle>
             <a:lvl1pPr marL="0" indent="0">
               <a:buNone/>
-              <a:defRPr sz="1180"/>
+              <a:defRPr sz="1012"/>
             </a:lvl1pPr>
-            <a:lvl2pPr marL="337185" indent="0">
-              <a:buNone/>
-              <a:defRPr sz="1033"/>
+            <a:lvl2pPr marL="289133" indent="0">
+              <a:buNone/>
+              <a:defRPr sz="885"/>
             </a:lvl2pPr>
-            <a:lvl3pPr marL="674370" indent="0">
-              <a:buNone/>
-              <a:defRPr sz="885"/>
+            <a:lvl3pPr marL="578267" indent="0">
+              <a:buNone/>
+              <a:defRPr sz="759"/>
             </a:lvl3pPr>
-            <a:lvl4pPr marL="1011555" indent="0">
-              <a:buNone/>
-              <a:defRPr sz="738"/>
+            <a:lvl4pPr marL="867400" indent="0">
+              <a:buNone/>
+              <a:defRPr sz="632"/>
             </a:lvl4pPr>
-            <a:lvl5pPr marL="1348740" indent="0">
-              <a:buNone/>
-              <a:defRPr sz="738"/>
+            <a:lvl5pPr marL="1156533" indent="0">
+              <a:buNone/>
+              <a:defRPr sz="632"/>
             </a:lvl5pPr>
-            <a:lvl6pPr marL="1685925" indent="0">
-              <a:buNone/>
-              <a:defRPr sz="738"/>
+            <a:lvl6pPr marL="1445666" indent="0">
+              <a:buNone/>
+              <a:defRPr sz="632"/>
             </a:lvl6pPr>
-            <a:lvl7pPr marL="2023110" indent="0">
-              <a:buNone/>
-              <a:defRPr sz="738"/>
+            <a:lvl7pPr marL="1734800" indent="0">
+              <a:buNone/>
+              <a:defRPr sz="632"/>
             </a:lvl7pPr>
-            <a:lvl8pPr marL="2360295" indent="0">
-              <a:buNone/>
-              <a:defRPr sz="738"/>
+            <a:lvl8pPr marL="2023933" indent="0">
+              <a:buNone/>
+              <a:defRPr sz="632"/>
             </a:lvl8pPr>
-            <a:lvl9pPr marL="2697480" indent="0">
-              <a:buNone/>
-              <a:defRPr sz="738"/>
+            <a:lvl9pPr marL="2313066" indent="0">
+              <a:buNone/>
+              <a:defRPr sz="632"/>
             </a:lvl9pPr>
           </a:lstStyle>
           <a:p>
@@ -2355,7 +2355,7 @@
           <a:p>
             <a:fld id="{495911F8-3A92-4C30-BABF-4CB553799E6D}" type="datetimeFigureOut">
               <a:rPr lang="zh-CN" altLang="en-US" smtClean="0"/>
-              <a:t>2020/12/11</a:t>
+              <a:t>2020/12/12</a:t>
             </a:fld>
             <a:endParaRPr lang="zh-CN" altLang="en-US"/>
           </a:p>
@@ -2406,7 +2406,7 @@
     </p:spTree>
     <p:extLst>
       <p:ext uri="{BB962C8B-B14F-4D97-AF65-F5344CB8AC3E}">
-        <p14:creationId xmlns:p14="http://schemas.microsoft.com/office/powerpoint/2010/main" val="2946729113"/>
+        <p14:creationId xmlns:p14="http://schemas.microsoft.com/office/powerpoint/2010/main" val="824793808"/>
       </p:ext>
     </p:extLst>
   </p:cSld>
@@ -2450,8 +2450,8 @@
         </p:nvSpPr>
         <p:spPr>
           <a:xfrm>
-            <a:off x="838200" y="269280"/>
-            <a:ext cx="10515600" cy="977603"/>
+            <a:off x="838200" y="230908"/>
+            <a:ext cx="10515600" cy="838296"/>
           </a:xfrm>
           <a:prstGeom prst="rect">
             <a:avLst/>
@@ -2483,8 +2483,8 @@
         </p:nvSpPr>
         <p:spPr>
           <a:xfrm>
-            <a:off x="838200" y="1346398"/>
-            <a:ext cx="10515600" cy="3209112"/>
+            <a:off x="838200" y="1154539"/>
+            <a:ext cx="10515600" cy="2751818"/>
           </a:xfrm>
           <a:prstGeom prst="rect">
             <a:avLst/>
@@ -2545,8 +2545,8 @@
         </p:nvSpPr>
         <p:spPr>
           <a:xfrm>
-            <a:off x="838200" y="4687808"/>
-            <a:ext cx="2743200" cy="269280"/>
+            <a:off x="838200" y="4019803"/>
+            <a:ext cx="2743200" cy="230908"/>
           </a:xfrm>
           <a:prstGeom prst="rect">
             <a:avLst/>
@@ -2556,7 +2556,7 @@
           <a:bodyPr vert="horz" lIns="91440" tIns="45720" rIns="91440" bIns="45720" rtlCol="0" anchor="ctr"/>
           <a:lstStyle>
             <a:lvl1pPr algn="l">
-              <a:defRPr sz="885">
+              <a:defRPr sz="759">
                 <a:solidFill>
                   <a:schemeClr val="tx1">
                     <a:tint val="75000"/>
@@ -2568,7 +2568,7 @@
           <a:p>
             <a:fld id="{495911F8-3A92-4C30-BABF-4CB553799E6D}" type="datetimeFigureOut">
               <a:rPr lang="zh-CN" altLang="en-US" smtClean="0"/>
-              <a:t>2020/12/11</a:t>
+              <a:t>2020/12/12</a:t>
             </a:fld>
             <a:endParaRPr lang="zh-CN" altLang="en-US"/>
           </a:p>
@@ -2586,8 +2586,8 @@
         </p:nvSpPr>
         <p:spPr>
           <a:xfrm>
-            <a:off x="4038600" y="4687808"/>
-            <a:ext cx="4114800" cy="269280"/>
+            <a:off x="4038600" y="4019803"/>
+            <a:ext cx="4114800" cy="230908"/>
           </a:xfrm>
           <a:prstGeom prst="rect">
             <a:avLst/>
@@ -2597,7 +2597,7 @@
           <a:bodyPr vert="horz" lIns="91440" tIns="45720" rIns="91440" bIns="45720" rtlCol="0" anchor="ctr"/>
           <a:lstStyle>
             <a:lvl1pPr algn="ctr">
-              <a:defRPr sz="885">
+              <a:defRPr sz="759">
                 <a:solidFill>
                   <a:schemeClr val="tx1">
                     <a:tint val="75000"/>
@@ -2623,8 +2623,8 @@
         </p:nvSpPr>
         <p:spPr>
           <a:xfrm>
-            <a:off x="8610600" y="4687808"/>
-            <a:ext cx="2743200" cy="269280"/>
+            <a:off x="8610600" y="4019803"/>
+            <a:ext cx="2743200" cy="230908"/>
           </a:xfrm>
           <a:prstGeom prst="rect">
             <a:avLst/>
@@ -2634,7 +2634,7 @@
           <a:bodyPr vert="horz" lIns="91440" tIns="45720" rIns="91440" bIns="45720" rtlCol="0" anchor="ctr"/>
           <a:lstStyle>
             <a:lvl1pPr algn="r">
-              <a:defRPr sz="885">
+              <a:defRPr sz="759">
                 <a:solidFill>
                   <a:schemeClr val="tx1">
                     <a:tint val="75000"/>
@@ -2655,27 +2655,27 @@
     </p:spTree>
     <p:extLst>
       <p:ext uri="{BB962C8B-B14F-4D97-AF65-F5344CB8AC3E}">
-        <p14:creationId xmlns:p14="http://schemas.microsoft.com/office/powerpoint/2010/main" val="37689198"/>
+        <p14:creationId xmlns:p14="http://schemas.microsoft.com/office/powerpoint/2010/main" val="3196281901"/>
       </p:ext>
     </p:extLst>
   </p:cSld>
   <p:clrMap bg1="lt1" tx1="dk1" bg2="lt2" tx2="dk2" accent1="accent1" accent2="accent2" accent3="accent3" accent4="accent4" accent5="accent5" accent6="accent6" hlink="hlink" folHlink="folHlink"/>
   <p:sldLayoutIdLst>
-    <p:sldLayoutId id="2147483673" r:id="rId1"/>
-    <p:sldLayoutId id="2147483674" r:id="rId2"/>
-    <p:sldLayoutId id="2147483675" r:id="rId3"/>
-    <p:sldLayoutId id="2147483676" r:id="rId4"/>
-    <p:sldLayoutId id="2147483677" r:id="rId5"/>
-    <p:sldLayoutId id="2147483678" r:id="rId6"/>
-    <p:sldLayoutId id="2147483679" r:id="rId7"/>
-    <p:sldLayoutId id="2147483680" r:id="rId8"/>
-    <p:sldLayoutId id="2147483681" r:id="rId9"/>
-    <p:sldLayoutId id="2147483682" r:id="rId10"/>
-    <p:sldLayoutId id="2147483683" r:id="rId11"/>
+    <p:sldLayoutId id="2147483685" r:id="rId1"/>
+    <p:sldLayoutId id="2147483686" r:id="rId2"/>
+    <p:sldLayoutId id="2147483687" r:id="rId3"/>
+    <p:sldLayoutId id="2147483688" r:id="rId4"/>
+    <p:sldLayoutId id="2147483689" r:id="rId5"/>
+    <p:sldLayoutId id="2147483690" r:id="rId6"/>
+    <p:sldLayoutId id="2147483691" r:id="rId7"/>
+    <p:sldLayoutId id="2147483692" r:id="rId8"/>
+    <p:sldLayoutId id="2147483693" r:id="rId9"/>
+    <p:sldLayoutId id="2147483694" r:id="rId10"/>
+    <p:sldLayoutId id="2147483695" r:id="rId11"/>
   </p:sldLayoutIdLst>
   <p:txStyles>
     <p:titleStyle>
-      <a:lvl1pPr algn="l" defTabSz="674370" rtl="0" eaLnBrk="1" latinLnBrk="0" hangingPunct="1">
+      <a:lvl1pPr algn="l" defTabSz="578267" rtl="0" eaLnBrk="1" latinLnBrk="0" hangingPunct="1">
         <a:lnSpc>
           <a:spcPct val="90000"/>
         </a:lnSpc>
@@ -2683,7 +2683,7 @@
           <a:spcPct val="0"/>
         </a:spcBef>
         <a:buNone/>
-        <a:defRPr sz="3245" kern="1200">
+        <a:defRPr sz="2783" kern="1200">
           <a:solidFill>
             <a:schemeClr val="tx1"/>
           </a:solidFill>
@@ -2694,16 +2694,16 @@
       </a:lvl1pPr>
     </p:titleStyle>
     <p:bodyStyle>
-      <a:lvl1pPr marL="168593" indent="-168593" algn="l" defTabSz="674370" rtl="0" eaLnBrk="1" latinLnBrk="0" hangingPunct="1">
+      <a:lvl1pPr marL="144567" indent="-144567" algn="l" defTabSz="578267" rtl="0" eaLnBrk="1" latinLnBrk="0" hangingPunct="1">
         <a:lnSpc>
           <a:spcPct val="90000"/>
         </a:lnSpc>
         <a:spcBef>
-          <a:spcPts val="738"/>
+          <a:spcPts val="632"/>
         </a:spcBef>
         <a:buFont typeface="Arial" panose="020B0604020202020204" pitchFamily="34" charset="0"/>
         <a:buChar char="•"/>
-        <a:defRPr sz="2065" kern="1200">
+        <a:defRPr sz="1771" kern="1200">
           <a:solidFill>
             <a:schemeClr val="tx1"/>
           </a:solidFill>
@@ -2712,16 +2712,16 @@
           <a:cs typeface="+mn-cs"/>
         </a:defRPr>
       </a:lvl1pPr>
-      <a:lvl2pPr marL="505778" indent="-168593" algn="l" defTabSz="674370" rtl="0" eaLnBrk="1" latinLnBrk="0" hangingPunct="1">
+      <a:lvl2pPr marL="433700" indent="-144567" algn="l" defTabSz="578267" rtl="0" eaLnBrk="1" latinLnBrk="0" hangingPunct="1">
         <a:lnSpc>
           <a:spcPct val="90000"/>
         </a:lnSpc>
         <a:spcBef>
-          <a:spcPts val="369"/>
+          <a:spcPts val="316"/>
         </a:spcBef>
         <a:buFont typeface="Arial" panose="020B0604020202020204" pitchFamily="34" charset="0"/>
         <a:buChar char="•"/>
-        <a:defRPr sz="1770" kern="1200">
+        <a:defRPr sz="1518" kern="1200">
           <a:solidFill>
             <a:schemeClr val="tx1"/>
           </a:solidFill>
@@ -2730,16 +2730,16 @@
           <a:cs typeface="+mn-cs"/>
         </a:defRPr>
       </a:lvl2pPr>
-      <a:lvl3pPr marL="842963" indent="-168593" algn="l" defTabSz="674370" rtl="0" eaLnBrk="1" latinLnBrk="0" hangingPunct="1">
+      <a:lvl3pPr marL="722833" indent="-144567" algn="l" defTabSz="578267" rtl="0" eaLnBrk="1" latinLnBrk="0" hangingPunct="1">
         <a:lnSpc>
           <a:spcPct val="90000"/>
         </a:lnSpc>
         <a:spcBef>
-          <a:spcPts val="369"/>
+          <a:spcPts val="316"/>
         </a:spcBef>
         <a:buFont typeface="Arial" panose="020B0604020202020204" pitchFamily="34" charset="0"/>
         <a:buChar char="•"/>
-        <a:defRPr sz="1475" kern="1200">
+        <a:defRPr sz="1265" kern="1200">
           <a:solidFill>
             <a:schemeClr val="tx1"/>
           </a:solidFill>
@@ -2748,16 +2748,16 @@
           <a:cs typeface="+mn-cs"/>
         </a:defRPr>
       </a:lvl3pPr>
-      <a:lvl4pPr marL="1180148" indent="-168593" algn="l" defTabSz="674370" rtl="0" eaLnBrk="1" latinLnBrk="0" hangingPunct="1">
+      <a:lvl4pPr marL="1011966" indent="-144567" algn="l" defTabSz="578267" rtl="0" eaLnBrk="1" latinLnBrk="0" hangingPunct="1">
         <a:lnSpc>
           <a:spcPct val="90000"/>
         </a:lnSpc>
         <a:spcBef>
-          <a:spcPts val="369"/>
+          <a:spcPts val="316"/>
         </a:spcBef>
         <a:buFont typeface="Arial" panose="020B0604020202020204" pitchFamily="34" charset="0"/>
         <a:buChar char="•"/>
-        <a:defRPr sz="1328" kern="1200">
+        <a:defRPr sz="1138" kern="1200">
           <a:solidFill>
             <a:schemeClr val="tx1"/>
           </a:solidFill>
@@ -2766,16 +2766,16 @@
           <a:cs typeface="+mn-cs"/>
         </a:defRPr>
       </a:lvl4pPr>
-      <a:lvl5pPr marL="1517333" indent="-168593" algn="l" defTabSz="674370" rtl="0" eaLnBrk="1" latinLnBrk="0" hangingPunct="1">
+      <a:lvl5pPr marL="1301100" indent="-144567" algn="l" defTabSz="578267" rtl="0" eaLnBrk="1" latinLnBrk="0" hangingPunct="1">
         <a:lnSpc>
           <a:spcPct val="90000"/>
         </a:lnSpc>
         <a:spcBef>
-          <a:spcPts val="369"/>
+          <a:spcPts val="316"/>
         </a:spcBef>
         <a:buFont typeface="Arial" panose="020B0604020202020204" pitchFamily="34" charset="0"/>
         <a:buChar char="•"/>
-        <a:defRPr sz="1328" kern="1200">
+        <a:defRPr sz="1138" kern="1200">
           <a:solidFill>
             <a:schemeClr val="tx1"/>
           </a:solidFill>
@@ -2784,16 +2784,16 @@
           <a:cs typeface="+mn-cs"/>
         </a:defRPr>
       </a:lvl5pPr>
-      <a:lvl6pPr marL="1854518" indent="-168593" algn="l" defTabSz="674370" rtl="0" eaLnBrk="1" latinLnBrk="0" hangingPunct="1">
+      <a:lvl6pPr marL="1590233" indent="-144567" algn="l" defTabSz="578267" rtl="0" eaLnBrk="1" latinLnBrk="0" hangingPunct="1">
         <a:lnSpc>
           <a:spcPct val="90000"/>
         </a:lnSpc>
         <a:spcBef>
-          <a:spcPts val="369"/>
+          <a:spcPts val="316"/>
         </a:spcBef>
         <a:buFont typeface="Arial" panose="020B0604020202020204" pitchFamily="34" charset="0"/>
         <a:buChar char="•"/>
-        <a:defRPr sz="1328" kern="1200">
+        <a:defRPr sz="1138" kern="1200">
           <a:solidFill>
             <a:schemeClr val="tx1"/>
           </a:solidFill>
@@ -2802,16 +2802,16 @@
           <a:cs typeface="+mn-cs"/>
         </a:defRPr>
       </a:lvl6pPr>
-      <a:lvl7pPr marL="2191703" indent="-168593" algn="l" defTabSz="674370" rtl="0" eaLnBrk="1" latinLnBrk="0" hangingPunct="1">
+      <a:lvl7pPr marL="1879366" indent="-144567" algn="l" defTabSz="578267" rtl="0" eaLnBrk="1" latinLnBrk="0" hangingPunct="1">
         <a:lnSpc>
           <a:spcPct val="90000"/>
         </a:lnSpc>
         <a:spcBef>
-          <a:spcPts val="369"/>
+          <a:spcPts val="316"/>
         </a:spcBef>
         <a:buFont typeface="Arial" panose="020B0604020202020204" pitchFamily="34" charset="0"/>
         <a:buChar char="•"/>
-        <a:defRPr sz="1328" kern="1200">
+        <a:defRPr sz="1138" kern="1200">
           <a:solidFill>
             <a:schemeClr val="tx1"/>
           </a:solidFill>
@@ -2820,16 +2820,16 @@
           <a:cs typeface="+mn-cs"/>
         </a:defRPr>
       </a:lvl7pPr>
-      <a:lvl8pPr marL="2528888" indent="-168593" algn="l" defTabSz="674370" rtl="0" eaLnBrk="1" latinLnBrk="0" hangingPunct="1">
+      <a:lvl8pPr marL="2168500" indent="-144567" algn="l" defTabSz="578267" rtl="0" eaLnBrk="1" latinLnBrk="0" hangingPunct="1">
         <a:lnSpc>
           <a:spcPct val="90000"/>
         </a:lnSpc>
         <a:spcBef>
-          <a:spcPts val="369"/>
+          <a:spcPts val="316"/>
         </a:spcBef>
         <a:buFont typeface="Arial" panose="020B0604020202020204" pitchFamily="34" charset="0"/>
         <a:buChar char="•"/>
-        <a:defRPr sz="1328" kern="1200">
+        <a:defRPr sz="1138" kern="1200">
           <a:solidFill>
             <a:schemeClr val="tx1"/>
           </a:solidFill>
@@ -2838,16 +2838,16 @@
           <a:cs typeface="+mn-cs"/>
         </a:defRPr>
       </a:lvl8pPr>
-      <a:lvl9pPr marL="2866073" indent="-168593" algn="l" defTabSz="674370" rtl="0" eaLnBrk="1" latinLnBrk="0" hangingPunct="1">
+      <a:lvl9pPr marL="2457633" indent="-144567" algn="l" defTabSz="578267" rtl="0" eaLnBrk="1" latinLnBrk="0" hangingPunct="1">
         <a:lnSpc>
           <a:spcPct val="90000"/>
         </a:lnSpc>
         <a:spcBef>
-          <a:spcPts val="369"/>
+          <a:spcPts val="316"/>
         </a:spcBef>
         <a:buFont typeface="Arial" panose="020B0604020202020204" pitchFamily="34" charset="0"/>
         <a:buChar char="•"/>
-        <a:defRPr sz="1328" kern="1200">
+        <a:defRPr sz="1138" kern="1200">
           <a:solidFill>
             <a:schemeClr val="tx1"/>
           </a:solidFill>
@@ -2861,8 +2861,8 @@
       <a:defPPr>
         <a:defRPr lang="en-US"/>
       </a:defPPr>
-      <a:lvl1pPr marL="0" algn="l" defTabSz="674370" rtl="0" eaLnBrk="1" latinLnBrk="0" hangingPunct="1">
-        <a:defRPr sz="1328" kern="1200">
+      <a:lvl1pPr marL="0" algn="l" defTabSz="578267" rtl="0" eaLnBrk="1" latinLnBrk="0" hangingPunct="1">
+        <a:defRPr sz="1138" kern="1200">
           <a:solidFill>
             <a:schemeClr val="tx1"/>
           </a:solidFill>
@@ -2871,8 +2871,8 @@
           <a:cs typeface="+mn-cs"/>
         </a:defRPr>
       </a:lvl1pPr>
-      <a:lvl2pPr marL="337185" algn="l" defTabSz="674370" rtl="0" eaLnBrk="1" latinLnBrk="0" hangingPunct="1">
-        <a:defRPr sz="1328" kern="1200">
+      <a:lvl2pPr marL="289133" algn="l" defTabSz="578267" rtl="0" eaLnBrk="1" latinLnBrk="0" hangingPunct="1">
+        <a:defRPr sz="1138" kern="1200">
           <a:solidFill>
             <a:schemeClr val="tx1"/>
           </a:solidFill>
@@ -2881,8 +2881,8 @@
           <a:cs typeface="+mn-cs"/>
         </a:defRPr>
       </a:lvl2pPr>
-      <a:lvl3pPr marL="674370" algn="l" defTabSz="674370" rtl="0" eaLnBrk="1" latinLnBrk="0" hangingPunct="1">
-        <a:defRPr sz="1328" kern="1200">
+      <a:lvl3pPr marL="578267" algn="l" defTabSz="578267" rtl="0" eaLnBrk="1" latinLnBrk="0" hangingPunct="1">
+        <a:defRPr sz="1138" kern="1200">
           <a:solidFill>
             <a:schemeClr val="tx1"/>
           </a:solidFill>
@@ -2891,8 +2891,8 @@
           <a:cs typeface="+mn-cs"/>
         </a:defRPr>
       </a:lvl3pPr>
-      <a:lvl4pPr marL="1011555" algn="l" defTabSz="674370" rtl="0" eaLnBrk="1" latinLnBrk="0" hangingPunct="1">
-        <a:defRPr sz="1328" kern="1200">
+      <a:lvl4pPr marL="867400" algn="l" defTabSz="578267" rtl="0" eaLnBrk="1" latinLnBrk="0" hangingPunct="1">
+        <a:defRPr sz="1138" kern="1200">
           <a:solidFill>
             <a:schemeClr val="tx1"/>
           </a:solidFill>
@@ -2901,8 +2901,8 @@
           <a:cs typeface="+mn-cs"/>
         </a:defRPr>
       </a:lvl4pPr>
-      <a:lvl5pPr marL="1348740" algn="l" defTabSz="674370" rtl="0" eaLnBrk="1" latinLnBrk="0" hangingPunct="1">
-        <a:defRPr sz="1328" kern="1200">
+      <a:lvl5pPr marL="1156533" algn="l" defTabSz="578267" rtl="0" eaLnBrk="1" latinLnBrk="0" hangingPunct="1">
+        <a:defRPr sz="1138" kern="1200">
           <a:solidFill>
             <a:schemeClr val="tx1"/>
           </a:solidFill>
@@ -2911,8 +2911,8 @@
           <a:cs typeface="+mn-cs"/>
         </a:defRPr>
       </a:lvl5pPr>
-      <a:lvl6pPr marL="1685925" algn="l" defTabSz="674370" rtl="0" eaLnBrk="1" latinLnBrk="0" hangingPunct="1">
-        <a:defRPr sz="1328" kern="1200">
+      <a:lvl6pPr marL="1445666" algn="l" defTabSz="578267" rtl="0" eaLnBrk="1" latinLnBrk="0" hangingPunct="1">
+        <a:defRPr sz="1138" kern="1200">
           <a:solidFill>
             <a:schemeClr val="tx1"/>
           </a:solidFill>
@@ -2921,8 +2921,8 @@
           <a:cs typeface="+mn-cs"/>
         </a:defRPr>
       </a:lvl6pPr>
-      <a:lvl7pPr marL="2023110" algn="l" defTabSz="674370" rtl="0" eaLnBrk="1" latinLnBrk="0" hangingPunct="1">
-        <a:defRPr sz="1328" kern="1200">
+      <a:lvl7pPr marL="1734800" algn="l" defTabSz="578267" rtl="0" eaLnBrk="1" latinLnBrk="0" hangingPunct="1">
+        <a:defRPr sz="1138" kern="1200">
           <a:solidFill>
             <a:schemeClr val="tx1"/>
           </a:solidFill>
@@ -2931,8 +2931,8 @@
           <a:cs typeface="+mn-cs"/>
         </a:defRPr>
       </a:lvl7pPr>
-      <a:lvl8pPr marL="2360295" algn="l" defTabSz="674370" rtl="0" eaLnBrk="1" latinLnBrk="0" hangingPunct="1">
-        <a:defRPr sz="1328" kern="1200">
+      <a:lvl8pPr marL="2023933" algn="l" defTabSz="578267" rtl="0" eaLnBrk="1" latinLnBrk="0" hangingPunct="1">
+        <a:defRPr sz="1138" kern="1200">
           <a:solidFill>
             <a:schemeClr val="tx1"/>
           </a:solidFill>
@@ -2941,8 +2941,8 @@
           <a:cs typeface="+mn-cs"/>
         </a:defRPr>
       </a:lvl8pPr>
-      <a:lvl9pPr marL="2697480" algn="l" defTabSz="674370" rtl="0" eaLnBrk="1" latinLnBrk="0" hangingPunct="1">
-        <a:defRPr sz="1328" kern="1200">
+      <a:lvl9pPr marL="2313066" algn="l" defTabSz="578267" rtl="0" eaLnBrk="1" latinLnBrk="0" hangingPunct="1">
+        <a:defRPr sz="1138" kern="1200">
           <a:solidFill>
             <a:schemeClr val="tx1"/>
           </a:solidFill>
@@ -2987,10 +2987,10 @@
         </p:nvGrpSpPr>
         <p:grpSpPr>
           <a:xfrm>
-            <a:off x="2273197" y="303081"/>
-            <a:ext cx="8940133" cy="4590007"/>
-            <a:chOff x="642518" y="-2784617"/>
-            <a:chExt cx="9942857" cy="5872279"/>
+            <a:off x="2232167" y="31240"/>
+            <a:ext cx="8940133" cy="4274571"/>
+            <a:chOff x="642518" y="-2381062"/>
+            <a:chExt cx="9942857" cy="5468723"/>
           </a:xfrm>
         </p:grpSpPr>
         <p:sp>
@@ -3055,8 +3055,8 @@
           </p:nvSpPr>
           <p:spPr>
             <a:xfrm>
-              <a:off x="5048010" y="-2784617"/>
-              <a:ext cx="4251972" cy="1882759"/>
+              <a:off x="3455780" y="-2381062"/>
+              <a:ext cx="3791653" cy="1680153"/>
             </a:xfrm>
             <a:prstGeom prst="rect">
               <a:avLst/>
@@ -3119,51 +3119,6 @@
             </a:p>
           </p:txBody>
         </p:sp>
-        <p:cxnSp>
-          <p:nvCxnSpPr>
-            <p:cNvPr id="8" name="Elbow Connector 14">
-              <a:extLst>
-                <a:ext uri="{FF2B5EF4-FFF2-40B4-BE49-F238E27FC236}">
-                  <a16:creationId xmlns:a16="http://schemas.microsoft.com/office/drawing/2014/main" id="{4B16B914-89B2-4C23-A9A9-2D3480F3DCA2}"/>
-                </a:ext>
-              </a:extLst>
-            </p:cNvPr>
-            <p:cNvCxnSpPr>
-              <a:cxnSpLocks/>
-            </p:cNvCxnSpPr>
-            <p:nvPr/>
-          </p:nvCxnSpPr>
-          <p:spPr>
-            <a:xfrm rot="10800000" flipV="1">
-              <a:off x="4632955" y="-1370625"/>
-              <a:ext cx="433186" cy="2272460"/>
-            </a:xfrm>
-            <a:prstGeom prst="bentConnector2">
-              <a:avLst/>
-            </a:prstGeom>
-            <a:ln w="38100">
-              <a:solidFill>
-                <a:schemeClr val="tx1"/>
-              </a:solidFill>
-              <a:headEnd type="none" w="lg" len="lg"/>
-              <a:tailEnd type="triangle" w="lg" len="lg"/>
-            </a:ln>
-          </p:spPr>
-          <p:style>
-            <a:lnRef idx="1">
-              <a:schemeClr val="accent1"/>
-            </a:lnRef>
-            <a:fillRef idx="0">
-              <a:schemeClr val="accent1"/>
-            </a:fillRef>
-            <a:effectRef idx="0">
-              <a:schemeClr val="accent1"/>
-            </a:effectRef>
-            <a:fontRef idx="minor">
-              <a:schemeClr val="tx1"/>
-            </a:fontRef>
-          </p:style>
-        </p:cxnSp>
         <p:sp>
           <p:nvSpPr>
             <p:cNvPr id="11" name="Right Arrow 17">
@@ -3222,8 +3177,8 @@
           </p:nvSpPr>
           <p:spPr>
             <a:xfrm>
-              <a:off x="6022996" y="2077181"/>
-              <a:ext cx="3505419" cy="1010481"/>
+              <a:off x="6113133" y="2077180"/>
+              <a:ext cx="3415283" cy="1010481"/>
             </a:xfrm>
             <a:prstGeom prst="rect">
               <a:avLst/>
@@ -3272,41 +3227,6 @@
               <a:r>
                 <a:rPr lang="en-US" sz="1511" dirty="0"/>
                 <a:t>)</a:t>
-              </a:r>
-            </a:p>
-          </p:txBody>
-        </p:sp>
-        <p:sp>
-          <p:nvSpPr>
-            <p:cNvPr id="13" name="TextBox 19">
-              <a:extLst>
-                <a:ext uri="{FF2B5EF4-FFF2-40B4-BE49-F238E27FC236}">
-                  <a16:creationId xmlns:a16="http://schemas.microsoft.com/office/drawing/2014/main" id="{065C671D-7E66-4295-A9EA-F148702C9800}"/>
-                </a:ext>
-              </a:extLst>
-            </p:cNvPr>
-            <p:cNvSpPr txBox="1"/>
-            <p:nvPr/>
-          </p:nvSpPr>
-          <p:spPr>
-            <a:xfrm>
-              <a:off x="2550589" y="-996916"/>
-              <a:ext cx="824008" cy="452821"/>
-            </a:xfrm>
-            <a:prstGeom prst="rect">
-              <a:avLst/>
-            </a:prstGeom>
-            <a:noFill/>
-          </p:spPr>
-          <p:txBody>
-            <a:bodyPr wrap="none" rtlCol="0">
-              <a:spAutoFit/>
-            </a:bodyPr>
-            <a:lstStyle/>
-            <a:p>
-              <a:r>
-                <a:rPr lang="en-US" sz="1700" dirty="0"/>
-                <a:t>1080p</a:t>
               </a:r>
             </a:p>
           </p:txBody>
@@ -3447,8 +3367,8 @@
         </p:nvSpPr>
         <p:spPr>
           <a:xfrm>
-            <a:off x="10056281" y="633189"/>
-            <a:ext cx="2276298" cy="353943"/>
+            <a:off x="8513814" y="25834"/>
+            <a:ext cx="2276298" cy="400110"/>
           </a:xfrm>
           <a:prstGeom prst="rect">
             <a:avLst/>
@@ -3462,7 +3382,7 @@
           <a:lstStyle/>
           <a:p>
             <a:r>
-              <a:rPr lang="en-US" altLang="zh-CN" sz="1700" b="1" i="1" dirty="0"/>
+              <a:rPr lang="en-US" altLang="zh-CN" sz="2000" b="1" i="1" dirty="0"/>
               <a:t>Reward  Feedback</a:t>
             </a:r>
           </a:p>
@@ -3482,7 +3402,7 @@
         </p:nvSpPr>
         <p:spPr>
           <a:xfrm>
-            <a:off x="1700696" y="3259868"/>
+            <a:off x="1659666" y="2672592"/>
             <a:ext cx="520703" cy="693097"/>
           </a:xfrm>
           <a:prstGeom prst="rightArrow">
@@ -3526,7 +3446,7 @@
         </p:nvSpPr>
         <p:spPr>
           <a:xfrm>
-            <a:off x="2273192" y="3278702"/>
+            <a:off x="2232161" y="2691426"/>
             <a:ext cx="1785436" cy="877163"/>
           </a:xfrm>
           <a:prstGeom prst="rect">
@@ -3610,7 +3530,7 @@
         </p:nvSpPr>
         <p:spPr>
           <a:xfrm>
-            <a:off x="4078022" y="3427948"/>
+            <a:off x="4036992" y="2840671"/>
             <a:ext cx="962199" cy="298000"/>
           </a:xfrm>
           <a:prstGeom prst="rightArrow">
@@ -3668,7 +3588,7 @@
         </p:blipFill>
         <p:spPr>
           <a:xfrm>
-            <a:off x="3513733" y="2020627"/>
+            <a:off x="3472703" y="1433351"/>
             <a:ext cx="1405617" cy="790659"/>
           </a:xfrm>
           <a:prstGeom prst="rect">
@@ -3704,7 +3624,7 @@
         </p:blipFill>
         <p:spPr>
           <a:xfrm>
-            <a:off x="3675640" y="2172538"/>
+            <a:off x="3634610" y="1585261"/>
             <a:ext cx="1405619" cy="790660"/>
           </a:xfrm>
           <a:prstGeom prst="rect">
@@ -3740,7 +3660,7 @@
         </p:blipFill>
         <p:spPr>
           <a:xfrm>
-            <a:off x="3930191" y="2307222"/>
+            <a:off x="3889161" y="1719946"/>
             <a:ext cx="1405617" cy="790659"/>
           </a:xfrm>
           <a:prstGeom prst="rect">
@@ -3762,7 +3682,7 @@
         </p:nvSpPr>
         <p:spPr>
           <a:xfrm rot="2290779">
-            <a:off x="3231613" y="2563471"/>
+            <a:off x="3190583" y="1976194"/>
             <a:ext cx="445281" cy="557204"/>
           </a:xfrm>
           <a:prstGeom prst="rect">
@@ -3812,7 +3732,7 @@
         </p:blipFill>
         <p:spPr>
           <a:xfrm>
-            <a:off x="6757660" y="2887300"/>
+            <a:off x="6716630" y="2300024"/>
             <a:ext cx="726187" cy="432447"/>
           </a:xfrm>
           <a:prstGeom prst="rect">
@@ -3831,19 +3751,20 @@
           </p:cNvPr>
           <p:cNvCxnSpPr>
             <a:cxnSpLocks/>
+            <a:stCxn id="7" idx="1"/>
             <a:endCxn id="29" idx="0"/>
           </p:cNvCxnSpPr>
           <p:nvPr/>
         </p:nvCxnSpPr>
         <p:spPr>
           <a:xfrm rot="10800000" flipV="1">
-            <a:off x="3165910" y="1408736"/>
-            <a:ext cx="2694034" cy="1869962"/>
+            <a:off x="3124881" y="687876"/>
+            <a:ext cx="1636835" cy="2003549"/>
           </a:xfrm>
           <a:prstGeom prst="bentConnector2">
             <a:avLst/>
           </a:prstGeom>
-          <a:ln w="38100">
+          <a:ln w="28575">
             <a:solidFill>
               <a:schemeClr val="tx1"/>
             </a:solidFill>
@@ -3880,7 +3801,7 @@
         </p:nvSpPr>
         <p:spPr>
           <a:xfrm>
-            <a:off x="7697744" y="3214261"/>
+            <a:off x="7656714" y="2626985"/>
             <a:ext cx="2076489" cy="877163"/>
           </a:xfrm>
           <a:prstGeom prst="rect">
@@ -3965,7 +3886,7 @@
         </p:nvSpPr>
         <p:spPr>
           <a:xfrm>
-            <a:off x="2221395" y="4199170"/>
+            <a:off x="2180364" y="3611894"/>
             <a:ext cx="2425796" cy="324833"/>
           </a:xfrm>
           <a:prstGeom prst="rect">
@@ -3999,54 +3920,6 @@
           </a:p>
         </p:txBody>
       </p:sp>
-      <p:cxnSp>
-        <p:nvCxnSpPr>
-          <p:cNvPr id="42" name="Elbow Connector 14">
-            <a:extLst>
-              <a:ext uri="{FF2B5EF4-FFF2-40B4-BE49-F238E27FC236}">
-                <a16:creationId xmlns:a16="http://schemas.microsoft.com/office/drawing/2014/main" id="{CC40E6BE-5816-4F56-9AA3-7CA2EB7D1DCE}"/>
-              </a:ext>
-            </a:extLst>
-          </p:cNvPr>
-          <p:cNvCxnSpPr>
-            <a:cxnSpLocks/>
-            <a:endCxn id="65" idx="0"/>
-          </p:cNvCxnSpPr>
-          <p:nvPr/>
-        </p:nvCxnSpPr>
-        <p:spPr>
-          <a:xfrm rot="5400000">
-            <a:off x="8024816" y="2503086"/>
-            <a:ext cx="1422340" cy="2"/>
-          </a:xfrm>
-          <a:prstGeom prst="bentConnector3">
-            <a:avLst>
-              <a:gd name="adj1" fmla="val 50000"/>
-            </a:avLst>
-          </a:prstGeom>
-          <a:ln w="38100">
-            <a:solidFill>
-              <a:schemeClr val="tx1"/>
-            </a:solidFill>
-            <a:headEnd type="none" w="lg" len="lg"/>
-            <a:tailEnd type="triangle" w="lg" len="lg"/>
-          </a:ln>
-        </p:spPr>
-        <p:style>
-          <a:lnRef idx="1">
-            <a:schemeClr val="accent1"/>
-          </a:lnRef>
-          <a:fillRef idx="0">
-            <a:schemeClr val="accent1"/>
-          </a:fillRef>
-          <a:effectRef idx="0">
-            <a:schemeClr val="accent1"/>
-          </a:effectRef>
-          <a:fontRef idx="minor">
-            <a:schemeClr val="tx1"/>
-          </a:fontRef>
-        </p:style>
-      </p:cxnSp>
       <p:sp>
         <p:nvSpPr>
           <p:cNvPr id="57" name="Right Arrow 17">
@@ -4061,7 +3934,7 @@
         </p:nvSpPr>
         <p:spPr>
           <a:xfrm>
-            <a:off x="9824193" y="3427948"/>
+            <a:off x="9783162" y="2840671"/>
             <a:ext cx="466726" cy="298000"/>
           </a:xfrm>
           <a:prstGeom prst="rightArrow">
@@ -4105,7 +3978,7 @@
         </p:nvSpPr>
         <p:spPr>
           <a:xfrm>
-            <a:off x="10320616" y="3234639"/>
+            <a:off x="10279586" y="2647363"/>
             <a:ext cx="1115851" cy="615553"/>
           </a:xfrm>
           <a:prstGeom prst="rect">
@@ -4174,7 +4047,7 @@
         </p:nvSpPr>
         <p:spPr>
           <a:xfrm>
-            <a:off x="8695349" y="535917"/>
+            <a:off x="6936400" y="236676"/>
             <a:ext cx="324744" cy="286059"/>
           </a:xfrm>
           <a:prstGeom prst="ellipse">
@@ -4228,7 +4101,7 @@
         </p:nvSpPr>
         <p:spPr>
           <a:xfrm>
-            <a:off x="8695348" y="924585"/>
+            <a:off x="6936399" y="625344"/>
             <a:ext cx="324744" cy="286059"/>
           </a:xfrm>
           <a:prstGeom prst="ellipse">
@@ -4282,7 +4155,7 @@
         </p:nvSpPr>
         <p:spPr>
           <a:xfrm>
-            <a:off x="9427253" y="525131"/>
+            <a:off x="7668304" y="225890"/>
             <a:ext cx="324744" cy="286059"/>
           </a:xfrm>
           <a:prstGeom prst="ellipse">
@@ -4336,7 +4209,7 @@
         </p:nvSpPr>
         <p:spPr>
           <a:xfrm>
-            <a:off x="9427255" y="913478"/>
+            <a:off x="7668306" y="614237"/>
             <a:ext cx="324744" cy="286059"/>
           </a:xfrm>
           <a:prstGeom prst="ellipse">
@@ -4390,7 +4263,7 @@
         </p:nvSpPr>
         <p:spPr>
           <a:xfrm>
-            <a:off x="9427254" y="1273670"/>
+            <a:off x="7668305" y="974429"/>
             <a:ext cx="324744" cy="286059"/>
           </a:xfrm>
           <a:prstGeom prst="ellipse">
@@ -4444,7 +4317,7 @@
         </p:nvSpPr>
         <p:spPr>
           <a:xfrm>
-            <a:off x="8695348" y="1264726"/>
+            <a:off x="6936399" y="965485"/>
             <a:ext cx="324744" cy="286059"/>
           </a:xfrm>
           <a:prstGeom prst="ellipse">
@@ -4502,7 +4375,7 @@
         </p:nvCxnSpPr>
         <p:spPr>
           <a:xfrm flipV="1">
-            <a:off x="9020092" y="668160"/>
+            <a:off x="7261143" y="368919"/>
             <a:ext cx="407160" cy="10785"/>
           </a:xfrm>
           <a:prstGeom prst="line">
@@ -4546,7 +4419,7 @@
         </p:nvCxnSpPr>
         <p:spPr>
           <a:xfrm flipV="1">
-            <a:off x="9020087" y="1056502"/>
+            <a:off x="7261139" y="757260"/>
             <a:ext cx="407163" cy="11106"/>
           </a:xfrm>
           <a:prstGeom prst="line">
@@ -4590,7 +4463,7 @@
         </p:nvCxnSpPr>
         <p:spPr>
           <a:xfrm flipV="1">
-            <a:off x="9020089" y="668159"/>
+            <a:off x="7261140" y="368918"/>
             <a:ext cx="407162" cy="399453"/>
           </a:xfrm>
           <a:prstGeom prst="line">
@@ -4635,7 +4508,7 @@
         </p:nvCxnSpPr>
         <p:spPr>
           <a:xfrm>
-            <a:off x="9020093" y="1067615"/>
+            <a:off x="7261144" y="768374"/>
             <a:ext cx="407162" cy="349085"/>
           </a:xfrm>
           <a:prstGeom prst="line">
@@ -4679,7 +4552,7 @@
         </p:nvCxnSpPr>
         <p:spPr>
           <a:xfrm>
-            <a:off x="9020094" y="678943"/>
+            <a:off x="7261145" y="379702"/>
             <a:ext cx="407162" cy="377563"/>
           </a:xfrm>
           <a:prstGeom prst="line">
@@ -4723,7 +4596,7 @@
         </p:nvCxnSpPr>
         <p:spPr>
           <a:xfrm>
-            <a:off x="9020098" y="678937"/>
+            <a:off x="7261150" y="379696"/>
             <a:ext cx="454719" cy="838889"/>
           </a:xfrm>
           <a:prstGeom prst="line">
@@ -4768,7 +4641,7 @@
         </p:nvCxnSpPr>
         <p:spPr>
           <a:xfrm flipV="1">
-            <a:off x="9020092" y="1056495"/>
+            <a:off x="7261143" y="757253"/>
             <a:ext cx="407164" cy="351248"/>
           </a:xfrm>
           <a:prstGeom prst="line">
@@ -4813,7 +4686,7 @@
         </p:nvCxnSpPr>
         <p:spPr>
           <a:xfrm>
-            <a:off x="9020087" y="1407752"/>
+            <a:off x="7261139" y="1108510"/>
             <a:ext cx="407163" cy="8942"/>
           </a:xfrm>
           <a:prstGeom prst="line">
@@ -4858,7 +4731,7 @@
         </p:nvCxnSpPr>
         <p:spPr>
           <a:xfrm flipV="1">
-            <a:off x="9020090" y="668155"/>
+            <a:off x="7261141" y="368913"/>
             <a:ext cx="407162" cy="739596"/>
           </a:xfrm>
           <a:prstGeom prst="line">
@@ -4897,14 +4770,13 @@
           <p:cNvCxnSpPr>
             <a:cxnSpLocks/>
             <a:stCxn id="58" idx="0"/>
-            <a:endCxn id="7" idx="3"/>
           </p:cNvCxnSpPr>
           <p:nvPr/>
         </p:nvCxnSpPr>
         <p:spPr>
           <a:xfrm rot="16200000" flipV="1">
-            <a:off x="9370182" y="1726282"/>
-            <a:ext cx="2195738" cy="820975"/>
+            <a:off x="8403618" y="213469"/>
+            <a:ext cx="2221418" cy="2646368"/>
           </a:xfrm>
           <a:prstGeom prst="bentConnector2">
             <a:avLst/>
@@ -4945,7 +4817,7 @@
         </p:nvSpPr>
         <p:spPr>
           <a:xfrm>
-            <a:off x="399356" y="3184646"/>
+            <a:off x="358325" y="2597370"/>
             <a:ext cx="1224592" cy="789703"/>
           </a:xfrm>
           <a:prstGeom prst="rect">
@@ -5010,15 +4882,15 @@
             </a:extLst>
           </p:cNvPr>
           <p:cNvCxnSpPr>
+            <a:cxnSpLocks/>
             <a:stCxn id="50" idx="0"/>
-            <a:endCxn id="7" idx="1"/>
           </p:cNvCxnSpPr>
           <p:nvPr/>
         </p:nvCxnSpPr>
         <p:spPr>
           <a:xfrm rot="5400000" flipH="1" flipV="1">
-            <a:off x="2550154" y="-499601"/>
-            <a:ext cx="2145745" cy="5222745"/>
+            <a:off x="1777111" y="-367075"/>
+            <a:ext cx="2157954" cy="3770934"/>
           </a:xfrm>
           <a:prstGeom prst="bentConnector2">
             <a:avLst/>
@@ -5056,8 +4928,8 @@
         </p:nvSpPr>
         <p:spPr>
           <a:xfrm>
-            <a:off x="1700683" y="633189"/>
-            <a:ext cx="3752100" cy="353943"/>
+            <a:off x="1319826" y="-1165"/>
+            <a:ext cx="3752100" cy="400110"/>
           </a:xfrm>
           <a:prstGeom prst="rect">
             <a:avLst/>
@@ -5071,12 +4943,162 @@
           <a:lstStyle/>
           <a:p>
             <a:r>
-              <a:rPr lang="en-US" altLang="zh-CN" sz="1700" b="1" i="1" dirty="0"/>
+              <a:rPr lang="en-US" altLang="zh-CN" sz="2000" b="1" i="1" dirty="0"/>
               <a:t>Spatial and temporal features</a:t>
             </a:r>
           </a:p>
         </p:txBody>
       </p:sp>
+      <p:sp>
+        <p:nvSpPr>
+          <p:cNvPr id="45" name="TextBox 16">
+            <a:extLst>
+              <a:ext uri="{FF2B5EF4-FFF2-40B4-BE49-F238E27FC236}">
+                <a16:creationId xmlns:a16="http://schemas.microsoft.com/office/drawing/2014/main" id="{CA7EB751-9521-4420-B38F-6EE665F73C1B}"/>
+              </a:ext>
+            </a:extLst>
+          </p:cNvPr>
+          <p:cNvSpPr txBox="1"/>
+          <p:nvPr/>
+        </p:nvSpPr>
+        <p:spPr>
+          <a:xfrm>
+            <a:off x="1115452" y="983321"/>
+            <a:ext cx="2276297" cy="1139286"/>
+          </a:xfrm>
+          <a:prstGeom prst="rect">
+            <a:avLst/>
+          </a:prstGeom>
+          <a:noFill/>
+        </p:spPr>
+        <p:txBody>
+          <a:bodyPr wrap="square" rtlCol="0">
+            <a:spAutoFit/>
+          </a:bodyPr>
+          <a:lstStyle/>
+          <a:p>
+            <a:r>
+              <a:rPr lang="en-US" altLang="zh-CN" sz="1701" b="1" i="1" dirty="0"/>
+              <a:t>Configurations:</a:t>
+            </a:r>
+          </a:p>
+          <a:p>
+            <a:pPr marL="431660" indent="-431660">
+              <a:buFont typeface="Arial" charset="0"/>
+              <a:buChar char="•"/>
+            </a:pPr>
+            <a:r>
+              <a:rPr lang="en-US" altLang="zh-CN" sz="1701" i="1" dirty="0"/>
+              <a:t>FPS</a:t>
+            </a:r>
+          </a:p>
+          <a:p>
+            <a:pPr marL="431660" indent="-431660">
+              <a:buFont typeface="Arial" charset="0"/>
+              <a:buChar char="•"/>
+            </a:pPr>
+            <a:r>
+              <a:rPr lang="en-US" altLang="zh-CN" sz="1701" i="1" dirty="0"/>
+              <a:t>Resolution</a:t>
+            </a:r>
+          </a:p>
+          <a:p>
+            <a:pPr marL="431660" indent="-431660">
+              <a:buFont typeface="Arial" charset="0"/>
+              <a:buChar char="•"/>
+            </a:pPr>
+            <a:r>
+              <a:rPr lang="en-US" altLang="zh-CN" sz="1701" i="1" dirty="0"/>
+              <a:t>Model</a:t>
+            </a:r>
+          </a:p>
+        </p:txBody>
+      </p:sp>
+      <p:cxnSp>
+        <p:nvCxnSpPr>
+          <p:cNvPr id="71" name="直接箭头连接符 70">
+            <a:extLst>
+              <a:ext uri="{FF2B5EF4-FFF2-40B4-BE49-F238E27FC236}">
+                <a16:creationId xmlns:a16="http://schemas.microsoft.com/office/drawing/2014/main" id="{7EE09BE3-9D16-481A-A01D-BA5EEFE726A4}"/>
+              </a:ext>
+            </a:extLst>
+          </p:cNvPr>
+          <p:cNvCxnSpPr>
+            <a:cxnSpLocks/>
+            <a:endCxn id="22" idx="0"/>
+          </p:cNvCxnSpPr>
+          <p:nvPr/>
+        </p:nvCxnSpPr>
+        <p:spPr>
+          <a:xfrm flipH="1">
+            <a:off x="5803870" y="1339911"/>
+            <a:ext cx="5178" cy="1267344"/>
+          </a:xfrm>
+          <a:prstGeom prst="straightConnector1">
+            <a:avLst/>
+          </a:prstGeom>
+          <a:ln w="28575">
+            <a:tailEnd type="triangle"/>
+          </a:ln>
+        </p:spPr>
+        <p:style>
+          <a:lnRef idx="1">
+            <a:schemeClr val="dk1"/>
+          </a:lnRef>
+          <a:fillRef idx="0">
+            <a:schemeClr val="dk1"/>
+          </a:fillRef>
+          <a:effectRef idx="0">
+            <a:schemeClr val="dk1"/>
+          </a:effectRef>
+          <a:fontRef idx="minor">
+            <a:schemeClr val="tx1"/>
+          </a:fontRef>
+        </p:style>
+      </p:cxnSp>
+      <p:cxnSp>
+        <p:nvCxnSpPr>
+          <p:cNvPr id="75" name="连接符: 肘形 74">
+            <a:extLst>
+              <a:ext uri="{FF2B5EF4-FFF2-40B4-BE49-F238E27FC236}">
+                <a16:creationId xmlns:a16="http://schemas.microsoft.com/office/drawing/2014/main" id="{4A657362-B305-410A-8F75-19ECDCB59005}"/>
+              </a:ext>
+            </a:extLst>
+          </p:cNvPr>
+          <p:cNvCxnSpPr>
+            <a:cxnSpLocks/>
+            <a:stCxn id="7" idx="3"/>
+            <a:endCxn id="65" idx="0"/>
+          </p:cNvCxnSpPr>
+          <p:nvPr/>
+        </p:nvCxnSpPr>
+        <p:spPr>
+          <a:xfrm>
+            <a:off x="8170984" y="687876"/>
+            <a:ext cx="523974" cy="1939108"/>
+          </a:xfrm>
+          <a:prstGeom prst="bentConnector2">
+            <a:avLst/>
+          </a:prstGeom>
+          <a:ln w="28575">
+            <a:tailEnd type="triangle"/>
+          </a:ln>
+        </p:spPr>
+        <p:style>
+          <a:lnRef idx="1">
+            <a:schemeClr val="dk1"/>
+          </a:lnRef>
+          <a:fillRef idx="0">
+            <a:schemeClr val="dk1"/>
+          </a:fillRef>
+          <a:effectRef idx="0">
+            <a:schemeClr val="dk1"/>
+          </a:effectRef>
+          <a:fontRef idx="minor">
+            <a:schemeClr val="tx1"/>
+          </a:fontRef>
+        </p:style>
+      </p:cxnSp>
     </p:spTree>
     <p:extLst>
       <p:ext uri="{BB962C8B-B14F-4D97-AF65-F5344CB8AC3E}">

--- a/paper/figures/auto_framework.pptx
+++ b/paper/figures/auto_framework.pptx
@@ -2,12 +2,12 @@
 <file path=ppt/presentation.xml><?xml version="1.0" encoding="utf-8"?>
 <p:presentation xmlns:a="http://schemas.openxmlformats.org/drawingml/2006/main" xmlns:r="http://schemas.openxmlformats.org/officeDocument/2006/relationships" xmlns:p="http://schemas.openxmlformats.org/presentationml/2006/main" saveSubsetFonts="1">
   <p:sldMasterIdLst>
-    <p:sldMasterId id="2147483684" r:id="rId1"/>
+    <p:sldMasterId id="2147483744" r:id="rId1"/>
   </p:sldMasterIdLst>
   <p:sldIdLst>
     <p:sldId id="6271" r:id="rId2"/>
   </p:sldIdLst>
-  <p:sldSz cx="12192000" cy="4337050"/>
+  <p:sldSz cx="12192000" cy="2735263"/>
   <p:notesSz cx="6858000" cy="9144000"/>
   <p:defaultTextStyle>
     <a:defPPr>
@@ -141,15 +141,15 @@
         </p:nvSpPr>
         <p:spPr>
           <a:xfrm>
-            <a:off x="1524000" y="709791"/>
-            <a:ext cx="9144000" cy="1509936"/>
+            <a:off x="1524000" y="447646"/>
+            <a:ext cx="9144000" cy="952277"/>
           </a:xfrm>
         </p:spPr>
         <p:txBody>
           <a:bodyPr anchor="b"/>
           <a:lstStyle>
             <a:lvl1pPr algn="ctr">
-              <a:defRPr sz="3794"/>
+              <a:defRPr sz="2393"/>
             </a:lvl1pPr>
           </a:lstStyle>
           <a:p>
@@ -173,8 +173,8 @@
         </p:nvSpPr>
         <p:spPr>
           <a:xfrm>
-            <a:off x="1524000" y="2277956"/>
-            <a:ext cx="9144000" cy="1047116"/>
+            <a:off x="1524000" y="1436646"/>
+            <a:ext cx="9144000" cy="660389"/>
           </a:xfrm>
         </p:spPr>
         <p:txBody>
@@ -182,39 +182,39 @@
           <a:lstStyle>
             <a:lvl1pPr marL="0" indent="0" algn="ctr">
               <a:buNone/>
-              <a:defRPr sz="1518"/>
+              <a:defRPr sz="957"/>
             </a:lvl1pPr>
-            <a:lvl2pPr marL="289133" indent="0" algn="ctr">
-              <a:buNone/>
-              <a:defRPr sz="1265"/>
+            <a:lvl2pPr marL="182331" indent="0" algn="ctr">
+              <a:buNone/>
+              <a:defRPr sz="798"/>
             </a:lvl2pPr>
-            <a:lvl3pPr marL="578267" indent="0" algn="ctr">
-              <a:buNone/>
-              <a:defRPr sz="1138"/>
+            <a:lvl3pPr marL="364663" indent="0" algn="ctr">
+              <a:buNone/>
+              <a:defRPr sz="718"/>
             </a:lvl3pPr>
-            <a:lvl4pPr marL="867400" indent="0" algn="ctr">
-              <a:buNone/>
-              <a:defRPr sz="1012"/>
+            <a:lvl4pPr marL="546994" indent="0" algn="ctr">
+              <a:buNone/>
+              <a:defRPr sz="638"/>
             </a:lvl4pPr>
-            <a:lvl5pPr marL="1156533" indent="0" algn="ctr">
-              <a:buNone/>
-              <a:defRPr sz="1012"/>
+            <a:lvl5pPr marL="729325" indent="0" algn="ctr">
+              <a:buNone/>
+              <a:defRPr sz="638"/>
             </a:lvl5pPr>
-            <a:lvl6pPr marL="1445666" indent="0" algn="ctr">
-              <a:buNone/>
-              <a:defRPr sz="1012"/>
+            <a:lvl6pPr marL="911657" indent="0" algn="ctr">
+              <a:buNone/>
+              <a:defRPr sz="638"/>
             </a:lvl6pPr>
-            <a:lvl7pPr marL="1734800" indent="0" algn="ctr">
-              <a:buNone/>
-              <a:defRPr sz="1012"/>
+            <a:lvl7pPr marL="1093988" indent="0" algn="ctr">
+              <a:buNone/>
+              <a:defRPr sz="638"/>
             </a:lvl7pPr>
-            <a:lvl8pPr marL="2023933" indent="0" algn="ctr">
-              <a:buNone/>
-              <a:defRPr sz="1012"/>
+            <a:lvl8pPr marL="1276320" indent="0" algn="ctr">
+              <a:buNone/>
+              <a:defRPr sz="638"/>
             </a:lvl8pPr>
-            <a:lvl9pPr marL="2313066" indent="0" algn="ctr">
-              <a:buNone/>
-              <a:defRPr sz="1012"/>
+            <a:lvl9pPr marL="1458651" indent="0" algn="ctr">
+              <a:buNone/>
+              <a:defRPr sz="638"/>
             </a:lvl9pPr>
           </a:lstStyle>
           <a:p>
@@ -243,7 +243,7 @@
           <a:p>
             <a:fld id="{495911F8-3A92-4C30-BABF-4CB553799E6D}" type="datetimeFigureOut">
               <a:rPr lang="zh-CN" altLang="en-US" smtClean="0"/>
-              <a:t>2020/12/12</a:t>
+              <a:t>2020/12/13</a:t>
             </a:fld>
             <a:endParaRPr lang="zh-CN" altLang="en-US"/>
           </a:p>
@@ -294,7 +294,7 @@
     </p:spTree>
     <p:extLst>
       <p:ext uri="{BB962C8B-B14F-4D97-AF65-F5344CB8AC3E}">
-        <p14:creationId xmlns:p14="http://schemas.microsoft.com/office/powerpoint/2010/main" val="1967013760"/>
+        <p14:creationId xmlns:p14="http://schemas.microsoft.com/office/powerpoint/2010/main" val="4272063792"/>
       </p:ext>
     </p:extLst>
   </p:cSld>
@@ -413,7 +413,7 @@
           <a:p>
             <a:fld id="{495911F8-3A92-4C30-BABF-4CB553799E6D}" type="datetimeFigureOut">
               <a:rPr lang="zh-CN" altLang="en-US" smtClean="0"/>
-              <a:t>2020/12/12</a:t>
+              <a:t>2020/12/13</a:t>
             </a:fld>
             <a:endParaRPr lang="zh-CN" altLang="en-US"/>
           </a:p>
@@ -464,7 +464,7 @@
     </p:spTree>
     <p:extLst>
       <p:ext uri="{BB962C8B-B14F-4D97-AF65-F5344CB8AC3E}">
-        <p14:creationId xmlns:p14="http://schemas.microsoft.com/office/powerpoint/2010/main" val="410381770"/>
+        <p14:creationId xmlns:p14="http://schemas.microsoft.com/office/powerpoint/2010/main" val="1168298987"/>
       </p:ext>
     </p:extLst>
   </p:cSld>
@@ -503,8 +503,8 @@
         </p:nvSpPr>
         <p:spPr>
           <a:xfrm>
-            <a:off x="8724900" y="230908"/>
-            <a:ext cx="2628900" cy="3675449"/>
+            <a:off x="8724900" y="145627"/>
+            <a:ext cx="2628900" cy="2318009"/>
           </a:xfrm>
         </p:spPr>
         <p:txBody>
@@ -531,8 +531,8 @@
         </p:nvSpPr>
         <p:spPr>
           <a:xfrm>
-            <a:off x="838200" y="230908"/>
-            <a:ext cx="7734300" cy="3675449"/>
+            <a:off x="838200" y="145627"/>
+            <a:ext cx="7734300" cy="2318009"/>
           </a:xfrm>
         </p:spPr>
         <p:txBody>
@@ -593,7 +593,7 @@
           <a:p>
             <a:fld id="{495911F8-3A92-4C30-BABF-4CB553799E6D}" type="datetimeFigureOut">
               <a:rPr lang="zh-CN" altLang="en-US" smtClean="0"/>
-              <a:t>2020/12/12</a:t>
+              <a:t>2020/12/13</a:t>
             </a:fld>
             <a:endParaRPr lang="zh-CN" altLang="en-US"/>
           </a:p>
@@ -644,7 +644,7 @@
     </p:spTree>
     <p:extLst>
       <p:ext uri="{BB962C8B-B14F-4D97-AF65-F5344CB8AC3E}">
-        <p14:creationId xmlns:p14="http://schemas.microsoft.com/office/powerpoint/2010/main" val="1474804849"/>
+        <p14:creationId xmlns:p14="http://schemas.microsoft.com/office/powerpoint/2010/main" val="2812454987"/>
       </p:ext>
     </p:extLst>
   </p:cSld>
@@ -763,7 +763,7 @@
           <a:p>
             <a:fld id="{495911F8-3A92-4C30-BABF-4CB553799E6D}" type="datetimeFigureOut">
               <a:rPr lang="zh-CN" altLang="en-US" smtClean="0"/>
-              <a:t>2020/12/12</a:t>
+              <a:t>2020/12/13</a:t>
             </a:fld>
             <a:endParaRPr lang="zh-CN" altLang="en-US"/>
           </a:p>
@@ -814,7 +814,7 @@
     </p:spTree>
     <p:extLst>
       <p:ext uri="{BB962C8B-B14F-4D97-AF65-F5344CB8AC3E}">
-        <p14:creationId xmlns:p14="http://schemas.microsoft.com/office/powerpoint/2010/main" val="1245392052"/>
+        <p14:creationId xmlns:p14="http://schemas.microsoft.com/office/powerpoint/2010/main" val="1853699471"/>
       </p:ext>
     </p:extLst>
   </p:cSld>
@@ -853,15 +853,15 @@
         </p:nvSpPr>
         <p:spPr>
           <a:xfrm>
-            <a:off x="831850" y="1081251"/>
-            <a:ext cx="10515600" cy="1804092"/>
+            <a:off x="831850" y="681917"/>
+            <a:ext cx="10515600" cy="1137793"/>
           </a:xfrm>
         </p:spPr>
         <p:txBody>
           <a:bodyPr anchor="b"/>
           <a:lstStyle>
             <a:lvl1pPr>
-              <a:defRPr sz="3794"/>
+              <a:defRPr sz="2393"/>
             </a:lvl1pPr>
           </a:lstStyle>
           <a:p>
@@ -885,8 +885,8 @@
         </p:nvSpPr>
         <p:spPr>
           <a:xfrm>
-            <a:off x="831850" y="2902411"/>
-            <a:ext cx="10515600" cy="948729"/>
+            <a:off x="831850" y="1830474"/>
+            <a:ext cx="10515600" cy="598339"/>
           </a:xfrm>
         </p:spPr>
         <p:txBody>
@@ -894,7 +894,7 @@
           <a:lstStyle>
             <a:lvl1pPr marL="0" indent="0">
               <a:buNone/>
-              <a:defRPr sz="1518">
+              <a:defRPr sz="957">
                 <a:solidFill>
                   <a:schemeClr val="tx1">
                     <a:tint val="75000"/>
@@ -902,9 +902,9 @@
                 </a:solidFill>
               </a:defRPr>
             </a:lvl1pPr>
-            <a:lvl2pPr marL="289133" indent="0">
-              <a:buNone/>
-              <a:defRPr sz="1265">
+            <a:lvl2pPr marL="182331" indent="0">
+              <a:buNone/>
+              <a:defRPr sz="798">
                 <a:solidFill>
                   <a:schemeClr val="tx1">
                     <a:tint val="75000"/>
@@ -912,9 +912,9 @@
                 </a:solidFill>
               </a:defRPr>
             </a:lvl2pPr>
-            <a:lvl3pPr marL="578267" indent="0">
-              <a:buNone/>
-              <a:defRPr sz="1138">
+            <a:lvl3pPr marL="364663" indent="0">
+              <a:buNone/>
+              <a:defRPr sz="718">
                 <a:solidFill>
                   <a:schemeClr val="tx1">
                     <a:tint val="75000"/>
@@ -922,9 +922,9 @@
                 </a:solidFill>
               </a:defRPr>
             </a:lvl3pPr>
-            <a:lvl4pPr marL="867400" indent="0">
-              <a:buNone/>
-              <a:defRPr sz="1012">
+            <a:lvl4pPr marL="546994" indent="0">
+              <a:buNone/>
+              <a:defRPr sz="638">
                 <a:solidFill>
                   <a:schemeClr val="tx1">
                     <a:tint val="75000"/>
@@ -932,9 +932,9 @@
                 </a:solidFill>
               </a:defRPr>
             </a:lvl4pPr>
-            <a:lvl5pPr marL="1156533" indent="0">
-              <a:buNone/>
-              <a:defRPr sz="1012">
+            <a:lvl5pPr marL="729325" indent="0">
+              <a:buNone/>
+              <a:defRPr sz="638">
                 <a:solidFill>
                   <a:schemeClr val="tx1">
                     <a:tint val="75000"/>
@@ -942,9 +942,9 @@
                 </a:solidFill>
               </a:defRPr>
             </a:lvl5pPr>
-            <a:lvl6pPr marL="1445666" indent="0">
-              <a:buNone/>
-              <a:defRPr sz="1012">
+            <a:lvl6pPr marL="911657" indent="0">
+              <a:buNone/>
+              <a:defRPr sz="638">
                 <a:solidFill>
                   <a:schemeClr val="tx1">
                     <a:tint val="75000"/>
@@ -952,9 +952,9 @@
                 </a:solidFill>
               </a:defRPr>
             </a:lvl6pPr>
-            <a:lvl7pPr marL="1734800" indent="0">
-              <a:buNone/>
-              <a:defRPr sz="1012">
+            <a:lvl7pPr marL="1093988" indent="0">
+              <a:buNone/>
+              <a:defRPr sz="638">
                 <a:solidFill>
                   <a:schemeClr val="tx1">
                     <a:tint val="75000"/>
@@ -962,9 +962,9 @@
                 </a:solidFill>
               </a:defRPr>
             </a:lvl7pPr>
-            <a:lvl8pPr marL="2023933" indent="0">
-              <a:buNone/>
-              <a:defRPr sz="1012">
+            <a:lvl8pPr marL="1276320" indent="0">
+              <a:buNone/>
+              <a:defRPr sz="638">
                 <a:solidFill>
                   <a:schemeClr val="tx1">
                     <a:tint val="75000"/>
@@ -972,9 +972,9 @@
                 </a:solidFill>
               </a:defRPr>
             </a:lvl8pPr>
-            <a:lvl9pPr marL="2313066" indent="0">
-              <a:buNone/>
-              <a:defRPr sz="1012">
+            <a:lvl9pPr marL="1458651" indent="0">
+              <a:buNone/>
+              <a:defRPr sz="638">
                 <a:solidFill>
                   <a:schemeClr val="tx1">
                     <a:tint val="75000"/>
@@ -1009,7 +1009,7 @@
           <a:p>
             <a:fld id="{495911F8-3A92-4C30-BABF-4CB553799E6D}" type="datetimeFigureOut">
               <a:rPr lang="zh-CN" altLang="en-US" smtClean="0"/>
-              <a:t>2020/12/12</a:t>
+              <a:t>2020/12/13</a:t>
             </a:fld>
             <a:endParaRPr lang="zh-CN" altLang="en-US"/>
           </a:p>
@@ -1060,7 +1060,7 @@
     </p:spTree>
     <p:extLst>
       <p:ext uri="{BB962C8B-B14F-4D97-AF65-F5344CB8AC3E}">
-        <p14:creationId xmlns:p14="http://schemas.microsoft.com/office/powerpoint/2010/main" val="2292779424"/>
+        <p14:creationId xmlns:p14="http://schemas.microsoft.com/office/powerpoint/2010/main" val="2001671929"/>
       </p:ext>
     </p:extLst>
   </p:cSld>
@@ -1122,8 +1122,8 @@
         </p:nvSpPr>
         <p:spPr>
           <a:xfrm>
-            <a:off x="838200" y="1154539"/>
-            <a:ext cx="5181600" cy="2751818"/>
+            <a:off x="838200" y="728137"/>
+            <a:ext cx="5181600" cy="1735499"/>
           </a:xfrm>
         </p:spPr>
         <p:txBody>
@@ -1179,8 +1179,8 @@
         </p:nvSpPr>
         <p:spPr>
           <a:xfrm>
-            <a:off x="6172200" y="1154539"/>
-            <a:ext cx="5181600" cy="2751818"/>
+            <a:off x="6172200" y="728137"/>
+            <a:ext cx="5181600" cy="1735499"/>
           </a:xfrm>
         </p:spPr>
         <p:txBody>
@@ -1241,7 +1241,7 @@
           <a:p>
             <a:fld id="{495911F8-3A92-4C30-BABF-4CB553799E6D}" type="datetimeFigureOut">
               <a:rPr lang="zh-CN" altLang="en-US" smtClean="0"/>
-              <a:t>2020/12/12</a:t>
+              <a:t>2020/12/13</a:t>
             </a:fld>
             <a:endParaRPr lang="zh-CN" altLang="en-US"/>
           </a:p>
@@ -1292,7 +1292,7 @@
     </p:spTree>
     <p:extLst>
       <p:ext uri="{BB962C8B-B14F-4D97-AF65-F5344CB8AC3E}">
-        <p14:creationId xmlns:p14="http://schemas.microsoft.com/office/powerpoint/2010/main" val="2336785059"/>
+        <p14:creationId xmlns:p14="http://schemas.microsoft.com/office/powerpoint/2010/main" val="2141838384"/>
       </p:ext>
     </p:extLst>
   </p:cSld>
@@ -1331,8 +1331,8 @@
         </p:nvSpPr>
         <p:spPr>
           <a:xfrm>
-            <a:off x="839788" y="230908"/>
-            <a:ext cx="10515600" cy="838296"/>
+            <a:off x="839788" y="145628"/>
+            <a:ext cx="10515600" cy="528691"/>
           </a:xfrm>
         </p:spPr>
         <p:txBody>
@@ -1359,8 +1359,8 @@
         </p:nvSpPr>
         <p:spPr>
           <a:xfrm>
-            <a:off x="839789" y="1063180"/>
-            <a:ext cx="5157787" cy="521048"/>
+            <a:off x="839789" y="670520"/>
+            <a:ext cx="5157787" cy="328611"/>
           </a:xfrm>
         </p:spPr>
         <p:txBody>
@@ -1368,39 +1368,39 @@
           <a:lstStyle>
             <a:lvl1pPr marL="0" indent="0">
               <a:buNone/>
-              <a:defRPr sz="1518" b="1"/>
+              <a:defRPr sz="957" b="1"/>
             </a:lvl1pPr>
-            <a:lvl2pPr marL="289133" indent="0">
-              <a:buNone/>
-              <a:defRPr sz="1265" b="1"/>
+            <a:lvl2pPr marL="182331" indent="0">
+              <a:buNone/>
+              <a:defRPr sz="798" b="1"/>
             </a:lvl2pPr>
-            <a:lvl3pPr marL="578267" indent="0">
-              <a:buNone/>
-              <a:defRPr sz="1138" b="1"/>
+            <a:lvl3pPr marL="364663" indent="0">
+              <a:buNone/>
+              <a:defRPr sz="718" b="1"/>
             </a:lvl3pPr>
-            <a:lvl4pPr marL="867400" indent="0">
-              <a:buNone/>
-              <a:defRPr sz="1012" b="1"/>
+            <a:lvl4pPr marL="546994" indent="0">
+              <a:buNone/>
+              <a:defRPr sz="638" b="1"/>
             </a:lvl4pPr>
-            <a:lvl5pPr marL="1156533" indent="0">
-              <a:buNone/>
-              <a:defRPr sz="1012" b="1"/>
+            <a:lvl5pPr marL="729325" indent="0">
+              <a:buNone/>
+              <a:defRPr sz="638" b="1"/>
             </a:lvl5pPr>
-            <a:lvl6pPr marL="1445666" indent="0">
-              <a:buNone/>
-              <a:defRPr sz="1012" b="1"/>
+            <a:lvl6pPr marL="911657" indent="0">
+              <a:buNone/>
+              <a:defRPr sz="638" b="1"/>
             </a:lvl6pPr>
-            <a:lvl7pPr marL="1734800" indent="0">
-              <a:buNone/>
-              <a:defRPr sz="1012" b="1"/>
+            <a:lvl7pPr marL="1093988" indent="0">
+              <a:buNone/>
+              <a:defRPr sz="638" b="1"/>
             </a:lvl7pPr>
-            <a:lvl8pPr marL="2023933" indent="0">
-              <a:buNone/>
-              <a:defRPr sz="1012" b="1"/>
+            <a:lvl8pPr marL="1276320" indent="0">
+              <a:buNone/>
+              <a:defRPr sz="638" b="1"/>
             </a:lvl8pPr>
-            <a:lvl9pPr marL="2313066" indent="0">
-              <a:buNone/>
-              <a:defRPr sz="1012" b="1"/>
+            <a:lvl9pPr marL="1458651" indent="0">
+              <a:buNone/>
+              <a:defRPr sz="638" b="1"/>
             </a:lvl9pPr>
           </a:lstStyle>
           <a:p>
@@ -1424,8 +1424,8 @@
         </p:nvSpPr>
         <p:spPr>
           <a:xfrm>
-            <a:off x="839789" y="1584228"/>
-            <a:ext cx="5157787" cy="2330161"/>
+            <a:off x="839789" y="999131"/>
+            <a:ext cx="5157787" cy="1469571"/>
           </a:xfrm>
         </p:spPr>
         <p:txBody>
@@ -1481,8 +1481,8 @@
         </p:nvSpPr>
         <p:spPr>
           <a:xfrm>
-            <a:off x="6172200" y="1063180"/>
-            <a:ext cx="5183188" cy="521048"/>
+            <a:off x="6172200" y="670520"/>
+            <a:ext cx="5183188" cy="328611"/>
           </a:xfrm>
         </p:spPr>
         <p:txBody>
@@ -1490,39 +1490,39 @@
           <a:lstStyle>
             <a:lvl1pPr marL="0" indent="0">
               <a:buNone/>
-              <a:defRPr sz="1518" b="1"/>
+              <a:defRPr sz="957" b="1"/>
             </a:lvl1pPr>
-            <a:lvl2pPr marL="289133" indent="0">
-              <a:buNone/>
-              <a:defRPr sz="1265" b="1"/>
+            <a:lvl2pPr marL="182331" indent="0">
+              <a:buNone/>
+              <a:defRPr sz="798" b="1"/>
             </a:lvl2pPr>
-            <a:lvl3pPr marL="578267" indent="0">
-              <a:buNone/>
-              <a:defRPr sz="1138" b="1"/>
+            <a:lvl3pPr marL="364663" indent="0">
+              <a:buNone/>
+              <a:defRPr sz="718" b="1"/>
             </a:lvl3pPr>
-            <a:lvl4pPr marL="867400" indent="0">
-              <a:buNone/>
-              <a:defRPr sz="1012" b="1"/>
+            <a:lvl4pPr marL="546994" indent="0">
+              <a:buNone/>
+              <a:defRPr sz="638" b="1"/>
             </a:lvl4pPr>
-            <a:lvl5pPr marL="1156533" indent="0">
-              <a:buNone/>
-              <a:defRPr sz="1012" b="1"/>
+            <a:lvl5pPr marL="729325" indent="0">
+              <a:buNone/>
+              <a:defRPr sz="638" b="1"/>
             </a:lvl5pPr>
-            <a:lvl6pPr marL="1445666" indent="0">
-              <a:buNone/>
-              <a:defRPr sz="1012" b="1"/>
+            <a:lvl6pPr marL="911657" indent="0">
+              <a:buNone/>
+              <a:defRPr sz="638" b="1"/>
             </a:lvl6pPr>
-            <a:lvl7pPr marL="1734800" indent="0">
-              <a:buNone/>
-              <a:defRPr sz="1012" b="1"/>
+            <a:lvl7pPr marL="1093988" indent="0">
+              <a:buNone/>
+              <a:defRPr sz="638" b="1"/>
             </a:lvl7pPr>
-            <a:lvl8pPr marL="2023933" indent="0">
-              <a:buNone/>
-              <a:defRPr sz="1012" b="1"/>
+            <a:lvl8pPr marL="1276320" indent="0">
+              <a:buNone/>
+              <a:defRPr sz="638" b="1"/>
             </a:lvl8pPr>
-            <a:lvl9pPr marL="2313066" indent="0">
-              <a:buNone/>
-              <a:defRPr sz="1012" b="1"/>
+            <a:lvl9pPr marL="1458651" indent="0">
+              <a:buNone/>
+              <a:defRPr sz="638" b="1"/>
             </a:lvl9pPr>
           </a:lstStyle>
           <a:p>
@@ -1546,8 +1546,8 @@
         </p:nvSpPr>
         <p:spPr>
           <a:xfrm>
-            <a:off x="6172200" y="1584228"/>
-            <a:ext cx="5183188" cy="2330161"/>
+            <a:off x="6172200" y="999131"/>
+            <a:ext cx="5183188" cy="1469571"/>
           </a:xfrm>
         </p:spPr>
         <p:txBody>
@@ -1608,7 +1608,7 @@
           <a:p>
             <a:fld id="{495911F8-3A92-4C30-BABF-4CB553799E6D}" type="datetimeFigureOut">
               <a:rPr lang="zh-CN" altLang="en-US" smtClean="0"/>
-              <a:t>2020/12/12</a:t>
+              <a:t>2020/12/13</a:t>
             </a:fld>
             <a:endParaRPr lang="zh-CN" altLang="en-US"/>
           </a:p>
@@ -1659,7 +1659,7 @@
     </p:spTree>
     <p:extLst>
       <p:ext uri="{BB962C8B-B14F-4D97-AF65-F5344CB8AC3E}">
-        <p14:creationId xmlns:p14="http://schemas.microsoft.com/office/powerpoint/2010/main" val="135426197"/>
+        <p14:creationId xmlns:p14="http://schemas.microsoft.com/office/powerpoint/2010/main" val="3683082524"/>
       </p:ext>
     </p:extLst>
   </p:cSld>
@@ -1726,7 +1726,7 @@
           <a:p>
             <a:fld id="{495911F8-3A92-4C30-BABF-4CB553799E6D}" type="datetimeFigureOut">
               <a:rPr lang="zh-CN" altLang="en-US" smtClean="0"/>
-              <a:t>2020/12/12</a:t>
+              <a:t>2020/12/13</a:t>
             </a:fld>
             <a:endParaRPr lang="zh-CN" altLang="en-US"/>
           </a:p>
@@ -1777,7 +1777,7 @@
     </p:spTree>
     <p:extLst>
       <p:ext uri="{BB962C8B-B14F-4D97-AF65-F5344CB8AC3E}">
-        <p14:creationId xmlns:p14="http://schemas.microsoft.com/office/powerpoint/2010/main" val="793722052"/>
+        <p14:creationId xmlns:p14="http://schemas.microsoft.com/office/powerpoint/2010/main" val="3325881826"/>
       </p:ext>
     </p:extLst>
   </p:cSld>
@@ -1821,7 +1821,7 @@
           <a:p>
             <a:fld id="{495911F8-3A92-4C30-BABF-4CB553799E6D}" type="datetimeFigureOut">
               <a:rPr lang="zh-CN" altLang="en-US" smtClean="0"/>
-              <a:t>2020/12/12</a:t>
+              <a:t>2020/12/13</a:t>
             </a:fld>
             <a:endParaRPr lang="zh-CN" altLang="en-US"/>
           </a:p>
@@ -1872,7 +1872,7 @@
     </p:spTree>
     <p:extLst>
       <p:ext uri="{BB962C8B-B14F-4D97-AF65-F5344CB8AC3E}">
-        <p14:creationId xmlns:p14="http://schemas.microsoft.com/office/powerpoint/2010/main" val="4232523684"/>
+        <p14:creationId xmlns:p14="http://schemas.microsoft.com/office/powerpoint/2010/main" val="4106612247"/>
       </p:ext>
     </p:extLst>
   </p:cSld>
@@ -1911,15 +1911,15 @@
         </p:nvSpPr>
         <p:spPr>
           <a:xfrm>
-            <a:off x="839789" y="289137"/>
-            <a:ext cx="3932237" cy="1011978"/>
+            <a:off x="839789" y="182351"/>
+            <a:ext cx="3932237" cy="638228"/>
           </a:xfrm>
         </p:spPr>
         <p:txBody>
           <a:bodyPr anchor="b"/>
           <a:lstStyle>
             <a:lvl1pPr>
-              <a:defRPr sz="2024"/>
+              <a:defRPr sz="1276"/>
             </a:lvl1pPr>
           </a:lstStyle>
           <a:p>
@@ -1943,39 +1943,39 @@
         </p:nvSpPr>
         <p:spPr>
           <a:xfrm>
-            <a:off x="5183188" y="624455"/>
-            <a:ext cx="6172200" cy="3082117"/>
+            <a:off x="5183188" y="393827"/>
+            <a:ext cx="6172200" cy="1943810"/>
           </a:xfrm>
         </p:spPr>
         <p:txBody>
           <a:bodyPr/>
           <a:lstStyle>
             <a:lvl1pPr>
-              <a:defRPr sz="2024"/>
+              <a:defRPr sz="1276"/>
             </a:lvl1pPr>
             <a:lvl2pPr>
-              <a:defRPr sz="1771"/>
+              <a:defRPr sz="1117"/>
             </a:lvl2pPr>
             <a:lvl3pPr>
-              <a:defRPr sz="1518"/>
+              <a:defRPr sz="957"/>
             </a:lvl3pPr>
             <a:lvl4pPr>
-              <a:defRPr sz="1265"/>
+              <a:defRPr sz="798"/>
             </a:lvl4pPr>
             <a:lvl5pPr>
-              <a:defRPr sz="1265"/>
+              <a:defRPr sz="798"/>
             </a:lvl5pPr>
             <a:lvl6pPr>
-              <a:defRPr sz="1265"/>
+              <a:defRPr sz="798"/>
             </a:lvl6pPr>
             <a:lvl7pPr>
-              <a:defRPr sz="1265"/>
+              <a:defRPr sz="798"/>
             </a:lvl7pPr>
             <a:lvl8pPr>
-              <a:defRPr sz="1265"/>
+              <a:defRPr sz="798"/>
             </a:lvl8pPr>
             <a:lvl9pPr>
-              <a:defRPr sz="1265"/>
+              <a:defRPr sz="798"/>
             </a:lvl9pPr>
           </a:lstStyle>
           <a:p>
@@ -2028,8 +2028,8 @@
         </p:nvSpPr>
         <p:spPr>
           <a:xfrm>
-            <a:off x="839789" y="1301115"/>
-            <a:ext cx="3932237" cy="2410476"/>
+            <a:off x="839789" y="820579"/>
+            <a:ext cx="3932237" cy="1520224"/>
           </a:xfrm>
         </p:spPr>
         <p:txBody>
@@ -2037,39 +2037,39 @@
           <a:lstStyle>
             <a:lvl1pPr marL="0" indent="0">
               <a:buNone/>
-              <a:defRPr sz="1012"/>
+              <a:defRPr sz="638"/>
             </a:lvl1pPr>
-            <a:lvl2pPr marL="289133" indent="0">
-              <a:buNone/>
-              <a:defRPr sz="885"/>
+            <a:lvl2pPr marL="182331" indent="0">
+              <a:buNone/>
+              <a:defRPr sz="558"/>
             </a:lvl2pPr>
-            <a:lvl3pPr marL="578267" indent="0">
-              <a:buNone/>
-              <a:defRPr sz="759"/>
+            <a:lvl3pPr marL="364663" indent="0">
+              <a:buNone/>
+              <a:defRPr sz="479"/>
             </a:lvl3pPr>
-            <a:lvl4pPr marL="867400" indent="0">
-              <a:buNone/>
-              <a:defRPr sz="632"/>
+            <a:lvl4pPr marL="546994" indent="0">
+              <a:buNone/>
+              <a:defRPr sz="399"/>
             </a:lvl4pPr>
-            <a:lvl5pPr marL="1156533" indent="0">
-              <a:buNone/>
-              <a:defRPr sz="632"/>
+            <a:lvl5pPr marL="729325" indent="0">
+              <a:buNone/>
+              <a:defRPr sz="399"/>
             </a:lvl5pPr>
-            <a:lvl6pPr marL="1445666" indent="0">
-              <a:buNone/>
-              <a:defRPr sz="632"/>
+            <a:lvl6pPr marL="911657" indent="0">
+              <a:buNone/>
+              <a:defRPr sz="399"/>
             </a:lvl6pPr>
-            <a:lvl7pPr marL="1734800" indent="0">
-              <a:buNone/>
-              <a:defRPr sz="632"/>
+            <a:lvl7pPr marL="1093988" indent="0">
+              <a:buNone/>
+              <a:defRPr sz="399"/>
             </a:lvl7pPr>
-            <a:lvl8pPr marL="2023933" indent="0">
-              <a:buNone/>
-              <a:defRPr sz="632"/>
+            <a:lvl8pPr marL="1276320" indent="0">
+              <a:buNone/>
+              <a:defRPr sz="399"/>
             </a:lvl8pPr>
-            <a:lvl9pPr marL="2313066" indent="0">
-              <a:buNone/>
-              <a:defRPr sz="632"/>
+            <a:lvl9pPr marL="1458651" indent="0">
+              <a:buNone/>
+              <a:defRPr sz="399"/>
             </a:lvl9pPr>
           </a:lstStyle>
           <a:p>
@@ -2098,7 +2098,7 @@
           <a:p>
             <a:fld id="{495911F8-3A92-4C30-BABF-4CB553799E6D}" type="datetimeFigureOut">
               <a:rPr lang="zh-CN" altLang="en-US" smtClean="0"/>
-              <a:t>2020/12/12</a:t>
+              <a:t>2020/12/13</a:t>
             </a:fld>
             <a:endParaRPr lang="zh-CN" altLang="en-US"/>
           </a:p>
@@ -2149,7 +2149,7 @@
     </p:spTree>
     <p:extLst>
       <p:ext uri="{BB962C8B-B14F-4D97-AF65-F5344CB8AC3E}">
-        <p14:creationId xmlns:p14="http://schemas.microsoft.com/office/powerpoint/2010/main" val="1998237089"/>
+        <p14:creationId xmlns:p14="http://schemas.microsoft.com/office/powerpoint/2010/main" val="3300791660"/>
       </p:ext>
     </p:extLst>
   </p:cSld>
@@ -2188,15 +2188,15 @@
         </p:nvSpPr>
         <p:spPr>
           <a:xfrm>
-            <a:off x="839789" y="289137"/>
-            <a:ext cx="3932237" cy="1011978"/>
+            <a:off x="839789" y="182351"/>
+            <a:ext cx="3932237" cy="638228"/>
           </a:xfrm>
         </p:spPr>
         <p:txBody>
           <a:bodyPr anchor="b"/>
           <a:lstStyle>
             <a:lvl1pPr>
-              <a:defRPr sz="2024"/>
+              <a:defRPr sz="1276"/>
             </a:lvl1pPr>
           </a:lstStyle>
           <a:p>
@@ -2220,8 +2220,8 @@
         </p:nvSpPr>
         <p:spPr>
           <a:xfrm>
-            <a:off x="5183188" y="624455"/>
-            <a:ext cx="6172200" cy="3082117"/>
+            <a:off x="5183188" y="393827"/>
+            <a:ext cx="6172200" cy="1943810"/>
           </a:xfrm>
         </p:spPr>
         <p:txBody>
@@ -2229,39 +2229,39 @@
           <a:lstStyle>
             <a:lvl1pPr marL="0" indent="0">
               <a:buNone/>
-              <a:defRPr sz="2024"/>
+              <a:defRPr sz="1276"/>
             </a:lvl1pPr>
-            <a:lvl2pPr marL="289133" indent="0">
-              <a:buNone/>
-              <a:defRPr sz="1771"/>
+            <a:lvl2pPr marL="182331" indent="0">
+              <a:buNone/>
+              <a:defRPr sz="1117"/>
             </a:lvl2pPr>
-            <a:lvl3pPr marL="578267" indent="0">
-              <a:buNone/>
-              <a:defRPr sz="1518"/>
+            <a:lvl3pPr marL="364663" indent="0">
+              <a:buNone/>
+              <a:defRPr sz="957"/>
             </a:lvl3pPr>
-            <a:lvl4pPr marL="867400" indent="0">
-              <a:buNone/>
-              <a:defRPr sz="1265"/>
+            <a:lvl4pPr marL="546994" indent="0">
+              <a:buNone/>
+              <a:defRPr sz="798"/>
             </a:lvl4pPr>
-            <a:lvl5pPr marL="1156533" indent="0">
-              <a:buNone/>
-              <a:defRPr sz="1265"/>
+            <a:lvl5pPr marL="729325" indent="0">
+              <a:buNone/>
+              <a:defRPr sz="798"/>
             </a:lvl5pPr>
-            <a:lvl6pPr marL="1445666" indent="0">
-              <a:buNone/>
-              <a:defRPr sz="1265"/>
+            <a:lvl6pPr marL="911657" indent="0">
+              <a:buNone/>
+              <a:defRPr sz="798"/>
             </a:lvl6pPr>
-            <a:lvl7pPr marL="1734800" indent="0">
-              <a:buNone/>
-              <a:defRPr sz="1265"/>
+            <a:lvl7pPr marL="1093988" indent="0">
+              <a:buNone/>
+              <a:defRPr sz="798"/>
             </a:lvl7pPr>
-            <a:lvl8pPr marL="2023933" indent="0">
-              <a:buNone/>
-              <a:defRPr sz="1265"/>
+            <a:lvl8pPr marL="1276320" indent="0">
+              <a:buNone/>
+              <a:defRPr sz="798"/>
             </a:lvl8pPr>
-            <a:lvl9pPr marL="2313066" indent="0">
-              <a:buNone/>
-              <a:defRPr sz="1265"/>
+            <a:lvl9pPr marL="1458651" indent="0">
+              <a:buNone/>
+              <a:defRPr sz="798"/>
             </a:lvl9pPr>
           </a:lstStyle>
           <a:p>
@@ -2285,8 +2285,8 @@
         </p:nvSpPr>
         <p:spPr>
           <a:xfrm>
-            <a:off x="839789" y="1301115"/>
-            <a:ext cx="3932237" cy="2410476"/>
+            <a:off x="839789" y="820579"/>
+            <a:ext cx="3932237" cy="1520224"/>
           </a:xfrm>
         </p:spPr>
         <p:txBody>
@@ -2294,39 +2294,39 @@
           <a:lstStyle>
             <a:lvl1pPr marL="0" indent="0">
               <a:buNone/>
-              <a:defRPr sz="1012"/>
+              <a:defRPr sz="638"/>
             </a:lvl1pPr>
-            <a:lvl2pPr marL="289133" indent="0">
-              <a:buNone/>
-              <a:defRPr sz="885"/>
+            <a:lvl2pPr marL="182331" indent="0">
+              <a:buNone/>
+              <a:defRPr sz="558"/>
             </a:lvl2pPr>
-            <a:lvl3pPr marL="578267" indent="0">
-              <a:buNone/>
-              <a:defRPr sz="759"/>
+            <a:lvl3pPr marL="364663" indent="0">
+              <a:buNone/>
+              <a:defRPr sz="479"/>
             </a:lvl3pPr>
-            <a:lvl4pPr marL="867400" indent="0">
-              <a:buNone/>
-              <a:defRPr sz="632"/>
+            <a:lvl4pPr marL="546994" indent="0">
+              <a:buNone/>
+              <a:defRPr sz="399"/>
             </a:lvl4pPr>
-            <a:lvl5pPr marL="1156533" indent="0">
-              <a:buNone/>
-              <a:defRPr sz="632"/>
+            <a:lvl5pPr marL="729325" indent="0">
+              <a:buNone/>
+              <a:defRPr sz="399"/>
             </a:lvl5pPr>
-            <a:lvl6pPr marL="1445666" indent="0">
-              <a:buNone/>
-              <a:defRPr sz="632"/>
+            <a:lvl6pPr marL="911657" indent="0">
+              <a:buNone/>
+              <a:defRPr sz="399"/>
             </a:lvl6pPr>
-            <a:lvl7pPr marL="1734800" indent="0">
-              <a:buNone/>
-              <a:defRPr sz="632"/>
+            <a:lvl7pPr marL="1093988" indent="0">
+              <a:buNone/>
+              <a:defRPr sz="399"/>
             </a:lvl7pPr>
-            <a:lvl8pPr marL="2023933" indent="0">
-              <a:buNone/>
-              <a:defRPr sz="632"/>
+            <a:lvl8pPr marL="1276320" indent="0">
+              <a:buNone/>
+              <a:defRPr sz="399"/>
             </a:lvl8pPr>
-            <a:lvl9pPr marL="2313066" indent="0">
-              <a:buNone/>
-              <a:defRPr sz="632"/>
+            <a:lvl9pPr marL="1458651" indent="0">
+              <a:buNone/>
+              <a:defRPr sz="399"/>
             </a:lvl9pPr>
           </a:lstStyle>
           <a:p>
@@ -2355,7 +2355,7 @@
           <a:p>
             <a:fld id="{495911F8-3A92-4C30-BABF-4CB553799E6D}" type="datetimeFigureOut">
               <a:rPr lang="zh-CN" altLang="en-US" smtClean="0"/>
-              <a:t>2020/12/12</a:t>
+              <a:t>2020/12/13</a:t>
             </a:fld>
             <a:endParaRPr lang="zh-CN" altLang="en-US"/>
           </a:p>
@@ -2406,7 +2406,7 @@
     </p:spTree>
     <p:extLst>
       <p:ext uri="{BB962C8B-B14F-4D97-AF65-F5344CB8AC3E}">
-        <p14:creationId xmlns:p14="http://schemas.microsoft.com/office/powerpoint/2010/main" val="824793808"/>
+        <p14:creationId xmlns:p14="http://schemas.microsoft.com/office/powerpoint/2010/main" val="1741935291"/>
       </p:ext>
     </p:extLst>
   </p:cSld>
@@ -2450,8 +2450,8 @@
         </p:nvSpPr>
         <p:spPr>
           <a:xfrm>
-            <a:off x="838200" y="230908"/>
-            <a:ext cx="10515600" cy="838296"/>
+            <a:off x="838200" y="145628"/>
+            <a:ext cx="10515600" cy="528691"/>
           </a:xfrm>
           <a:prstGeom prst="rect">
             <a:avLst/>
@@ -2483,8 +2483,8 @@
         </p:nvSpPr>
         <p:spPr>
           <a:xfrm>
-            <a:off x="838200" y="1154539"/>
-            <a:ext cx="10515600" cy="2751818"/>
+            <a:off x="838200" y="728137"/>
+            <a:ext cx="10515600" cy="1735499"/>
           </a:xfrm>
           <a:prstGeom prst="rect">
             <a:avLst/>
@@ -2545,8 +2545,8 @@
         </p:nvSpPr>
         <p:spPr>
           <a:xfrm>
-            <a:off x="838200" y="4019803"/>
-            <a:ext cx="2743200" cy="230908"/>
+            <a:off x="838200" y="2535184"/>
+            <a:ext cx="2743200" cy="145627"/>
           </a:xfrm>
           <a:prstGeom prst="rect">
             <a:avLst/>
@@ -2556,7 +2556,7 @@
           <a:bodyPr vert="horz" lIns="91440" tIns="45720" rIns="91440" bIns="45720" rtlCol="0" anchor="ctr"/>
           <a:lstStyle>
             <a:lvl1pPr algn="l">
-              <a:defRPr sz="759">
+              <a:defRPr sz="479">
                 <a:solidFill>
                   <a:schemeClr val="tx1">
                     <a:tint val="75000"/>
@@ -2568,7 +2568,7 @@
           <a:p>
             <a:fld id="{495911F8-3A92-4C30-BABF-4CB553799E6D}" type="datetimeFigureOut">
               <a:rPr lang="zh-CN" altLang="en-US" smtClean="0"/>
-              <a:t>2020/12/12</a:t>
+              <a:t>2020/12/13</a:t>
             </a:fld>
             <a:endParaRPr lang="zh-CN" altLang="en-US"/>
           </a:p>
@@ -2586,8 +2586,8 @@
         </p:nvSpPr>
         <p:spPr>
           <a:xfrm>
-            <a:off x="4038600" y="4019803"/>
-            <a:ext cx="4114800" cy="230908"/>
+            <a:off x="4038600" y="2535184"/>
+            <a:ext cx="4114800" cy="145627"/>
           </a:xfrm>
           <a:prstGeom prst="rect">
             <a:avLst/>
@@ -2597,7 +2597,7 @@
           <a:bodyPr vert="horz" lIns="91440" tIns="45720" rIns="91440" bIns="45720" rtlCol="0" anchor="ctr"/>
           <a:lstStyle>
             <a:lvl1pPr algn="ctr">
-              <a:defRPr sz="759">
+              <a:defRPr sz="479">
                 <a:solidFill>
                   <a:schemeClr val="tx1">
                     <a:tint val="75000"/>
@@ -2623,8 +2623,8 @@
         </p:nvSpPr>
         <p:spPr>
           <a:xfrm>
-            <a:off x="8610600" y="4019803"/>
-            <a:ext cx="2743200" cy="230908"/>
+            <a:off x="8610600" y="2535184"/>
+            <a:ext cx="2743200" cy="145627"/>
           </a:xfrm>
           <a:prstGeom prst="rect">
             <a:avLst/>
@@ -2634,7 +2634,7 @@
           <a:bodyPr vert="horz" lIns="91440" tIns="45720" rIns="91440" bIns="45720" rtlCol="0" anchor="ctr"/>
           <a:lstStyle>
             <a:lvl1pPr algn="r">
-              <a:defRPr sz="759">
+              <a:defRPr sz="479">
                 <a:solidFill>
                   <a:schemeClr val="tx1">
                     <a:tint val="75000"/>
@@ -2655,27 +2655,27 @@
     </p:spTree>
     <p:extLst>
       <p:ext uri="{BB962C8B-B14F-4D97-AF65-F5344CB8AC3E}">
-        <p14:creationId xmlns:p14="http://schemas.microsoft.com/office/powerpoint/2010/main" val="3196281901"/>
+        <p14:creationId xmlns:p14="http://schemas.microsoft.com/office/powerpoint/2010/main" val="3280226700"/>
       </p:ext>
     </p:extLst>
   </p:cSld>
   <p:clrMap bg1="lt1" tx1="dk1" bg2="lt2" tx2="dk2" accent1="accent1" accent2="accent2" accent3="accent3" accent4="accent4" accent5="accent5" accent6="accent6" hlink="hlink" folHlink="folHlink"/>
   <p:sldLayoutIdLst>
-    <p:sldLayoutId id="2147483685" r:id="rId1"/>
-    <p:sldLayoutId id="2147483686" r:id="rId2"/>
-    <p:sldLayoutId id="2147483687" r:id="rId3"/>
-    <p:sldLayoutId id="2147483688" r:id="rId4"/>
-    <p:sldLayoutId id="2147483689" r:id="rId5"/>
-    <p:sldLayoutId id="2147483690" r:id="rId6"/>
-    <p:sldLayoutId id="2147483691" r:id="rId7"/>
-    <p:sldLayoutId id="2147483692" r:id="rId8"/>
-    <p:sldLayoutId id="2147483693" r:id="rId9"/>
-    <p:sldLayoutId id="2147483694" r:id="rId10"/>
-    <p:sldLayoutId id="2147483695" r:id="rId11"/>
+    <p:sldLayoutId id="2147483745" r:id="rId1"/>
+    <p:sldLayoutId id="2147483746" r:id="rId2"/>
+    <p:sldLayoutId id="2147483747" r:id="rId3"/>
+    <p:sldLayoutId id="2147483748" r:id="rId4"/>
+    <p:sldLayoutId id="2147483749" r:id="rId5"/>
+    <p:sldLayoutId id="2147483750" r:id="rId6"/>
+    <p:sldLayoutId id="2147483751" r:id="rId7"/>
+    <p:sldLayoutId id="2147483752" r:id="rId8"/>
+    <p:sldLayoutId id="2147483753" r:id="rId9"/>
+    <p:sldLayoutId id="2147483754" r:id="rId10"/>
+    <p:sldLayoutId id="2147483755" r:id="rId11"/>
   </p:sldLayoutIdLst>
   <p:txStyles>
     <p:titleStyle>
-      <a:lvl1pPr algn="l" defTabSz="578267" rtl="0" eaLnBrk="1" latinLnBrk="0" hangingPunct="1">
+      <a:lvl1pPr algn="l" defTabSz="364663" rtl="0" eaLnBrk="1" latinLnBrk="0" hangingPunct="1">
         <a:lnSpc>
           <a:spcPct val="90000"/>
         </a:lnSpc>
@@ -2683,7 +2683,7 @@
           <a:spcPct val="0"/>
         </a:spcBef>
         <a:buNone/>
-        <a:defRPr sz="2783" kern="1200">
+        <a:defRPr sz="1755" kern="1200">
           <a:solidFill>
             <a:schemeClr val="tx1"/>
           </a:solidFill>
@@ -2694,16 +2694,16 @@
       </a:lvl1pPr>
     </p:titleStyle>
     <p:bodyStyle>
-      <a:lvl1pPr marL="144567" indent="-144567" algn="l" defTabSz="578267" rtl="0" eaLnBrk="1" latinLnBrk="0" hangingPunct="1">
+      <a:lvl1pPr marL="91166" indent="-91166" algn="l" defTabSz="364663" rtl="0" eaLnBrk="1" latinLnBrk="0" hangingPunct="1">
         <a:lnSpc>
           <a:spcPct val="90000"/>
         </a:lnSpc>
         <a:spcBef>
-          <a:spcPts val="632"/>
+          <a:spcPts val="399"/>
         </a:spcBef>
         <a:buFont typeface="Arial" panose="020B0604020202020204" pitchFamily="34" charset="0"/>
         <a:buChar char="•"/>
-        <a:defRPr sz="1771" kern="1200">
+        <a:defRPr sz="1117" kern="1200">
           <a:solidFill>
             <a:schemeClr val="tx1"/>
           </a:solidFill>
@@ -2712,16 +2712,16 @@
           <a:cs typeface="+mn-cs"/>
         </a:defRPr>
       </a:lvl1pPr>
-      <a:lvl2pPr marL="433700" indent="-144567" algn="l" defTabSz="578267" rtl="0" eaLnBrk="1" latinLnBrk="0" hangingPunct="1">
+      <a:lvl2pPr marL="273497" indent="-91166" algn="l" defTabSz="364663" rtl="0" eaLnBrk="1" latinLnBrk="0" hangingPunct="1">
         <a:lnSpc>
           <a:spcPct val="90000"/>
         </a:lnSpc>
         <a:spcBef>
-          <a:spcPts val="316"/>
+          <a:spcPts val="199"/>
         </a:spcBef>
         <a:buFont typeface="Arial" panose="020B0604020202020204" pitchFamily="34" charset="0"/>
         <a:buChar char="•"/>
-        <a:defRPr sz="1518" kern="1200">
+        <a:defRPr sz="957" kern="1200">
           <a:solidFill>
             <a:schemeClr val="tx1"/>
           </a:solidFill>
@@ -2730,16 +2730,16 @@
           <a:cs typeface="+mn-cs"/>
         </a:defRPr>
       </a:lvl2pPr>
-      <a:lvl3pPr marL="722833" indent="-144567" algn="l" defTabSz="578267" rtl="0" eaLnBrk="1" latinLnBrk="0" hangingPunct="1">
+      <a:lvl3pPr marL="455828" indent="-91166" algn="l" defTabSz="364663" rtl="0" eaLnBrk="1" latinLnBrk="0" hangingPunct="1">
         <a:lnSpc>
           <a:spcPct val="90000"/>
         </a:lnSpc>
         <a:spcBef>
-          <a:spcPts val="316"/>
+          <a:spcPts val="199"/>
         </a:spcBef>
         <a:buFont typeface="Arial" panose="020B0604020202020204" pitchFamily="34" charset="0"/>
         <a:buChar char="•"/>
-        <a:defRPr sz="1265" kern="1200">
+        <a:defRPr sz="798" kern="1200">
           <a:solidFill>
             <a:schemeClr val="tx1"/>
           </a:solidFill>
@@ -2748,16 +2748,16 @@
           <a:cs typeface="+mn-cs"/>
         </a:defRPr>
       </a:lvl3pPr>
-      <a:lvl4pPr marL="1011966" indent="-144567" algn="l" defTabSz="578267" rtl="0" eaLnBrk="1" latinLnBrk="0" hangingPunct="1">
+      <a:lvl4pPr marL="638160" indent="-91166" algn="l" defTabSz="364663" rtl="0" eaLnBrk="1" latinLnBrk="0" hangingPunct="1">
         <a:lnSpc>
           <a:spcPct val="90000"/>
         </a:lnSpc>
         <a:spcBef>
-          <a:spcPts val="316"/>
+          <a:spcPts val="199"/>
         </a:spcBef>
         <a:buFont typeface="Arial" panose="020B0604020202020204" pitchFamily="34" charset="0"/>
         <a:buChar char="•"/>
-        <a:defRPr sz="1138" kern="1200">
+        <a:defRPr sz="718" kern="1200">
           <a:solidFill>
             <a:schemeClr val="tx1"/>
           </a:solidFill>
@@ -2766,16 +2766,16 @@
           <a:cs typeface="+mn-cs"/>
         </a:defRPr>
       </a:lvl4pPr>
-      <a:lvl5pPr marL="1301100" indent="-144567" algn="l" defTabSz="578267" rtl="0" eaLnBrk="1" latinLnBrk="0" hangingPunct="1">
+      <a:lvl5pPr marL="820491" indent="-91166" algn="l" defTabSz="364663" rtl="0" eaLnBrk="1" latinLnBrk="0" hangingPunct="1">
         <a:lnSpc>
           <a:spcPct val="90000"/>
         </a:lnSpc>
         <a:spcBef>
-          <a:spcPts val="316"/>
+          <a:spcPts val="199"/>
         </a:spcBef>
         <a:buFont typeface="Arial" panose="020B0604020202020204" pitchFamily="34" charset="0"/>
         <a:buChar char="•"/>
-        <a:defRPr sz="1138" kern="1200">
+        <a:defRPr sz="718" kern="1200">
           <a:solidFill>
             <a:schemeClr val="tx1"/>
           </a:solidFill>
@@ -2784,16 +2784,16 @@
           <a:cs typeface="+mn-cs"/>
         </a:defRPr>
       </a:lvl5pPr>
-      <a:lvl6pPr marL="1590233" indent="-144567" algn="l" defTabSz="578267" rtl="0" eaLnBrk="1" latinLnBrk="0" hangingPunct="1">
+      <a:lvl6pPr marL="1002822" indent="-91166" algn="l" defTabSz="364663" rtl="0" eaLnBrk="1" latinLnBrk="0" hangingPunct="1">
         <a:lnSpc>
           <a:spcPct val="90000"/>
         </a:lnSpc>
         <a:spcBef>
-          <a:spcPts val="316"/>
+          <a:spcPts val="199"/>
         </a:spcBef>
         <a:buFont typeface="Arial" panose="020B0604020202020204" pitchFamily="34" charset="0"/>
         <a:buChar char="•"/>
-        <a:defRPr sz="1138" kern="1200">
+        <a:defRPr sz="718" kern="1200">
           <a:solidFill>
             <a:schemeClr val="tx1"/>
           </a:solidFill>
@@ -2802,16 +2802,16 @@
           <a:cs typeface="+mn-cs"/>
         </a:defRPr>
       </a:lvl6pPr>
-      <a:lvl7pPr marL="1879366" indent="-144567" algn="l" defTabSz="578267" rtl="0" eaLnBrk="1" latinLnBrk="0" hangingPunct="1">
+      <a:lvl7pPr marL="1185154" indent="-91166" algn="l" defTabSz="364663" rtl="0" eaLnBrk="1" latinLnBrk="0" hangingPunct="1">
         <a:lnSpc>
           <a:spcPct val="90000"/>
         </a:lnSpc>
         <a:spcBef>
-          <a:spcPts val="316"/>
+          <a:spcPts val="199"/>
         </a:spcBef>
         <a:buFont typeface="Arial" panose="020B0604020202020204" pitchFamily="34" charset="0"/>
         <a:buChar char="•"/>
-        <a:defRPr sz="1138" kern="1200">
+        <a:defRPr sz="718" kern="1200">
           <a:solidFill>
             <a:schemeClr val="tx1"/>
           </a:solidFill>
@@ -2820,16 +2820,16 @@
           <a:cs typeface="+mn-cs"/>
         </a:defRPr>
       </a:lvl7pPr>
-      <a:lvl8pPr marL="2168500" indent="-144567" algn="l" defTabSz="578267" rtl="0" eaLnBrk="1" latinLnBrk="0" hangingPunct="1">
+      <a:lvl8pPr marL="1367485" indent="-91166" algn="l" defTabSz="364663" rtl="0" eaLnBrk="1" latinLnBrk="0" hangingPunct="1">
         <a:lnSpc>
           <a:spcPct val="90000"/>
         </a:lnSpc>
         <a:spcBef>
-          <a:spcPts val="316"/>
+          <a:spcPts val="199"/>
         </a:spcBef>
         <a:buFont typeface="Arial" panose="020B0604020202020204" pitchFamily="34" charset="0"/>
         <a:buChar char="•"/>
-        <a:defRPr sz="1138" kern="1200">
+        <a:defRPr sz="718" kern="1200">
           <a:solidFill>
             <a:schemeClr val="tx1"/>
           </a:solidFill>
@@ -2838,16 +2838,16 @@
           <a:cs typeface="+mn-cs"/>
         </a:defRPr>
       </a:lvl8pPr>
-      <a:lvl9pPr marL="2457633" indent="-144567" algn="l" defTabSz="578267" rtl="0" eaLnBrk="1" latinLnBrk="0" hangingPunct="1">
+      <a:lvl9pPr marL="1549817" indent="-91166" algn="l" defTabSz="364663" rtl="0" eaLnBrk="1" latinLnBrk="0" hangingPunct="1">
         <a:lnSpc>
           <a:spcPct val="90000"/>
         </a:lnSpc>
         <a:spcBef>
-          <a:spcPts val="316"/>
+          <a:spcPts val="199"/>
         </a:spcBef>
         <a:buFont typeface="Arial" panose="020B0604020202020204" pitchFamily="34" charset="0"/>
         <a:buChar char="•"/>
-        <a:defRPr sz="1138" kern="1200">
+        <a:defRPr sz="718" kern="1200">
           <a:solidFill>
             <a:schemeClr val="tx1"/>
           </a:solidFill>
@@ -2861,8 +2861,8 @@
       <a:defPPr>
         <a:defRPr lang="en-US"/>
       </a:defPPr>
-      <a:lvl1pPr marL="0" algn="l" defTabSz="578267" rtl="0" eaLnBrk="1" latinLnBrk="0" hangingPunct="1">
-        <a:defRPr sz="1138" kern="1200">
+      <a:lvl1pPr marL="0" algn="l" defTabSz="364663" rtl="0" eaLnBrk="1" latinLnBrk="0" hangingPunct="1">
+        <a:defRPr sz="718" kern="1200">
           <a:solidFill>
             <a:schemeClr val="tx1"/>
           </a:solidFill>
@@ -2871,8 +2871,8 @@
           <a:cs typeface="+mn-cs"/>
         </a:defRPr>
       </a:lvl1pPr>
-      <a:lvl2pPr marL="289133" algn="l" defTabSz="578267" rtl="0" eaLnBrk="1" latinLnBrk="0" hangingPunct="1">
-        <a:defRPr sz="1138" kern="1200">
+      <a:lvl2pPr marL="182331" algn="l" defTabSz="364663" rtl="0" eaLnBrk="1" latinLnBrk="0" hangingPunct="1">
+        <a:defRPr sz="718" kern="1200">
           <a:solidFill>
             <a:schemeClr val="tx1"/>
           </a:solidFill>
@@ -2881,8 +2881,8 @@
           <a:cs typeface="+mn-cs"/>
         </a:defRPr>
       </a:lvl2pPr>
-      <a:lvl3pPr marL="578267" algn="l" defTabSz="578267" rtl="0" eaLnBrk="1" latinLnBrk="0" hangingPunct="1">
-        <a:defRPr sz="1138" kern="1200">
+      <a:lvl3pPr marL="364663" algn="l" defTabSz="364663" rtl="0" eaLnBrk="1" latinLnBrk="0" hangingPunct="1">
+        <a:defRPr sz="718" kern="1200">
           <a:solidFill>
             <a:schemeClr val="tx1"/>
           </a:solidFill>
@@ -2891,8 +2891,8 @@
           <a:cs typeface="+mn-cs"/>
         </a:defRPr>
       </a:lvl3pPr>
-      <a:lvl4pPr marL="867400" algn="l" defTabSz="578267" rtl="0" eaLnBrk="1" latinLnBrk="0" hangingPunct="1">
-        <a:defRPr sz="1138" kern="1200">
+      <a:lvl4pPr marL="546994" algn="l" defTabSz="364663" rtl="0" eaLnBrk="1" latinLnBrk="0" hangingPunct="1">
+        <a:defRPr sz="718" kern="1200">
           <a:solidFill>
             <a:schemeClr val="tx1"/>
           </a:solidFill>
@@ -2901,8 +2901,8 @@
           <a:cs typeface="+mn-cs"/>
         </a:defRPr>
       </a:lvl4pPr>
-      <a:lvl5pPr marL="1156533" algn="l" defTabSz="578267" rtl="0" eaLnBrk="1" latinLnBrk="0" hangingPunct="1">
-        <a:defRPr sz="1138" kern="1200">
+      <a:lvl5pPr marL="729325" algn="l" defTabSz="364663" rtl="0" eaLnBrk="1" latinLnBrk="0" hangingPunct="1">
+        <a:defRPr sz="718" kern="1200">
           <a:solidFill>
             <a:schemeClr val="tx1"/>
           </a:solidFill>
@@ -2911,8 +2911,8 @@
           <a:cs typeface="+mn-cs"/>
         </a:defRPr>
       </a:lvl5pPr>
-      <a:lvl6pPr marL="1445666" algn="l" defTabSz="578267" rtl="0" eaLnBrk="1" latinLnBrk="0" hangingPunct="1">
-        <a:defRPr sz="1138" kern="1200">
+      <a:lvl6pPr marL="911657" algn="l" defTabSz="364663" rtl="0" eaLnBrk="1" latinLnBrk="0" hangingPunct="1">
+        <a:defRPr sz="718" kern="1200">
           <a:solidFill>
             <a:schemeClr val="tx1"/>
           </a:solidFill>
@@ -2921,8 +2921,8 @@
           <a:cs typeface="+mn-cs"/>
         </a:defRPr>
       </a:lvl6pPr>
-      <a:lvl7pPr marL="1734800" algn="l" defTabSz="578267" rtl="0" eaLnBrk="1" latinLnBrk="0" hangingPunct="1">
-        <a:defRPr sz="1138" kern="1200">
+      <a:lvl7pPr marL="1093988" algn="l" defTabSz="364663" rtl="0" eaLnBrk="1" latinLnBrk="0" hangingPunct="1">
+        <a:defRPr sz="718" kern="1200">
           <a:solidFill>
             <a:schemeClr val="tx1"/>
           </a:solidFill>
@@ -2931,8 +2931,8 @@
           <a:cs typeface="+mn-cs"/>
         </a:defRPr>
       </a:lvl7pPr>
-      <a:lvl8pPr marL="2023933" algn="l" defTabSz="578267" rtl="0" eaLnBrk="1" latinLnBrk="0" hangingPunct="1">
-        <a:defRPr sz="1138" kern="1200">
+      <a:lvl8pPr marL="1276320" algn="l" defTabSz="364663" rtl="0" eaLnBrk="1" latinLnBrk="0" hangingPunct="1">
+        <a:defRPr sz="718" kern="1200">
           <a:solidFill>
             <a:schemeClr val="tx1"/>
           </a:solidFill>
@@ -2941,8 +2941,8 @@
           <a:cs typeface="+mn-cs"/>
         </a:defRPr>
       </a:lvl8pPr>
-      <a:lvl9pPr marL="2313066" algn="l" defTabSz="578267" rtl="0" eaLnBrk="1" latinLnBrk="0" hangingPunct="1">
-        <a:defRPr sz="1138" kern="1200">
+      <a:lvl9pPr marL="1458651" algn="l" defTabSz="364663" rtl="0" eaLnBrk="1" latinLnBrk="0" hangingPunct="1">
+        <a:defRPr sz="718" kern="1200">
           <a:solidFill>
             <a:schemeClr val="tx1"/>
           </a:solidFill>
@@ -2975,30 +2975,439 @@
       </p:grpSpPr>
       <p:grpSp>
         <p:nvGrpSpPr>
-          <p:cNvPr id="5" name="Group 11">
-            <a:extLst>
-              <a:ext uri="{FF2B5EF4-FFF2-40B4-BE49-F238E27FC236}">
-                <a16:creationId xmlns:a16="http://schemas.microsoft.com/office/drawing/2014/main" id="{222C96BD-B684-44B2-AF79-31798389528D}"/>
-              </a:ext>
-            </a:extLst>
-          </p:cNvPr>
+          <p:cNvPr id="3" name="组合 2"/>
           <p:cNvGrpSpPr/>
           <p:nvPr/>
         </p:nvGrpSpPr>
         <p:grpSpPr>
           <a:xfrm>
-            <a:off x="2232167" y="31240"/>
-            <a:ext cx="8940133" cy="4274571"/>
-            <a:chOff x="642518" y="-2381062"/>
-            <a:chExt cx="9942857" cy="5468723"/>
+            <a:off x="146540" y="65228"/>
+            <a:ext cx="11422116" cy="2742267"/>
+            <a:chOff x="358325" y="-20170"/>
+            <a:chExt cx="11037114" cy="4295444"/>
           </a:xfrm>
         </p:grpSpPr>
+        <p:grpSp>
+          <p:nvGrpSpPr>
+            <p:cNvPr id="5" name="Group 11">
+              <a:extLst>
+                <a:ext uri="{FF2B5EF4-FFF2-40B4-BE49-F238E27FC236}">
+                  <a16:creationId xmlns:a16="http://schemas.microsoft.com/office/drawing/2014/main" id="{222C96BD-B684-44B2-AF79-31798389528D}"/>
+                </a:ext>
+              </a:extLst>
+            </p:cNvPr>
+            <p:cNvGrpSpPr/>
+            <p:nvPr/>
+          </p:nvGrpSpPr>
+          <p:grpSpPr>
+            <a:xfrm>
+              <a:off x="2232169" y="31234"/>
+              <a:ext cx="8940133" cy="4244040"/>
+              <a:chOff x="642518" y="-2381062"/>
+              <a:chExt cx="9942857" cy="5429661"/>
+            </a:xfrm>
+          </p:grpSpPr>
+          <p:sp>
+            <p:nvSpPr>
+              <p:cNvPr id="6" name="Rectangle 12">
+                <a:extLst>
+                  <a:ext uri="{FF2B5EF4-FFF2-40B4-BE49-F238E27FC236}">
+                    <a16:creationId xmlns:a16="http://schemas.microsoft.com/office/drawing/2014/main" id="{2CDB9704-8ACE-4055-8FFF-0FF4717CDBF4}"/>
+                  </a:ext>
+                </a:extLst>
+              </p:cNvPr>
+              <p:cNvSpPr/>
+              <p:nvPr/>
+            </p:nvSpPr>
+            <p:spPr>
+              <a:xfrm>
+                <a:off x="642518" y="-1251269"/>
+                <a:ext cx="9942857" cy="3985655"/>
+              </a:xfrm>
+              <a:prstGeom prst="rect">
+                <a:avLst/>
+              </a:prstGeom>
+              <a:noFill/>
+              <a:ln>
+                <a:noFill/>
+              </a:ln>
+            </p:spPr>
+            <p:style>
+              <a:lnRef idx="2">
+                <a:schemeClr val="dk1"/>
+              </a:lnRef>
+              <a:fillRef idx="1">
+                <a:schemeClr val="lt1"/>
+              </a:fillRef>
+              <a:effectRef idx="0">
+                <a:schemeClr val="dk1"/>
+              </a:effectRef>
+              <a:fontRef idx="minor">
+                <a:schemeClr val="dk1"/>
+              </a:fontRef>
+            </p:style>
+            <p:txBody>
+              <a:bodyPr rtlCol="0" anchor="ctr"/>
+              <a:lstStyle/>
+              <a:p>
+                <a:pPr algn="ctr"/>
+                <a:endParaRPr lang="en-US" sz="1204"/>
+              </a:p>
+            </p:txBody>
+          </p:sp>
+          <p:sp>
+            <p:nvSpPr>
+              <p:cNvPr id="7" name="Rectangle 13">
+                <a:extLst>
+                  <a:ext uri="{FF2B5EF4-FFF2-40B4-BE49-F238E27FC236}">
+                    <a16:creationId xmlns:a16="http://schemas.microsoft.com/office/drawing/2014/main" id="{77C241AF-25E4-4FC2-848B-FF8437B833C5}"/>
+                  </a:ext>
+                </a:extLst>
+              </p:cNvPr>
+              <p:cNvSpPr/>
+              <p:nvPr/>
+            </p:nvSpPr>
+            <p:spPr>
+              <a:xfrm>
+                <a:off x="3455780" y="-2381062"/>
+                <a:ext cx="3791653" cy="1680153"/>
+              </a:xfrm>
+              <a:prstGeom prst="rect">
+                <a:avLst/>
+              </a:prstGeom>
+              <a:solidFill>
+                <a:schemeClr val="bg1"/>
+              </a:solidFill>
+              <a:ln w="28575">
+                <a:solidFill>
+                  <a:schemeClr val="tx1"/>
+                </a:solidFill>
+              </a:ln>
+            </p:spPr>
+            <p:style>
+              <a:lnRef idx="1">
+                <a:schemeClr val="accent3"/>
+              </a:lnRef>
+              <a:fillRef idx="2">
+                <a:schemeClr val="accent3"/>
+              </a:fillRef>
+              <a:effectRef idx="1">
+                <a:schemeClr val="accent3"/>
+              </a:effectRef>
+              <a:fontRef idx="minor">
+                <a:schemeClr val="dk1"/>
+              </a:fontRef>
+            </p:style>
+            <p:txBody>
+              <a:bodyPr rtlCol="0" anchor="ctr" anchorCtr="0"/>
+              <a:lstStyle/>
+              <a:p>
+                <a:r>
+                  <a:rPr lang="en-US" altLang="zh-CN" sz="1913" b="1" i="1" dirty="0" err="1"/>
+                  <a:t>AdaConfigure</a:t>
+                </a:r>
+                <a:r>
+                  <a:rPr lang="en-US" sz="1913" b="1" i="1" dirty="0"/>
+                  <a:t>: </a:t>
+                </a:r>
+              </a:p>
+              <a:p>
+                <a:r>
+                  <a:rPr lang="en-US" altLang="zh-CN" sz="1700" i="1" dirty="0"/>
+                  <a:t>DQN </a:t>
+                </a:r>
+                <a:r>
+                  <a:rPr lang="en-US" sz="1700" i="1" dirty="0"/>
+                  <a:t>Based </a:t>
+                </a:r>
+                <a:r>
+                  <a:rPr lang="en-US" altLang="zh-CN" sz="1700" i="1" dirty="0"/>
+                  <a:t>Adaptive </a:t>
+                </a:r>
+              </a:p>
+              <a:p>
+                <a:r>
+                  <a:rPr lang="en-US" altLang="zh-CN" sz="1700" i="1" dirty="0"/>
+                  <a:t>Configuration Agent</a:t>
+                </a:r>
+              </a:p>
+            </p:txBody>
+          </p:sp>
+          <p:sp>
+            <p:nvSpPr>
+              <p:cNvPr id="11" name="Right Arrow 17">
+                <a:extLst>
+                  <a:ext uri="{FF2B5EF4-FFF2-40B4-BE49-F238E27FC236}">
+                    <a16:creationId xmlns:a16="http://schemas.microsoft.com/office/drawing/2014/main" id="{D705572A-9191-4106-A04C-D51AB6D0B2EE}"/>
+                  </a:ext>
+                </a:extLst>
+              </p:cNvPr>
+              <p:cNvSpPr/>
+              <p:nvPr/>
+            </p:nvSpPr>
+            <p:spPr>
+              <a:xfrm>
+                <a:off x="5529213" y="1235019"/>
+                <a:ext cx="1070119" cy="380719"/>
+              </a:xfrm>
+              <a:prstGeom prst="rightArrow">
+                <a:avLst/>
+              </a:prstGeom>
+            </p:spPr>
+            <p:style>
+              <a:lnRef idx="2">
+                <a:schemeClr val="dk1"/>
+              </a:lnRef>
+              <a:fillRef idx="1">
+                <a:schemeClr val="lt1"/>
+              </a:fillRef>
+              <a:effectRef idx="0">
+                <a:schemeClr val="dk1"/>
+              </a:effectRef>
+              <a:fontRef idx="minor">
+                <a:schemeClr val="dk1"/>
+              </a:fontRef>
+            </p:style>
+            <p:txBody>
+              <a:bodyPr rtlCol="0" anchor="ctr"/>
+              <a:lstStyle/>
+              <a:p>
+                <a:pPr algn="ctr"/>
+                <a:endParaRPr lang="en-US" sz="1204" dirty="0"/>
+              </a:p>
+            </p:txBody>
+          </p:sp>
+          <p:sp>
+            <p:nvSpPr>
+              <p:cNvPr id="12" name="TextBox 18">
+                <a:extLst>
+                  <a:ext uri="{FF2B5EF4-FFF2-40B4-BE49-F238E27FC236}">
+                    <a16:creationId xmlns:a16="http://schemas.microsoft.com/office/drawing/2014/main" id="{76015C2F-C80C-446A-92D9-FFB092D6A3EB}"/>
+                  </a:ext>
+                </a:extLst>
+              </p:cNvPr>
+              <p:cNvSpPr txBox="1"/>
+              <p:nvPr/>
+            </p:nvSpPr>
+            <p:spPr>
+              <a:xfrm>
+                <a:off x="6113132" y="2077178"/>
+                <a:ext cx="3872183" cy="971421"/>
+              </a:xfrm>
+              <a:prstGeom prst="rect">
+                <a:avLst/>
+              </a:prstGeom>
+              <a:noFill/>
+            </p:spPr>
+            <p:txBody>
+              <a:bodyPr wrap="square" rtlCol="0">
+                <a:spAutoFit/>
+              </a:bodyPr>
+              <a:lstStyle/>
+              <a:p>
+                <a:pPr algn="ctr"/>
+                <a:r>
+                  <a:rPr lang="en-US" sz="1275" dirty="0"/>
+                  <a:t>(</a:t>
+                </a:r>
+                <a:r>
+                  <a:rPr lang="en-US" sz="1275" i="1" dirty="0"/>
+                  <a:t>e.g.</a:t>
+                </a:r>
+                <a:r>
+                  <a:rPr lang="en-US" sz="1275" dirty="0"/>
+                  <a:t>, </a:t>
+                </a:r>
+                <a:r>
+                  <a:rPr lang="en-US" altLang="zh-CN" sz="1275" dirty="0"/>
+                  <a:t>SSD+ResNet152V1, </a:t>
+                </a:r>
+                <a:r>
+                  <a:rPr lang="en-US" altLang="zh-CN" sz="1275" dirty="0" err="1"/>
+                  <a:t>FasterRCNN</a:t>
+                </a:r>
+                <a:r>
+                  <a:rPr lang="en-US" altLang="zh-CN" sz="1275" dirty="0"/>
+                  <a:t>+ ResNet50V1, </a:t>
+                </a:r>
+                <a:r>
+                  <a:rPr lang="en-US" altLang="zh-CN" sz="1275" dirty="0" err="1"/>
+                  <a:t>FasterRCNN</a:t>
+                </a:r>
+                <a:r>
+                  <a:rPr lang="en-US" altLang="zh-CN" sz="1275" dirty="0"/>
+                  <a:t>+ InceptionResNetV2</a:t>
+                </a:r>
+                <a:r>
+                  <a:rPr lang="en-US" sz="1275" dirty="0"/>
+                  <a:t>)</a:t>
+                </a:r>
+              </a:p>
+            </p:txBody>
+          </p:sp>
+          <p:sp>
+            <p:nvSpPr>
+              <p:cNvPr id="19" name="TextBox 25">
+                <a:extLst>
+                  <a:ext uri="{FF2B5EF4-FFF2-40B4-BE49-F238E27FC236}">
+                    <a16:creationId xmlns:a16="http://schemas.microsoft.com/office/drawing/2014/main" id="{529868A7-399D-4491-A160-CB9741C8C035}"/>
+                  </a:ext>
+                </a:extLst>
+              </p:cNvPr>
+              <p:cNvSpPr txBox="1"/>
+              <p:nvPr/>
+            </p:nvSpPr>
+            <p:spPr>
+              <a:xfrm>
+                <a:off x="4897923" y="-268479"/>
+                <a:ext cx="2317381" cy="578228"/>
+              </a:xfrm>
+              <a:prstGeom prst="rect">
+                <a:avLst/>
+              </a:prstGeom>
+              <a:noFill/>
+            </p:spPr>
+            <p:txBody>
+              <a:bodyPr wrap="none" rtlCol="0">
+                <a:spAutoFit/>
+              </a:bodyPr>
+              <a:lstStyle/>
+              <a:p>
+                <a:r>
+                  <a:rPr lang="en-US" sz="1275" dirty="0"/>
+                  <a:t>(</a:t>
+                </a:r>
+                <a:r>
+                  <a:rPr lang="en-US" sz="1275" i="1" dirty="0"/>
+                  <a:t>e.g.</a:t>
+                </a:r>
+                <a:r>
+                  <a:rPr lang="en-US" sz="1275" dirty="0"/>
+                  <a:t>, 320</a:t>
+                </a:r>
+                <a:r>
+                  <a:rPr lang="en-US" altLang="zh-CN" sz="1275" dirty="0"/>
+                  <a:t>p,</a:t>
+                </a:r>
+                <a:r>
+                  <a:rPr lang="en-US" sz="1275" dirty="0"/>
+                  <a:t>640p,960p,1024p)</a:t>
+                </a:r>
+                <a:endParaRPr lang="en-US" sz="1116" dirty="0"/>
+              </a:p>
+            </p:txBody>
+          </p:sp>
+          <p:sp>
+            <p:nvSpPr>
+              <p:cNvPr id="22" name="TextBox 28">
+                <a:extLst>
+                  <a:ext uri="{FF2B5EF4-FFF2-40B4-BE49-F238E27FC236}">
+                    <a16:creationId xmlns:a16="http://schemas.microsoft.com/office/drawing/2014/main" id="{3B709A33-5655-4083-AC28-8CB71FF229C4}"/>
+                  </a:ext>
+                </a:extLst>
+              </p:cNvPr>
+              <p:cNvSpPr txBox="1"/>
+              <p:nvPr/>
+            </p:nvSpPr>
+            <p:spPr>
+              <a:xfrm>
+                <a:off x="3776584" y="914596"/>
+                <a:ext cx="1676479" cy="906146"/>
+              </a:xfrm>
+              <a:prstGeom prst="rect">
+                <a:avLst/>
+              </a:prstGeom>
+              <a:solidFill>
+                <a:schemeClr val="bg1">
+                  <a:lumMod val="95000"/>
+                </a:schemeClr>
+              </a:solidFill>
+              <a:effectLst>
+                <a:outerShdw blurRad="50800" dist="76200" dir="2700000" algn="tl" rotWithShape="0">
+                  <a:prstClr val="black">
+                    <a:alpha val="40000"/>
+                  </a:prstClr>
+                </a:outerShdw>
+              </a:effectLst>
+            </p:spPr>
+            <p:style>
+              <a:lnRef idx="2">
+                <a:schemeClr val="dk1"/>
+              </a:lnRef>
+              <a:fillRef idx="1">
+                <a:schemeClr val="lt1"/>
+              </a:fillRef>
+              <a:effectRef idx="0">
+                <a:schemeClr val="dk1"/>
+              </a:effectRef>
+              <a:fontRef idx="minor">
+                <a:schemeClr val="dk1"/>
+              </a:fontRef>
+            </p:style>
+            <p:txBody>
+              <a:bodyPr wrap="square" rtlCol="0">
+                <a:spAutoFit/>
+              </a:bodyPr>
+              <a:lstStyle/>
+              <a:p>
+                <a:pPr algn="ctr"/>
+                <a:r>
+                  <a:rPr lang="en-US" altLang="zh-CN" sz="1169" b="1" dirty="0"/>
+                  <a:t>(Resize) Resolution</a:t>
+                </a:r>
+              </a:p>
+              <a:p>
+                <a:pPr algn="ctr"/>
+                <a:r>
+                  <a:rPr lang="en-US" altLang="zh-CN" sz="1169" b="1" dirty="0"/>
+                  <a:t>Selection </a:t>
+                </a:r>
+                <a:endParaRPr lang="en-US" sz="1169" b="1" dirty="0"/>
+              </a:p>
+            </p:txBody>
+          </p:sp>
+        </p:grpSp>
         <p:sp>
           <p:nvSpPr>
-            <p:cNvPr id="6" name="Rectangle 12">
+            <p:cNvPr id="2" name="TextBox 16">
               <a:extLst>
                 <a:ext uri="{FF2B5EF4-FFF2-40B4-BE49-F238E27FC236}">
-                  <a16:creationId xmlns:a16="http://schemas.microsoft.com/office/drawing/2014/main" id="{2CDB9704-8ACE-4055-8FFF-0FF4717CDBF4}"/>
+                  <a16:creationId xmlns:a16="http://schemas.microsoft.com/office/drawing/2014/main" id="{F2EAF924-5ADA-4A13-9D4A-88D7F0F3C4E1}"/>
+                </a:ext>
+              </a:extLst>
+            </p:cNvPr>
+            <p:cNvSpPr txBox="1"/>
+            <p:nvPr/>
+          </p:nvSpPr>
+          <p:spPr>
+            <a:xfrm>
+              <a:off x="8495729" y="-20170"/>
+              <a:ext cx="2276298" cy="554411"/>
+            </a:xfrm>
+            <a:prstGeom prst="rect">
+              <a:avLst/>
+            </a:prstGeom>
+            <a:noFill/>
+          </p:spPr>
+          <p:txBody>
+            <a:bodyPr wrap="square" rtlCol="0">
+              <a:spAutoFit/>
+            </a:bodyPr>
+            <a:lstStyle/>
+            <a:p>
+              <a:r>
+                <a:rPr lang="en-US" altLang="zh-CN" sz="1700" b="1" i="1" dirty="0"/>
+                <a:t>Reward  Feedback</a:t>
+              </a:r>
+            </a:p>
+          </p:txBody>
+        </p:sp>
+        <p:sp>
+          <p:nvSpPr>
+            <p:cNvPr id="27" name="Right Arrow 20">
+              <a:extLst>
+                <a:ext uri="{FF2B5EF4-FFF2-40B4-BE49-F238E27FC236}">
+                  <a16:creationId xmlns:a16="http://schemas.microsoft.com/office/drawing/2014/main" id="{25553247-6757-4692-9816-DB7EBB7E1F01}"/>
                 </a:ext>
               </a:extLst>
             </p:cNvPr>
@@ -3007,134 +3416,8 @@
           </p:nvSpPr>
           <p:spPr>
             <a:xfrm>
-              <a:off x="642518" y="-1251269"/>
-              <a:ext cx="9942857" cy="3985655"/>
-            </a:xfrm>
-            <a:prstGeom prst="rect">
-              <a:avLst/>
-            </a:prstGeom>
-            <a:noFill/>
-            <a:ln>
-              <a:noFill/>
-            </a:ln>
-          </p:spPr>
-          <p:style>
-            <a:lnRef idx="2">
-              <a:schemeClr val="dk1"/>
-            </a:lnRef>
-            <a:fillRef idx="1">
-              <a:schemeClr val="lt1"/>
-            </a:fillRef>
-            <a:effectRef idx="0">
-              <a:schemeClr val="dk1"/>
-            </a:effectRef>
-            <a:fontRef idx="minor">
-              <a:schemeClr val="dk1"/>
-            </a:fontRef>
-          </p:style>
-          <p:txBody>
-            <a:bodyPr rtlCol="0" anchor="ctr"/>
-            <a:lstStyle/>
-            <a:p>
-              <a:pPr algn="ctr"/>
-              <a:endParaRPr lang="en-US" sz="1133"/>
-            </a:p>
-          </p:txBody>
-        </p:sp>
-        <p:sp>
-          <p:nvSpPr>
-            <p:cNvPr id="7" name="Rectangle 13">
-              <a:extLst>
-                <a:ext uri="{FF2B5EF4-FFF2-40B4-BE49-F238E27FC236}">
-                  <a16:creationId xmlns:a16="http://schemas.microsoft.com/office/drawing/2014/main" id="{77C241AF-25E4-4FC2-848B-FF8437B833C5}"/>
-                </a:ext>
-              </a:extLst>
-            </p:cNvPr>
-            <p:cNvSpPr/>
-            <p:nvPr/>
-          </p:nvSpPr>
-          <p:spPr>
-            <a:xfrm>
-              <a:off x="3455780" y="-2381062"/>
-              <a:ext cx="3791653" cy="1680153"/>
-            </a:xfrm>
-            <a:prstGeom prst="rect">
-              <a:avLst/>
-            </a:prstGeom>
-            <a:solidFill>
-              <a:schemeClr val="bg1"/>
-            </a:solidFill>
-            <a:ln w="28575">
-              <a:solidFill>
-                <a:schemeClr val="tx1"/>
-              </a:solidFill>
-            </a:ln>
-          </p:spPr>
-          <p:style>
-            <a:lnRef idx="1">
-              <a:schemeClr val="accent3"/>
-            </a:lnRef>
-            <a:fillRef idx="2">
-              <a:schemeClr val="accent3"/>
-            </a:fillRef>
-            <a:effectRef idx="1">
-              <a:schemeClr val="accent3"/>
-            </a:effectRef>
-            <a:fontRef idx="minor">
-              <a:schemeClr val="dk1"/>
-            </a:fontRef>
-          </p:style>
-          <p:txBody>
-            <a:bodyPr rtlCol="0" anchor="ctr" anchorCtr="0"/>
-            <a:lstStyle/>
-            <a:p>
-              <a:r>
-                <a:rPr lang="en-US" altLang="zh-CN" sz="2266" b="1" i="1"/>
-                <a:t>AdaConfigure</a:t>
-              </a:r>
-              <a:r>
-                <a:rPr lang="en-US" sz="2266" b="1" i="1" dirty="0"/>
-                <a:t>: </a:t>
-              </a:r>
-            </a:p>
-            <a:p>
-              <a:r>
-                <a:rPr lang="en-US" altLang="zh-CN" sz="1888" i="1" dirty="0"/>
-                <a:t>DQN </a:t>
-              </a:r>
-              <a:r>
-                <a:rPr lang="en-US" sz="1888" i="1" dirty="0"/>
-                <a:t>Based </a:t>
-              </a:r>
-              <a:r>
-                <a:rPr lang="en-US" altLang="zh-CN" sz="1888" i="1" dirty="0"/>
-                <a:t>Adaptive </a:t>
-              </a:r>
-            </a:p>
-            <a:p>
-              <a:r>
-                <a:rPr lang="en-US" altLang="zh-CN" sz="1888" i="1" dirty="0"/>
-                <a:t>Configuration Agent</a:t>
-              </a:r>
-            </a:p>
-          </p:txBody>
-        </p:sp>
-        <p:sp>
-          <p:nvSpPr>
-            <p:cNvPr id="11" name="Right Arrow 17">
-              <a:extLst>
-                <a:ext uri="{FF2B5EF4-FFF2-40B4-BE49-F238E27FC236}">
-                  <a16:creationId xmlns:a16="http://schemas.microsoft.com/office/drawing/2014/main" id="{D705572A-9191-4106-A04C-D51AB6D0B2EE}"/>
-                </a:ext>
-              </a:extLst>
-            </p:cNvPr>
-            <p:cNvSpPr/>
-            <p:nvPr/>
-          </p:nvSpPr>
-          <p:spPr>
-            <a:xfrm>
-              <a:off x="5529213" y="1235019"/>
-              <a:ext cx="1070119" cy="380719"/>
+              <a:off x="1659668" y="2672583"/>
+              <a:ext cx="520703" cy="693101"/>
             </a:xfrm>
             <a:prstGeom prst="rightArrow">
               <a:avLst/>
@@ -3159,16 +3442,16 @@
             <a:lstStyle/>
             <a:p>
               <a:pPr algn="ctr"/>
-              <a:endParaRPr lang="en-US" sz="1133" dirty="0"/>
+              <a:endParaRPr lang="en-US" sz="1204"/>
             </a:p>
           </p:txBody>
         </p:sp>
         <p:sp>
           <p:nvSpPr>
-            <p:cNvPr id="12" name="TextBox 18">
+            <p:cNvPr id="29" name="TextBox 28">
               <a:extLst>
                 <a:ext uri="{FF2B5EF4-FFF2-40B4-BE49-F238E27FC236}">
-                  <a16:creationId xmlns:a16="http://schemas.microsoft.com/office/drawing/2014/main" id="{76015C2F-C80C-446A-92D9-FFB092D6A3EB}"/>
+                  <a16:creationId xmlns:a16="http://schemas.microsoft.com/office/drawing/2014/main" id="{97ADD32F-5A82-4E65-A9DD-2985BD3E429A}"/>
                 </a:ext>
               </a:extLst>
             </p:cNvPr>
@@ -3177,128 +3460,8 @@
           </p:nvSpPr>
           <p:spPr>
             <a:xfrm>
-              <a:off x="6113133" y="2077180"/>
-              <a:ext cx="3415283" cy="1010481"/>
-            </a:xfrm>
-            <a:prstGeom prst="rect">
-              <a:avLst/>
-            </a:prstGeom>
-            <a:noFill/>
-          </p:spPr>
-          <p:txBody>
-            <a:bodyPr wrap="square" rtlCol="0">
-              <a:spAutoFit/>
-            </a:bodyPr>
-            <a:lstStyle/>
-            <a:p>
-              <a:pPr algn="ctr"/>
-              <a:r>
-                <a:rPr lang="en-US" sz="1511" dirty="0"/>
-                <a:t>(</a:t>
-              </a:r>
-              <a:r>
-                <a:rPr lang="en-US" sz="1511" i="1" dirty="0"/>
-                <a:t>e.g.</a:t>
-              </a:r>
-              <a:r>
-                <a:rPr lang="en-US" sz="1511" dirty="0"/>
-                <a:t>, </a:t>
-              </a:r>
-              <a:r>
-                <a:rPr lang="en-US" altLang="zh-CN" sz="1511" dirty="0"/>
-                <a:t>SSD+ResNet152V1, </a:t>
-              </a:r>
-              <a:r>
-                <a:rPr lang="en-US" altLang="zh-CN" sz="1511" dirty="0" err="1"/>
-                <a:t>FasterRCNN</a:t>
-              </a:r>
-              <a:r>
-                <a:rPr lang="en-US" altLang="zh-CN" sz="1511" dirty="0"/>
-                <a:t>+ ResNet50V1, </a:t>
-              </a:r>
-              <a:r>
-                <a:rPr lang="en-US" altLang="zh-CN" sz="1511" dirty="0" err="1"/>
-                <a:t>FasterRCNN</a:t>
-              </a:r>
-              <a:r>
-                <a:rPr lang="en-US" altLang="zh-CN" sz="1511" dirty="0"/>
-                <a:t>+ InceptionResNetV2</a:t>
-              </a:r>
-              <a:r>
-                <a:rPr lang="en-US" sz="1511" dirty="0"/>
-                <a:t>)</a:t>
-              </a:r>
-            </a:p>
-          </p:txBody>
-        </p:sp>
-        <p:sp>
-          <p:nvSpPr>
-            <p:cNvPr id="19" name="TextBox 25">
-              <a:extLst>
-                <a:ext uri="{FF2B5EF4-FFF2-40B4-BE49-F238E27FC236}">
-                  <a16:creationId xmlns:a16="http://schemas.microsoft.com/office/drawing/2014/main" id="{529868A7-399D-4491-A160-CB9741C8C035}"/>
-                </a:ext>
-              </a:extLst>
-            </p:cNvPr>
-            <p:cNvSpPr txBox="1"/>
-            <p:nvPr/>
-          </p:nvSpPr>
-          <p:spPr>
-            <a:xfrm>
-              <a:off x="4914655" y="123239"/>
-              <a:ext cx="2793997" cy="415579"/>
-            </a:xfrm>
-            <a:prstGeom prst="rect">
-              <a:avLst/>
-            </a:prstGeom>
-            <a:noFill/>
-          </p:spPr>
-          <p:txBody>
-            <a:bodyPr wrap="none" rtlCol="0">
-              <a:spAutoFit/>
-            </a:bodyPr>
-            <a:lstStyle/>
-            <a:p>
-              <a:r>
-                <a:rPr lang="en-US" sz="1511" dirty="0"/>
-                <a:t>(</a:t>
-              </a:r>
-              <a:r>
-                <a:rPr lang="en-US" sz="1511" i="1" dirty="0"/>
-                <a:t>e.g.</a:t>
-              </a:r>
-              <a:r>
-                <a:rPr lang="en-US" sz="1511" dirty="0"/>
-                <a:t>, 320</a:t>
-              </a:r>
-              <a:r>
-                <a:rPr lang="en-US" altLang="zh-CN" sz="1511" dirty="0"/>
-                <a:t>p,</a:t>
-              </a:r>
-              <a:r>
-                <a:rPr lang="en-US" sz="1511" dirty="0"/>
-                <a:t>640p,960p,1024p)</a:t>
-              </a:r>
-              <a:endParaRPr lang="en-US" sz="1133" dirty="0"/>
-            </a:p>
-          </p:txBody>
-        </p:sp>
-        <p:sp>
-          <p:nvSpPr>
-            <p:cNvPr id="22" name="TextBox 28">
-              <a:extLst>
-                <a:ext uri="{FF2B5EF4-FFF2-40B4-BE49-F238E27FC236}">
-                  <a16:creationId xmlns:a16="http://schemas.microsoft.com/office/drawing/2014/main" id="{3B709A33-5655-4083-AC28-8CB71FF229C4}"/>
-                </a:ext>
-              </a:extLst>
-            </p:cNvPr>
-            <p:cNvSpPr txBox="1"/>
-            <p:nvPr/>
-          </p:nvSpPr>
-          <p:spPr>
-            <a:xfrm>
-              <a:off x="3776584" y="914595"/>
-              <a:ext cx="1676478" cy="1122209"/>
+              <a:off x="2232161" y="2691421"/>
+              <a:ext cx="1785436" cy="990105"/>
             </a:xfrm>
             <a:prstGeom prst="rect">
               <a:avLst/>
@@ -3338,1767 +3501,1619 @@
             <a:p>
               <a:pPr algn="ctr"/>
               <a:r>
-                <a:rPr lang="en-US" altLang="zh-CN" sz="1700" b="1" dirty="0"/>
-                <a:t>(Resize) Resolution</a:t>
+                <a:rPr lang="en-US" altLang="zh-CN" sz="1169" b="1" dirty="0"/>
+                <a:t>(</a:t>
+              </a:r>
+              <a:r>
+                <a:rPr lang="en-US" altLang="zh-CN" sz="1169" b="1" dirty="0" err="1"/>
+                <a:t>ffmpeg</a:t>
+              </a:r>
+              <a:r>
+                <a:rPr lang="en-US" altLang="zh-CN" sz="1169" b="1" dirty="0"/>
+                <a:t>)</a:t>
               </a:r>
             </a:p>
             <a:p>
               <a:pPr algn="ctr"/>
               <a:r>
-                <a:rPr lang="en-US" altLang="zh-CN" sz="1700" b="1" dirty="0"/>
+                <a:rPr lang="en-US" altLang="zh-CN" sz="1169" b="1" dirty="0"/>
+                <a:t>Frame Rate</a:t>
+              </a:r>
+            </a:p>
+            <a:p>
+              <a:pPr algn="ctr"/>
+              <a:r>
+                <a:rPr lang="en-US" altLang="zh-CN" sz="1169" b="1" dirty="0"/>
                 <a:t>Selection </a:t>
               </a:r>
-              <a:endParaRPr lang="en-US" sz="1700" b="1" dirty="0"/>
+              <a:endParaRPr lang="en-US" sz="1169" b="1" dirty="0"/>
             </a:p>
           </p:txBody>
         </p:sp>
+        <p:sp>
+          <p:nvSpPr>
+            <p:cNvPr id="31" name="Right Arrow 17">
+              <a:extLst>
+                <a:ext uri="{FF2B5EF4-FFF2-40B4-BE49-F238E27FC236}">
+                  <a16:creationId xmlns:a16="http://schemas.microsoft.com/office/drawing/2014/main" id="{C82415BD-DA3E-4EF4-BC54-0CCB3012C9BB}"/>
+                </a:ext>
+              </a:extLst>
+            </p:cNvPr>
+            <p:cNvSpPr/>
+            <p:nvPr/>
+          </p:nvSpPr>
+          <p:spPr>
+            <a:xfrm>
+              <a:off x="4036994" y="2840666"/>
+              <a:ext cx="962199" cy="298000"/>
+            </a:xfrm>
+            <a:prstGeom prst="rightArrow">
+              <a:avLst/>
+            </a:prstGeom>
+          </p:spPr>
+          <p:style>
+            <a:lnRef idx="2">
+              <a:schemeClr val="dk1"/>
+            </a:lnRef>
+            <a:fillRef idx="1">
+              <a:schemeClr val="lt1"/>
+            </a:fillRef>
+            <a:effectRef idx="0">
+              <a:schemeClr val="dk1"/>
+            </a:effectRef>
+            <a:fontRef idx="minor">
+              <a:schemeClr val="dk1"/>
+            </a:fontRef>
+          </p:style>
+          <p:txBody>
+            <a:bodyPr rtlCol="0" anchor="ctr"/>
+            <a:lstStyle/>
+            <a:p>
+              <a:pPr algn="ctr"/>
+              <a:endParaRPr lang="en-US" sz="1204"/>
+            </a:p>
+          </p:txBody>
+        </p:sp>
+        <p:pic>
+          <p:nvPicPr>
+            <p:cNvPr id="39" name="图片 38">
+              <a:extLst>
+                <a:ext uri="{FF2B5EF4-FFF2-40B4-BE49-F238E27FC236}">
+                  <a16:creationId xmlns:a16="http://schemas.microsoft.com/office/drawing/2014/main" id="{D150EE41-D8AB-4B61-AA74-31F71E40DC95}"/>
+                </a:ext>
+              </a:extLst>
+            </p:cNvPr>
+            <p:cNvPicPr>
+              <a:picLocks noChangeAspect="1"/>
+            </p:cNvPicPr>
+            <p:nvPr/>
+          </p:nvPicPr>
+          <p:blipFill>
+            <a:blip r:embed="rId2" cstate="print">
+              <a:extLst>
+                <a:ext uri="{28A0092B-C50C-407E-A947-70E740481C1C}">
+                  <a14:useLocalDpi xmlns:a14="http://schemas.microsoft.com/office/drawing/2010/main" val="0"/>
+                </a:ext>
+              </a:extLst>
+            </a:blip>
+            <a:stretch>
+              <a:fillRect/>
+            </a:stretch>
+          </p:blipFill>
+          <p:spPr>
+            <a:xfrm>
+              <a:off x="3472699" y="1433342"/>
+              <a:ext cx="1405617" cy="790665"/>
+            </a:xfrm>
+            <a:prstGeom prst="rect">
+              <a:avLst/>
+            </a:prstGeom>
+          </p:spPr>
+        </p:pic>
+        <p:pic>
+          <p:nvPicPr>
+            <p:cNvPr id="41" name="图片 40">
+              <a:extLst>
+                <a:ext uri="{FF2B5EF4-FFF2-40B4-BE49-F238E27FC236}">
+                  <a16:creationId xmlns:a16="http://schemas.microsoft.com/office/drawing/2014/main" id="{C698A4CD-B0C9-44B9-BF3C-DE6BB25FBF7B}"/>
+                </a:ext>
+              </a:extLst>
+            </p:cNvPr>
+            <p:cNvPicPr>
+              <a:picLocks noChangeAspect="1"/>
+            </p:cNvPicPr>
+            <p:nvPr/>
+          </p:nvPicPr>
+          <p:blipFill>
+            <a:blip r:embed="rId3" cstate="print">
+              <a:extLst>
+                <a:ext uri="{28A0092B-C50C-407E-A947-70E740481C1C}">
+                  <a14:useLocalDpi xmlns:a14="http://schemas.microsoft.com/office/drawing/2010/main" val="0"/>
+                </a:ext>
+              </a:extLst>
+            </a:blip>
+            <a:stretch>
+              <a:fillRect/>
+            </a:stretch>
+          </p:blipFill>
+          <p:spPr>
+            <a:xfrm>
+              <a:off x="3634606" y="1585250"/>
+              <a:ext cx="1405618" cy="790666"/>
+            </a:xfrm>
+            <a:prstGeom prst="rect">
+              <a:avLst/>
+            </a:prstGeom>
+          </p:spPr>
+        </p:pic>
+        <p:pic>
+          <p:nvPicPr>
+            <p:cNvPr id="37" name="图片 36">
+              <a:extLst>
+                <a:ext uri="{FF2B5EF4-FFF2-40B4-BE49-F238E27FC236}">
+                  <a16:creationId xmlns:a16="http://schemas.microsoft.com/office/drawing/2014/main" id="{2640D3FE-61F5-4AF2-9B34-3DFA525FE42A}"/>
+                </a:ext>
+              </a:extLst>
+            </p:cNvPr>
+            <p:cNvPicPr>
+              <a:picLocks noChangeAspect="1"/>
+            </p:cNvPicPr>
+            <p:nvPr/>
+          </p:nvPicPr>
+          <p:blipFill>
+            <a:blip r:embed="rId4" cstate="print">
+              <a:extLst>
+                <a:ext uri="{28A0092B-C50C-407E-A947-70E740481C1C}">
+                  <a14:useLocalDpi xmlns:a14="http://schemas.microsoft.com/office/drawing/2010/main" val="0"/>
+                </a:ext>
+              </a:extLst>
+            </a:blip>
+            <a:stretch>
+              <a:fillRect/>
+            </a:stretch>
+          </p:blipFill>
+          <p:spPr>
+            <a:xfrm>
+              <a:off x="3889157" y="1719937"/>
+              <a:ext cx="1405617" cy="790665"/>
+            </a:xfrm>
+            <a:prstGeom prst="rect">
+              <a:avLst/>
+            </a:prstGeom>
+          </p:spPr>
+        </p:pic>
+        <p:sp>
+          <p:nvSpPr>
+            <p:cNvPr id="49" name="TextBox 26">
+              <a:extLst>
+                <a:ext uri="{FF2B5EF4-FFF2-40B4-BE49-F238E27FC236}">
+                  <a16:creationId xmlns:a16="http://schemas.microsoft.com/office/drawing/2014/main" id="{5B09B27F-833D-4C22-AE51-F37F13B1DC20}"/>
+                </a:ext>
+              </a:extLst>
+            </p:cNvPr>
+            <p:cNvSpPr txBox="1"/>
+            <p:nvPr/>
+          </p:nvSpPr>
+          <p:spPr>
+            <a:xfrm rot="2290779">
+              <a:off x="3190591" y="1795597"/>
+              <a:ext cx="445281" cy="918393"/>
+            </a:xfrm>
+            <a:prstGeom prst="rect">
+              <a:avLst/>
+            </a:prstGeom>
+            <a:noFill/>
+          </p:spPr>
+          <p:txBody>
+            <a:bodyPr wrap="square" rtlCol="0">
+              <a:spAutoFit/>
+            </a:bodyPr>
+            <a:lstStyle/>
+            <a:p>
+              <a:r>
+                <a:rPr lang="mr-IN" sz="3210" dirty="0"/>
+                <a:t>…</a:t>
+              </a:r>
+              <a:endParaRPr lang="en-US" sz="3210" dirty="0"/>
+            </a:p>
+          </p:txBody>
+        </p:sp>
+        <p:pic>
+          <p:nvPicPr>
+            <p:cNvPr id="51" name="图片 50">
+              <a:extLst>
+                <a:ext uri="{FF2B5EF4-FFF2-40B4-BE49-F238E27FC236}">
+                  <a16:creationId xmlns:a16="http://schemas.microsoft.com/office/drawing/2014/main" id="{772C9F74-D2E6-48E3-AA1C-402C505A92F2}"/>
+                </a:ext>
+              </a:extLst>
+            </p:cNvPr>
+            <p:cNvPicPr>
+              <a:picLocks noChangeAspect="1"/>
+            </p:cNvPicPr>
+            <p:nvPr/>
+          </p:nvPicPr>
+          <p:blipFill>
+            <a:blip r:embed="rId5" cstate="print">
+              <a:extLst>
+                <a:ext uri="{28A0092B-C50C-407E-A947-70E740481C1C}">
+                  <a14:useLocalDpi xmlns:a14="http://schemas.microsoft.com/office/drawing/2010/main" val="0"/>
+                </a:ext>
+              </a:extLst>
+            </a:blip>
+            <a:stretch>
+              <a:fillRect/>
+            </a:stretch>
+          </p:blipFill>
+          <p:spPr>
+            <a:xfrm>
+              <a:off x="6797251" y="2128226"/>
+              <a:ext cx="604596" cy="696449"/>
+            </a:xfrm>
+            <a:prstGeom prst="rect">
+              <a:avLst/>
+            </a:prstGeom>
+          </p:spPr>
+        </p:pic>
+        <p:cxnSp>
+          <p:nvCxnSpPr>
+            <p:cNvPr id="56" name="Elbow Connector 14">
+              <a:extLst>
+                <a:ext uri="{FF2B5EF4-FFF2-40B4-BE49-F238E27FC236}">
+                  <a16:creationId xmlns:a16="http://schemas.microsoft.com/office/drawing/2014/main" id="{87962F8B-EC14-4EAB-9E59-825F579076CC}"/>
+                </a:ext>
+              </a:extLst>
+            </p:cNvPr>
+            <p:cNvCxnSpPr>
+              <a:cxnSpLocks/>
+              <a:stCxn id="7" idx="1"/>
+              <a:endCxn id="29" idx="0"/>
+            </p:cNvCxnSpPr>
+            <p:nvPr/>
+          </p:nvCxnSpPr>
+          <p:spPr>
+            <a:xfrm rot="10800000" flipV="1">
+              <a:off x="3124880" y="687872"/>
+              <a:ext cx="1636838" cy="2003550"/>
+            </a:xfrm>
+            <a:prstGeom prst="bentConnector2">
+              <a:avLst/>
+            </a:prstGeom>
+            <a:ln w="28575">
+              <a:solidFill>
+                <a:schemeClr val="tx1"/>
+              </a:solidFill>
+              <a:headEnd type="none" w="lg" len="lg"/>
+              <a:tailEnd type="triangle" w="lg" len="lg"/>
+            </a:ln>
+          </p:spPr>
+          <p:style>
+            <a:lnRef idx="1">
+              <a:schemeClr val="accent1"/>
+            </a:lnRef>
+            <a:fillRef idx="0">
+              <a:schemeClr val="accent1"/>
+            </a:fillRef>
+            <a:effectRef idx="0">
+              <a:schemeClr val="accent1"/>
+            </a:effectRef>
+            <a:fontRef idx="minor">
+              <a:schemeClr val="tx1"/>
+            </a:fontRef>
+          </p:style>
+        </p:cxnSp>
+        <p:sp>
+          <p:nvSpPr>
+            <p:cNvPr id="65" name="TextBox 28">
+              <a:extLst>
+                <a:ext uri="{FF2B5EF4-FFF2-40B4-BE49-F238E27FC236}">
+                  <a16:creationId xmlns:a16="http://schemas.microsoft.com/office/drawing/2014/main" id="{C747593E-D9FA-4963-8917-CA335CA9DCD5}"/>
+                </a:ext>
+              </a:extLst>
+            </p:cNvPr>
+            <p:cNvSpPr txBox="1"/>
+            <p:nvPr/>
+          </p:nvSpPr>
+          <p:spPr>
+            <a:xfrm>
+              <a:off x="7656716" y="2626980"/>
+              <a:ext cx="2076489" cy="990105"/>
+            </a:xfrm>
+            <a:prstGeom prst="rect">
+              <a:avLst/>
+            </a:prstGeom>
+            <a:solidFill>
+              <a:schemeClr val="bg1">
+                <a:lumMod val="95000"/>
+              </a:schemeClr>
+            </a:solidFill>
+            <a:effectLst>
+              <a:outerShdw blurRad="50800" dist="76200" dir="2700000" algn="tl" rotWithShape="0">
+                <a:prstClr val="black">
+                  <a:alpha val="40000"/>
+                </a:prstClr>
+              </a:outerShdw>
+            </a:effectLst>
+          </p:spPr>
+          <p:style>
+            <a:lnRef idx="2">
+              <a:schemeClr val="dk1"/>
+            </a:lnRef>
+            <a:fillRef idx="1">
+              <a:schemeClr val="lt1"/>
+            </a:fillRef>
+            <a:effectRef idx="0">
+              <a:schemeClr val="dk1"/>
+            </a:effectRef>
+            <a:fontRef idx="minor">
+              <a:schemeClr val="dk1"/>
+            </a:fontRef>
+          </p:style>
+          <p:txBody>
+            <a:bodyPr wrap="square" rtlCol="0">
+              <a:spAutoFit/>
+            </a:bodyPr>
+            <a:lstStyle/>
+            <a:p>
+              <a:pPr algn="ctr"/>
+              <a:r>
+                <a:rPr lang="zh-CN" altLang="en-US" sz="1169" b="1" dirty="0"/>
+                <a:t>（</a:t>
+              </a:r>
+              <a:r>
+                <a:rPr lang="en-US" altLang="zh-CN" sz="1169" b="1" dirty="0"/>
+                <a:t>Model Zoo</a:t>
+              </a:r>
+              <a:r>
+                <a:rPr lang="zh-CN" altLang="en-US" sz="1169" b="1" dirty="0"/>
+                <a:t>）</a:t>
+              </a:r>
+              <a:endParaRPr lang="en-US" altLang="zh-CN" sz="1169" b="1" dirty="0"/>
+            </a:p>
+            <a:p>
+              <a:pPr algn="ctr"/>
+              <a:r>
+                <a:rPr lang="en-US" altLang="zh-CN" sz="1169" b="1" dirty="0"/>
+                <a:t>Object Detection</a:t>
+              </a:r>
+            </a:p>
+            <a:p>
+              <a:pPr algn="ctr"/>
+              <a:r>
+                <a:rPr lang="en-US" altLang="zh-CN" sz="1169" b="1" dirty="0"/>
+                <a:t>Model Selection</a:t>
+              </a:r>
+              <a:endParaRPr lang="en-US" sz="1169" b="1" dirty="0"/>
+            </a:p>
+          </p:txBody>
+        </p:sp>
+        <p:sp>
+          <p:nvSpPr>
+            <p:cNvPr id="32" name="TextBox 25">
+              <a:extLst>
+                <a:ext uri="{FF2B5EF4-FFF2-40B4-BE49-F238E27FC236}">
+                  <a16:creationId xmlns:a16="http://schemas.microsoft.com/office/drawing/2014/main" id="{9011D62F-FB66-4EE9-9EC0-7EFFBA6B7E01}"/>
+                </a:ext>
+              </a:extLst>
+            </p:cNvPr>
+            <p:cNvSpPr txBox="1"/>
+            <p:nvPr/>
+          </p:nvSpPr>
+          <p:spPr>
+            <a:xfrm>
+              <a:off x="2180364" y="3611890"/>
+              <a:ext cx="2425796" cy="451966"/>
+            </a:xfrm>
+            <a:prstGeom prst="rect">
+              <a:avLst/>
+            </a:prstGeom>
+            <a:noFill/>
+          </p:spPr>
+          <p:txBody>
+            <a:bodyPr wrap="square" rtlCol="0">
+              <a:spAutoFit/>
+            </a:bodyPr>
+            <a:lstStyle/>
+            <a:p>
+              <a:r>
+                <a:rPr lang="en-US" sz="1275" dirty="0"/>
+                <a:t>(</a:t>
+              </a:r>
+              <a:r>
+                <a:rPr lang="en-US" sz="1275" i="1" dirty="0"/>
+                <a:t>e.g.</a:t>
+              </a:r>
+              <a:r>
+                <a:rPr lang="en-US" sz="1275" dirty="0"/>
+                <a:t>, 1,5,10,…,30 fps</a:t>
+              </a:r>
+              <a:r>
+                <a:rPr lang="zh-CN" altLang="en-US" sz="1275" dirty="0"/>
+                <a:t>）</a:t>
+              </a:r>
+              <a:endParaRPr lang="en-US" sz="1116" dirty="0"/>
+            </a:p>
+          </p:txBody>
+        </p:sp>
+        <p:sp>
+          <p:nvSpPr>
+            <p:cNvPr id="57" name="Right Arrow 17">
+              <a:extLst>
+                <a:ext uri="{FF2B5EF4-FFF2-40B4-BE49-F238E27FC236}">
+                  <a16:creationId xmlns:a16="http://schemas.microsoft.com/office/drawing/2014/main" id="{15011C2C-542E-4677-9D9D-F7DEFCD5BC1A}"/>
+                </a:ext>
+              </a:extLst>
+            </p:cNvPr>
+            <p:cNvSpPr/>
+            <p:nvPr/>
+          </p:nvSpPr>
+          <p:spPr>
+            <a:xfrm>
+              <a:off x="9783162" y="2840666"/>
+              <a:ext cx="466726" cy="298000"/>
+            </a:xfrm>
+            <a:prstGeom prst="rightArrow">
+              <a:avLst/>
+            </a:prstGeom>
+          </p:spPr>
+          <p:style>
+            <a:lnRef idx="2">
+              <a:schemeClr val="dk1"/>
+            </a:lnRef>
+            <a:fillRef idx="1">
+              <a:schemeClr val="lt1"/>
+            </a:fillRef>
+            <a:effectRef idx="0">
+              <a:schemeClr val="dk1"/>
+            </a:effectRef>
+            <a:fontRef idx="minor">
+              <a:schemeClr val="dk1"/>
+            </a:fontRef>
+          </p:style>
+          <p:txBody>
+            <a:bodyPr rtlCol="0" anchor="ctr"/>
+            <a:lstStyle/>
+            <a:p>
+              <a:pPr algn="ctr"/>
+              <a:endParaRPr lang="en-US" sz="1204"/>
+            </a:p>
+          </p:txBody>
+        </p:sp>
+        <p:sp>
+          <p:nvSpPr>
+            <p:cNvPr id="58" name="TextBox 28">
+              <a:extLst>
+                <a:ext uri="{FF2B5EF4-FFF2-40B4-BE49-F238E27FC236}">
+                  <a16:creationId xmlns:a16="http://schemas.microsoft.com/office/drawing/2014/main" id="{D0896010-A33E-4CA2-8CC5-98F23E9CB79A}"/>
+                </a:ext>
+              </a:extLst>
+            </p:cNvPr>
+            <p:cNvSpPr txBox="1"/>
+            <p:nvPr/>
+          </p:nvSpPr>
+          <p:spPr>
+            <a:xfrm>
+              <a:off x="10279588" y="2647362"/>
+              <a:ext cx="1115851" cy="708280"/>
+            </a:xfrm>
+            <a:prstGeom prst="rect">
+              <a:avLst/>
+            </a:prstGeom>
+            <a:solidFill>
+              <a:schemeClr val="bg1">
+                <a:lumMod val="95000"/>
+              </a:schemeClr>
+            </a:solidFill>
+            <a:effectLst>
+              <a:outerShdw blurRad="50800" dist="76200" dir="2700000" algn="tl" rotWithShape="0">
+                <a:prstClr val="black">
+                  <a:alpha val="40000"/>
+                </a:prstClr>
+              </a:outerShdw>
+            </a:effectLst>
+          </p:spPr>
+          <p:style>
+            <a:lnRef idx="2">
+              <a:schemeClr val="dk1"/>
+            </a:lnRef>
+            <a:fillRef idx="1">
+              <a:schemeClr val="lt1"/>
+            </a:fillRef>
+            <a:effectRef idx="0">
+              <a:schemeClr val="dk1"/>
+            </a:effectRef>
+            <a:fontRef idx="minor">
+              <a:schemeClr val="dk1"/>
+            </a:fontRef>
+          </p:style>
+          <p:txBody>
+            <a:bodyPr wrap="square" rtlCol="0">
+              <a:spAutoFit/>
+            </a:bodyPr>
+            <a:lstStyle/>
+            <a:p>
+              <a:pPr algn="ctr"/>
+              <a:r>
+                <a:rPr lang="en-US" altLang="zh-CN" sz="1169" b="1" dirty="0"/>
+                <a:t>Inference</a:t>
+              </a:r>
+            </a:p>
+            <a:p>
+              <a:pPr algn="ctr"/>
+              <a:r>
+                <a:rPr lang="en-US" altLang="zh-CN" sz="1169" b="1" dirty="0"/>
+                <a:t>Results</a:t>
+              </a:r>
+              <a:endParaRPr lang="zh-CN" altLang="en-US" sz="1169" b="1" dirty="0"/>
+            </a:p>
+          </p:txBody>
+        </p:sp>
+        <p:sp>
+          <p:nvSpPr>
+            <p:cNvPr id="9" name="椭圆 8">
+              <a:extLst>
+                <a:ext uri="{FF2B5EF4-FFF2-40B4-BE49-F238E27FC236}">
+                  <a16:creationId xmlns:a16="http://schemas.microsoft.com/office/drawing/2014/main" id="{0ADEB399-9E1A-49A3-9758-20852A7F4E4A}"/>
+                </a:ext>
+              </a:extLst>
+            </p:cNvPr>
+            <p:cNvSpPr/>
+            <p:nvPr/>
+          </p:nvSpPr>
+          <p:spPr>
+            <a:xfrm>
+              <a:off x="6936400" y="236666"/>
+              <a:ext cx="324744" cy="286062"/>
+            </a:xfrm>
+            <a:prstGeom prst="ellipse">
+              <a:avLst/>
+            </a:prstGeom>
+            <a:solidFill>
+              <a:schemeClr val="bg1"/>
+            </a:solidFill>
+            <a:ln>
+              <a:solidFill>
+                <a:schemeClr val="tx1"/>
+              </a:solidFill>
+            </a:ln>
+          </p:spPr>
+          <p:style>
+            <a:lnRef idx="2">
+              <a:schemeClr val="accent1">
+                <a:shade val="50000"/>
+              </a:schemeClr>
+            </a:lnRef>
+            <a:fillRef idx="1">
+              <a:schemeClr val="accent1"/>
+            </a:fillRef>
+            <a:effectRef idx="0">
+              <a:schemeClr val="accent1"/>
+            </a:effectRef>
+            <a:fontRef idx="minor">
+              <a:schemeClr val="lt1"/>
+            </a:fontRef>
+          </p:style>
+          <p:txBody>
+            <a:bodyPr rtlCol="0" anchor="ctr"/>
+            <a:lstStyle/>
+            <a:p>
+              <a:pPr algn="ctr"/>
+              <a:endParaRPr lang="zh-CN" altLang="en-US" sz="1807"/>
+            </a:p>
+          </p:txBody>
+        </p:sp>
+        <p:sp>
+          <p:nvSpPr>
+            <p:cNvPr id="33" name="椭圆 32">
+              <a:extLst>
+                <a:ext uri="{FF2B5EF4-FFF2-40B4-BE49-F238E27FC236}">
+                  <a16:creationId xmlns:a16="http://schemas.microsoft.com/office/drawing/2014/main" id="{39FC1C84-707A-4674-856D-EAF33B5EEF20}"/>
+                </a:ext>
+              </a:extLst>
+            </p:cNvPr>
+            <p:cNvSpPr/>
+            <p:nvPr/>
+          </p:nvSpPr>
+          <p:spPr>
+            <a:xfrm>
+              <a:off x="6936399" y="625334"/>
+              <a:ext cx="324744" cy="286062"/>
+            </a:xfrm>
+            <a:prstGeom prst="ellipse">
+              <a:avLst/>
+            </a:prstGeom>
+            <a:solidFill>
+              <a:schemeClr val="bg1"/>
+            </a:solidFill>
+            <a:ln>
+              <a:solidFill>
+                <a:schemeClr val="tx1"/>
+              </a:solidFill>
+            </a:ln>
+          </p:spPr>
+          <p:style>
+            <a:lnRef idx="2">
+              <a:schemeClr val="accent1">
+                <a:shade val="50000"/>
+              </a:schemeClr>
+            </a:lnRef>
+            <a:fillRef idx="1">
+              <a:schemeClr val="accent1"/>
+            </a:fillRef>
+            <a:effectRef idx="0">
+              <a:schemeClr val="accent1"/>
+            </a:effectRef>
+            <a:fontRef idx="minor">
+              <a:schemeClr val="lt1"/>
+            </a:fontRef>
+          </p:style>
+          <p:txBody>
+            <a:bodyPr rtlCol="0" anchor="ctr"/>
+            <a:lstStyle/>
+            <a:p>
+              <a:pPr algn="ctr"/>
+              <a:endParaRPr lang="zh-CN" altLang="en-US" sz="1807"/>
+            </a:p>
+          </p:txBody>
+        </p:sp>
+        <p:sp>
+          <p:nvSpPr>
+            <p:cNvPr id="34" name="椭圆 33">
+              <a:extLst>
+                <a:ext uri="{FF2B5EF4-FFF2-40B4-BE49-F238E27FC236}">
+                  <a16:creationId xmlns:a16="http://schemas.microsoft.com/office/drawing/2014/main" id="{D9BC229C-9CAF-40CB-8FA8-93A0B0ECFF09}"/>
+                </a:ext>
+              </a:extLst>
+            </p:cNvPr>
+            <p:cNvSpPr/>
+            <p:nvPr/>
+          </p:nvSpPr>
+          <p:spPr>
+            <a:xfrm>
+              <a:off x="7668304" y="225880"/>
+              <a:ext cx="324744" cy="286062"/>
+            </a:xfrm>
+            <a:prstGeom prst="ellipse">
+              <a:avLst/>
+            </a:prstGeom>
+            <a:solidFill>
+              <a:schemeClr val="bg1"/>
+            </a:solidFill>
+            <a:ln>
+              <a:solidFill>
+                <a:schemeClr val="tx1"/>
+              </a:solidFill>
+            </a:ln>
+          </p:spPr>
+          <p:style>
+            <a:lnRef idx="2">
+              <a:schemeClr val="accent1">
+                <a:shade val="50000"/>
+              </a:schemeClr>
+            </a:lnRef>
+            <a:fillRef idx="1">
+              <a:schemeClr val="accent1"/>
+            </a:fillRef>
+            <a:effectRef idx="0">
+              <a:schemeClr val="accent1"/>
+            </a:effectRef>
+            <a:fontRef idx="minor">
+              <a:schemeClr val="lt1"/>
+            </a:fontRef>
+          </p:style>
+          <p:txBody>
+            <a:bodyPr rtlCol="0" anchor="ctr"/>
+            <a:lstStyle/>
+            <a:p>
+              <a:pPr algn="ctr"/>
+              <a:endParaRPr lang="zh-CN" altLang="en-US" sz="1807"/>
+            </a:p>
+          </p:txBody>
+        </p:sp>
+        <p:sp>
+          <p:nvSpPr>
+            <p:cNvPr id="35" name="椭圆 34">
+              <a:extLst>
+                <a:ext uri="{FF2B5EF4-FFF2-40B4-BE49-F238E27FC236}">
+                  <a16:creationId xmlns:a16="http://schemas.microsoft.com/office/drawing/2014/main" id="{AAF09293-34CA-4EC8-AA76-1784EF9070FD}"/>
+                </a:ext>
+              </a:extLst>
+            </p:cNvPr>
+            <p:cNvSpPr/>
+            <p:nvPr/>
+          </p:nvSpPr>
+          <p:spPr>
+            <a:xfrm>
+              <a:off x="7668306" y="614227"/>
+              <a:ext cx="324744" cy="286062"/>
+            </a:xfrm>
+            <a:prstGeom prst="ellipse">
+              <a:avLst/>
+            </a:prstGeom>
+            <a:solidFill>
+              <a:schemeClr val="bg1"/>
+            </a:solidFill>
+            <a:ln>
+              <a:solidFill>
+                <a:schemeClr val="tx1"/>
+              </a:solidFill>
+            </a:ln>
+          </p:spPr>
+          <p:style>
+            <a:lnRef idx="2">
+              <a:schemeClr val="accent1">
+                <a:shade val="50000"/>
+              </a:schemeClr>
+            </a:lnRef>
+            <a:fillRef idx="1">
+              <a:schemeClr val="accent1"/>
+            </a:fillRef>
+            <a:effectRef idx="0">
+              <a:schemeClr val="accent1"/>
+            </a:effectRef>
+            <a:fontRef idx="minor">
+              <a:schemeClr val="lt1"/>
+            </a:fontRef>
+          </p:style>
+          <p:txBody>
+            <a:bodyPr rtlCol="0" anchor="ctr"/>
+            <a:lstStyle/>
+            <a:p>
+              <a:pPr algn="ctr"/>
+              <a:endParaRPr lang="zh-CN" altLang="en-US" sz="1807"/>
+            </a:p>
+          </p:txBody>
+        </p:sp>
+        <p:sp>
+          <p:nvSpPr>
+            <p:cNvPr id="36" name="椭圆 35">
+              <a:extLst>
+                <a:ext uri="{FF2B5EF4-FFF2-40B4-BE49-F238E27FC236}">
+                  <a16:creationId xmlns:a16="http://schemas.microsoft.com/office/drawing/2014/main" id="{DC913660-4F12-43D1-886C-77DA002F04B3}"/>
+                </a:ext>
+              </a:extLst>
+            </p:cNvPr>
+            <p:cNvSpPr/>
+            <p:nvPr/>
+          </p:nvSpPr>
+          <p:spPr>
+            <a:xfrm>
+              <a:off x="7668305" y="974421"/>
+              <a:ext cx="324744" cy="286062"/>
+            </a:xfrm>
+            <a:prstGeom prst="ellipse">
+              <a:avLst/>
+            </a:prstGeom>
+            <a:solidFill>
+              <a:schemeClr val="bg1"/>
+            </a:solidFill>
+            <a:ln>
+              <a:solidFill>
+                <a:schemeClr val="tx1"/>
+              </a:solidFill>
+            </a:ln>
+          </p:spPr>
+          <p:style>
+            <a:lnRef idx="2">
+              <a:schemeClr val="accent1">
+                <a:shade val="50000"/>
+              </a:schemeClr>
+            </a:lnRef>
+            <a:fillRef idx="1">
+              <a:schemeClr val="accent1"/>
+            </a:fillRef>
+            <a:effectRef idx="0">
+              <a:schemeClr val="accent1"/>
+            </a:effectRef>
+            <a:fontRef idx="minor">
+              <a:schemeClr val="lt1"/>
+            </a:fontRef>
+          </p:style>
+          <p:txBody>
+            <a:bodyPr rtlCol="0" anchor="ctr"/>
+            <a:lstStyle/>
+            <a:p>
+              <a:pPr algn="ctr"/>
+              <a:endParaRPr lang="zh-CN" altLang="en-US" sz="1807"/>
+            </a:p>
+          </p:txBody>
+        </p:sp>
+        <p:sp>
+          <p:nvSpPr>
+            <p:cNvPr id="38" name="椭圆 37">
+              <a:extLst>
+                <a:ext uri="{FF2B5EF4-FFF2-40B4-BE49-F238E27FC236}">
+                  <a16:creationId xmlns:a16="http://schemas.microsoft.com/office/drawing/2014/main" id="{368912F1-15D0-4B6D-8CC2-FA2BE007B1EA}"/>
+                </a:ext>
+              </a:extLst>
+            </p:cNvPr>
+            <p:cNvSpPr/>
+            <p:nvPr/>
+          </p:nvSpPr>
+          <p:spPr>
+            <a:xfrm>
+              <a:off x="6936399" y="965477"/>
+              <a:ext cx="324744" cy="286062"/>
+            </a:xfrm>
+            <a:prstGeom prst="ellipse">
+              <a:avLst/>
+            </a:prstGeom>
+            <a:solidFill>
+              <a:schemeClr val="bg1"/>
+            </a:solidFill>
+            <a:ln>
+              <a:solidFill>
+                <a:schemeClr val="tx1"/>
+              </a:solidFill>
+            </a:ln>
+          </p:spPr>
+          <p:style>
+            <a:lnRef idx="2">
+              <a:schemeClr val="accent1">
+                <a:shade val="50000"/>
+              </a:schemeClr>
+            </a:lnRef>
+            <a:fillRef idx="1">
+              <a:schemeClr val="accent1"/>
+            </a:fillRef>
+            <a:effectRef idx="0">
+              <a:schemeClr val="accent1"/>
+            </a:effectRef>
+            <a:fontRef idx="minor">
+              <a:schemeClr val="lt1"/>
+            </a:fontRef>
+          </p:style>
+          <p:txBody>
+            <a:bodyPr rtlCol="0" anchor="ctr"/>
+            <a:lstStyle/>
+            <a:p>
+              <a:pPr algn="ctr"/>
+              <a:endParaRPr lang="zh-CN" altLang="en-US" sz="1807"/>
+            </a:p>
+          </p:txBody>
+        </p:sp>
+        <p:cxnSp>
+          <p:nvCxnSpPr>
+            <p:cNvPr id="15" name="直接连接符 14">
+              <a:extLst>
+                <a:ext uri="{FF2B5EF4-FFF2-40B4-BE49-F238E27FC236}">
+                  <a16:creationId xmlns:a16="http://schemas.microsoft.com/office/drawing/2014/main" id="{BA582A80-309C-43A4-A60D-5443564517D1}"/>
+                </a:ext>
+              </a:extLst>
+            </p:cNvPr>
+            <p:cNvCxnSpPr>
+              <a:cxnSpLocks/>
+              <a:stCxn id="9" idx="6"/>
+              <a:endCxn id="34" idx="2"/>
+            </p:cNvCxnSpPr>
+            <p:nvPr/>
+          </p:nvCxnSpPr>
+          <p:spPr>
+            <a:xfrm flipV="1">
+              <a:off x="7261144" y="368911"/>
+              <a:ext cx="407160" cy="10786"/>
+            </a:xfrm>
+            <a:prstGeom prst="line">
+              <a:avLst/>
+            </a:prstGeom>
+            <a:ln>
+              <a:solidFill>
+                <a:schemeClr val="tx1"/>
+              </a:solidFill>
+            </a:ln>
+          </p:spPr>
+          <p:style>
+            <a:lnRef idx="1">
+              <a:schemeClr val="accent1"/>
+            </a:lnRef>
+            <a:fillRef idx="0">
+              <a:schemeClr val="accent1"/>
+            </a:fillRef>
+            <a:effectRef idx="0">
+              <a:schemeClr val="accent1"/>
+            </a:effectRef>
+            <a:fontRef idx="minor">
+              <a:schemeClr val="tx1"/>
+            </a:fontRef>
+          </p:style>
+        </p:cxnSp>
+        <p:cxnSp>
+          <p:nvCxnSpPr>
+            <p:cNvPr id="20" name="直接连接符 19">
+              <a:extLst>
+                <a:ext uri="{FF2B5EF4-FFF2-40B4-BE49-F238E27FC236}">
+                  <a16:creationId xmlns:a16="http://schemas.microsoft.com/office/drawing/2014/main" id="{F77C6A47-8388-4CEB-8278-9D522FDA9588}"/>
+                </a:ext>
+              </a:extLst>
+            </p:cNvPr>
+            <p:cNvCxnSpPr>
+              <a:stCxn id="33" idx="6"/>
+              <a:endCxn id="35" idx="2"/>
+            </p:cNvCxnSpPr>
+            <p:nvPr/>
+          </p:nvCxnSpPr>
+          <p:spPr>
+            <a:xfrm flipV="1">
+              <a:off x="7261143" y="757258"/>
+              <a:ext cx="407163" cy="11107"/>
+            </a:xfrm>
+            <a:prstGeom prst="line">
+              <a:avLst/>
+            </a:prstGeom>
+            <a:ln>
+              <a:solidFill>
+                <a:schemeClr val="tx1"/>
+              </a:solidFill>
+            </a:ln>
+          </p:spPr>
+          <p:style>
+            <a:lnRef idx="1">
+              <a:schemeClr val="accent1"/>
+            </a:lnRef>
+            <a:fillRef idx="0">
+              <a:schemeClr val="accent1"/>
+            </a:fillRef>
+            <a:effectRef idx="0">
+              <a:schemeClr val="accent1"/>
+            </a:effectRef>
+            <a:fontRef idx="minor">
+              <a:schemeClr val="tx1"/>
+            </a:fontRef>
+          </p:style>
+        </p:cxnSp>
+        <p:cxnSp>
+          <p:nvCxnSpPr>
+            <p:cNvPr id="24" name="直接连接符 23">
+              <a:extLst>
+                <a:ext uri="{FF2B5EF4-FFF2-40B4-BE49-F238E27FC236}">
+                  <a16:creationId xmlns:a16="http://schemas.microsoft.com/office/drawing/2014/main" id="{20613FC5-B7DF-4781-A81F-F0FC736104E2}"/>
+                </a:ext>
+              </a:extLst>
+            </p:cNvPr>
+            <p:cNvCxnSpPr>
+              <a:stCxn id="33" idx="6"/>
+              <a:endCxn id="34" idx="2"/>
+            </p:cNvCxnSpPr>
+            <p:nvPr/>
+          </p:nvCxnSpPr>
+          <p:spPr>
+            <a:xfrm flipV="1">
+              <a:off x="7261143" y="368911"/>
+              <a:ext cx="407161" cy="399454"/>
+            </a:xfrm>
+            <a:prstGeom prst="line">
+              <a:avLst/>
+            </a:prstGeom>
+            <a:ln>
+              <a:solidFill>
+                <a:schemeClr val="tx1"/>
+              </a:solidFill>
+            </a:ln>
+          </p:spPr>
+          <p:style>
+            <a:lnRef idx="1">
+              <a:schemeClr val="accent1"/>
+            </a:lnRef>
+            <a:fillRef idx="0">
+              <a:schemeClr val="accent1"/>
+            </a:fillRef>
+            <a:effectRef idx="0">
+              <a:schemeClr val="accent1"/>
+            </a:effectRef>
+            <a:fontRef idx="minor">
+              <a:schemeClr val="tx1"/>
+            </a:fontRef>
+          </p:style>
+        </p:cxnSp>
+        <p:cxnSp>
+          <p:nvCxnSpPr>
+            <p:cNvPr id="26" name="直接连接符 25">
+              <a:extLst>
+                <a:ext uri="{FF2B5EF4-FFF2-40B4-BE49-F238E27FC236}">
+                  <a16:creationId xmlns:a16="http://schemas.microsoft.com/office/drawing/2014/main" id="{2EE723F8-895D-4DB3-806B-02C92F264279}"/>
+                </a:ext>
+              </a:extLst>
+            </p:cNvPr>
+            <p:cNvCxnSpPr>
+              <a:cxnSpLocks/>
+              <a:stCxn id="33" idx="6"/>
+              <a:endCxn id="36" idx="2"/>
+            </p:cNvCxnSpPr>
+            <p:nvPr/>
+          </p:nvCxnSpPr>
+          <p:spPr>
+            <a:xfrm>
+              <a:off x="7261143" y="768365"/>
+              <a:ext cx="407162" cy="349087"/>
+            </a:xfrm>
+            <a:prstGeom prst="line">
+              <a:avLst/>
+            </a:prstGeom>
+            <a:ln>
+              <a:solidFill>
+                <a:schemeClr val="tx1"/>
+              </a:solidFill>
+            </a:ln>
+          </p:spPr>
+          <p:style>
+            <a:lnRef idx="1">
+              <a:schemeClr val="accent1"/>
+            </a:lnRef>
+            <a:fillRef idx="0">
+              <a:schemeClr val="accent1"/>
+            </a:fillRef>
+            <a:effectRef idx="0">
+              <a:schemeClr val="accent1"/>
+            </a:effectRef>
+            <a:fontRef idx="minor">
+              <a:schemeClr val="tx1"/>
+            </a:fontRef>
+          </p:style>
+        </p:cxnSp>
+        <p:cxnSp>
+          <p:nvCxnSpPr>
+            <p:cNvPr id="44" name="直接连接符 43">
+              <a:extLst>
+                <a:ext uri="{FF2B5EF4-FFF2-40B4-BE49-F238E27FC236}">
+                  <a16:creationId xmlns:a16="http://schemas.microsoft.com/office/drawing/2014/main" id="{950C33E9-19C7-480C-8186-505E6F78A1FE}"/>
+                </a:ext>
+              </a:extLst>
+            </p:cNvPr>
+            <p:cNvCxnSpPr>
+              <a:stCxn id="9" idx="6"/>
+              <a:endCxn id="35" idx="2"/>
+            </p:cNvCxnSpPr>
+            <p:nvPr/>
+          </p:nvCxnSpPr>
+          <p:spPr>
+            <a:xfrm>
+              <a:off x="7261144" y="379697"/>
+              <a:ext cx="407162" cy="377561"/>
+            </a:xfrm>
+            <a:prstGeom prst="line">
+              <a:avLst/>
+            </a:prstGeom>
+            <a:ln>
+              <a:solidFill>
+                <a:schemeClr val="tx1"/>
+              </a:solidFill>
+            </a:ln>
+          </p:spPr>
+          <p:style>
+            <a:lnRef idx="1">
+              <a:schemeClr val="accent1"/>
+            </a:lnRef>
+            <a:fillRef idx="0">
+              <a:schemeClr val="accent1"/>
+            </a:fillRef>
+            <a:effectRef idx="0">
+              <a:schemeClr val="accent1"/>
+            </a:effectRef>
+            <a:fontRef idx="minor">
+              <a:schemeClr val="tx1"/>
+            </a:fontRef>
+          </p:style>
+        </p:cxnSp>
+        <p:cxnSp>
+          <p:nvCxnSpPr>
+            <p:cNvPr id="46" name="直接连接符 45">
+              <a:extLst>
+                <a:ext uri="{FF2B5EF4-FFF2-40B4-BE49-F238E27FC236}">
+                  <a16:creationId xmlns:a16="http://schemas.microsoft.com/office/drawing/2014/main" id="{C8C3DA07-912B-422C-9B51-5C0C85199EC6}"/>
+                </a:ext>
+              </a:extLst>
+            </p:cNvPr>
+            <p:cNvCxnSpPr>
+              <a:stCxn id="9" idx="6"/>
+              <a:endCxn id="36" idx="3"/>
+            </p:cNvCxnSpPr>
+            <p:nvPr/>
+          </p:nvCxnSpPr>
+          <p:spPr>
+            <a:xfrm>
+              <a:off x="7261144" y="379697"/>
+              <a:ext cx="454719" cy="838893"/>
+            </a:xfrm>
+            <a:prstGeom prst="line">
+              <a:avLst/>
+            </a:prstGeom>
+            <a:ln>
+              <a:solidFill>
+                <a:schemeClr val="tx1"/>
+              </a:solidFill>
+            </a:ln>
+          </p:spPr>
+          <p:style>
+            <a:lnRef idx="1">
+              <a:schemeClr val="accent1"/>
+            </a:lnRef>
+            <a:fillRef idx="0">
+              <a:schemeClr val="accent1"/>
+            </a:fillRef>
+            <a:effectRef idx="0">
+              <a:schemeClr val="accent1"/>
+            </a:effectRef>
+            <a:fontRef idx="minor">
+              <a:schemeClr val="tx1"/>
+            </a:fontRef>
+          </p:style>
+        </p:cxnSp>
+        <p:cxnSp>
+          <p:nvCxnSpPr>
+            <p:cNvPr id="52" name="直接连接符 51">
+              <a:extLst>
+                <a:ext uri="{FF2B5EF4-FFF2-40B4-BE49-F238E27FC236}">
+                  <a16:creationId xmlns:a16="http://schemas.microsoft.com/office/drawing/2014/main" id="{B8B22FC8-BA48-475A-B488-6E6D0E97C4CB}"/>
+                </a:ext>
+              </a:extLst>
+            </p:cNvPr>
+            <p:cNvCxnSpPr>
+              <a:cxnSpLocks/>
+              <a:stCxn id="38" idx="6"/>
+              <a:endCxn id="35" idx="2"/>
+            </p:cNvCxnSpPr>
+            <p:nvPr/>
+          </p:nvCxnSpPr>
+          <p:spPr>
+            <a:xfrm flipV="1">
+              <a:off x="7261143" y="757258"/>
+              <a:ext cx="407163" cy="351250"/>
+            </a:xfrm>
+            <a:prstGeom prst="line">
+              <a:avLst/>
+            </a:prstGeom>
+            <a:ln>
+              <a:solidFill>
+                <a:schemeClr val="tx1"/>
+              </a:solidFill>
+            </a:ln>
+          </p:spPr>
+          <p:style>
+            <a:lnRef idx="1">
+              <a:schemeClr val="accent1"/>
+            </a:lnRef>
+            <a:fillRef idx="0">
+              <a:schemeClr val="accent1"/>
+            </a:fillRef>
+            <a:effectRef idx="0">
+              <a:schemeClr val="accent1"/>
+            </a:effectRef>
+            <a:fontRef idx="minor">
+              <a:schemeClr val="tx1"/>
+            </a:fontRef>
+          </p:style>
+        </p:cxnSp>
+        <p:cxnSp>
+          <p:nvCxnSpPr>
+            <p:cNvPr id="54" name="直接连接符 53">
+              <a:extLst>
+                <a:ext uri="{FF2B5EF4-FFF2-40B4-BE49-F238E27FC236}">
+                  <a16:creationId xmlns:a16="http://schemas.microsoft.com/office/drawing/2014/main" id="{B195FF9D-AABF-4C02-AF6A-2C948BFA1EA6}"/>
+                </a:ext>
+              </a:extLst>
+            </p:cNvPr>
+            <p:cNvCxnSpPr>
+              <a:cxnSpLocks/>
+              <a:stCxn id="38" idx="6"/>
+              <a:endCxn id="36" idx="2"/>
+            </p:cNvCxnSpPr>
+            <p:nvPr/>
+          </p:nvCxnSpPr>
+          <p:spPr>
+            <a:xfrm>
+              <a:off x="7261143" y="1108508"/>
+              <a:ext cx="407162" cy="8944"/>
+            </a:xfrm>
+            <a:prstGeom prst="line">
+              <a:avLst/>
+            </a:prstGeom>
+            <a:ln>
+              <a:solidFill>
+                <a:schemeClr val="tx1"/>
+              </a:solidFill>
+            </a:ln>
+          </p:spPr>
+          <p:style>
+            <a:lnRef idx="1">
+              <a:schemeClr val="accent1"/>
+            </a:lnRef>
+            <a:fillRef idx="0">
+              <a:schemeClr val="accent1"/>
+            </a:fillRef>
+            <a:effectRef idx="0">
+              <a:schemeClr val="accent1"/>
+            </a:effectRef>
+            <a:fontRef idx="minor">
+              <a:schemeClr val="tx1"/>
+            </a:fontRef>
+          </p:style>
+        </p:cxnSp>
+        <p:cxnSp>
+          <p:nvCxnSpPr>
+            <p:cNvPr id="59" name="直接连接符 58">
+              <a:extLst>
+                <a:ext uri="{FF2B5EF4-FFF2-40B4-BE49-F238E27FC236}">
+                  <a16:creationId xmlns:a16="http://schemas.microsoft.com/office/drawing/2014/main" id="{D26E91BE-2ED9-4821-9A7C-6826B231AF6D}"/>
+                </a:ext>
+              </a:extLst>
+            </p:cNvPr>
+            <p:cNvCxnSpPr>
+              <a:cxnSpLocks/>
+              <a:stCxn id="38" idx="6"/>
+              <a:endCxn id="34" idx="2"/>
+            </p:cNvCxnSpPr>
+            <p:nvPr/>
+          </p:nvCxnSpPr>
+          <p:spPr>
+            <a:xfrm flipV="1">
+              <a:off x="7261143" y="368911"/>
+              <a:ext cx="407161" cy="739597"/>
+            </a:xfrm>
+            <a:prstGeom prst="line">
+              <a:avLst/>
+            </a:prstGeom>
+            <a:ln>
+              <a:solidFill>
+                <a:schemeClr val="tx1"/>
+              </a:solidFill>
+            </a:ln>
+          </p:spPr>
+          <p:style>
+            <a:lnRef idx="1">
+              <a:schemeClr val="accent1"/>
+            </a:lnRef>
+            <a:fillRef idx="0">
+              <a:schemeClr val="accent1"/>
+            </a:fillRef>
+            <a:effectRef idx="0">
+              <a:schemeClr val="accent1"/>
+            </a:effectRef>
+            <a:fontRef idx="minor">
+              <a:schemeClr val="tx1"/>
+            </a:fontRef>
+          </p:style>
+        </p:cxnSp>
+        <p:cxnSp>
+          <p:nvCxnSpPr>
+            <p:cNvPr id="17" name="连接符: 肘形 16">
+              <a:extLst>
+                <a:ext uri="{FF2B5EF4-FFF2-40B4-BE49-F238E27FC236}">
+                  <a16:creationId xmlns:a16="http://schemas.microsoft.com/office/drawing/2014/main" id="{0B325244-3E3F-4B7D-8195-26F2739090E6}"/>
+                </a:ext>
+              </a:extLst>
+            </p:cNvPr>
+            <p:cNvCxnSpPr>
+              <a:cxnSpLocks/>
+              <a:stCxn id="58" idx="0"/>
+            </p:cNvCxnSpPr>
+            <p:nvPr/>
+          </p:nvCxnSpPr>
+          <p:spPr>
+            <a:xfrm rot="16200000" flipV="1">
+              <a:off x="8403650" y="213499"/>
+              <a:ext cx="2221395" cy="2646333"/>
+            </a:xfrm>
+            <a:prstGeom prst="bentConnector2">
+              <a:avLst/>
+            </a:prstGeom>
+            <a:ln w="38100">
+              <a:solidFill>
+                <a:schemeClr val="tx1"/>
+              </a:solidFill>
+              <a:tailEnd type="triangle"/>
+            </a:ln>
+          </p:spPr>
+          <p:style>
+            <a:lnRef idx="1">
+              <a:schemeClr val="dk1"/>
+            </a:lnRef>
+            <a:fillRef idx="0">
+              <a:schemeClr val="dk1"/>
+            </a:fillRef>
+            <a:effectRef idx="0">
+              <a:schemeClr val="dk1"/>
+            </a:effectRef>
+            <a:fontRef idx="minor">
+              <a:schemeClr val="tx1"/>
+            </a:fontRef>
+          </p:style>
+        </p:cxnSp>
+        <p:sp>
+          <p:nvSpPr>
+            <p:cNvPr id="50" name="TextBox 28">
+              <a:extLst>
+                <a:ext uri="{FF2B5EF4-FFF2-40B4-BE49-F238E27FC236}">
+                  <a16:creationId xmlns:a16="http://schemas.microsoft.com/office/drawing/2014/main" id="{CF067667-C5F6-4F62-9598-2DF5D5517623}"/>
+                </a:ext>
+              </a:extLst>
+            </p:cNvPr>
+            <p:cNvSpPr txBox="1"/>
+            <p:nvPr/>
+          </p:nvSpPr>
+          <p:spPr>
+            <a:xfrm>
+              <a:off x="358325" y="2597362"/>
+              <a:ext cx="1224592" cy="861948"/>
+            </a:xfrm>
+            <a:prstGeom prst="rect">
+              <a:avLst/>
+            </a:prstGeom>
+            <a:solidFill>
+              <a:schemeClr val="bg1">
+                <a:lumMod val="95000"/>
+              </a:schemeClr>
+            </a:solidFill>
+            <a:effectLst>
+              <a:outerShdw blurRad="50800" dist="76200" dir="2700000" algn="tl" rotWithShape="0">
+                <a:prstClr val="black">
+                  <a:alpha val="40000"/>
+                </a:prstClr>
+              </a:outerShdw>
+            </a:effectLst>
+          </p:spPr>
+          <p:style>
+            <a:lnRef idx="2">
+              <a:schemeClr val="dk1"/>
+            </a:lnRef>
+            <a:fillRef idx="1">
+              <a:schemeClr val="lt1"/>
+            </a:fillRef>
+            <a:effectRef idx="0">
+              <a:schemeClr val="dk1"/>
+            </a:effectRef>
+            <a:fontRef idx="minor">
+              <a:schemeClr val="dk1"/>
+            </a:fontRef>
+          </p:style>
+          <p:txBody>
+            <a:bodyPr wrap="square" rtlCol="0">
+              <a:spAutoFit/>
+            </a:bodyPr>
+            <a:lstStyle/>
+            <a:p>
+              <a:pPr algn="ctr"/>
+              <a:r>
+                <a:rPr lang="en-US" altLang="zh-CN" sz="1488" dirty="0"/>
+                <a:t>Origin</a:t>
+              </a:r>
+            </a:p>
+            <a:p>
+              <a:pPr algn="ctr"/>
+              <a:r>
+                <a:rPr lang="en-US" altLang="zh-CN" sz="1488" dirty="0"/>
+                <a:t>Video</a:t>
+              </a:r>
+              <a:endParaRPr lang="zh-CN" altLang="en-US" sz="1488" dirty="0"/>
+            </a:p>
+          </p:txBody>
+        </p:sp>
+        <p:cxnSp>
+          <p:nvCxnSpPr>
+            <p:cNvPr id="21" name="连接符: 肘形 20">
+              <a:extLst>
+                <a:ext uri="{FF2B5EF4-FFF2-40B4-BE49-F238E27FC236}">
+                  <a16:creationId xmlns:a16="http://schemas.microsoft.com/office/drawing/2014/main" id="{91039A5F-628A-4121-A51A-D41749459587}"/>
+                </a:ext>
+              </a:extLst>
+            </p:cNvPr>
+            <p:cNvCxnSpPr>
+              <a:cxnSpLocks/>
+              <a:stCxn id="50" idx="0"/>
+            </p:cNvCxnSpPr>
+            <p:nvPr/>
+          </p:nvCxnSpPr>
+          <p:spPr>
+            <a:xfrm rot="5400000" flipH="1" flipV="1">
+              <a:off x="1777135" y="-367063"/>
+              <a:ext cx="2157912" cy="3770938"/>
+            </a:xfrm>
+            <a:prstGeom prst="bentConnector2">
+              <a:avLst/>
+            </a:prstGeom>
+            <a:ln w="38100">
+              <a:tailEnd type="triangle"/>
+            </a:ln>
+          </p:spPr>
+          <p:style>
+            <a:lnRef idx="1">
+              <a:schemeClr val="dk1"/>
+            </a:lnRef>
+            <a:fillRef idx="0">
+              <a:schemeClr val="dk1"/>
+            </a:fillRef>
+            <a:effectRef idx="0">
+              <a:schemeClr val="dk1"/>
+            </a:effectRef>
+            <a:fontRef idx="minor">
+              <a:schemeClr val="tx1"/>
+            </a:fontRef>
+          </p:style>
+        </p:cxnSp>
+        <p:sp>
+          <p:nvSpPr>
+            <p:cNvPr id="53" name="TextBox 16">
+              <a:extLst>
+                <a:ext uri="{FF2B5EF4-FFF2-40B4-BE49-F238E27FC236}">
+                  <a16:creationId xmlns:a16="http://schemas.microsoft.com/office/drawing/2014/main" id="{889A31E3-8612-49B5-9E53-3723A2A76100}"/>
+                </a:ext>
+              </a:extLst>
+            </p:cNvPr>
+            <p:cNvSpPr txBox="1"/>
+            <p:nvPr/>
+          </p:nvSpPr>
+          <p:spPr>
+            <a:xfrm>
+              <a:off x="1319826" y="-1173"/>
+              <a:ext cx="3752100" cy="554411"/>
+            </a:xfrm>
+            <a:prstGeom prst="rect">
+              <a:avLst/>
+            </a:prstGeom>
+            <a:noFill/>
+          </p:spPr>
+          <p:txBody>
+            <a:bodyPr wrap="square" rtlCol="0">
+              <a:spAutoFit/>
+            </a:bodyPr>
+            <a:lstStyle/>
+            <a:p>
+              <a:r>
+                <a:rPr lang="en-US" altLang="zh-CN" sz="1700" b="1" i="1" dirty="0"/>
+                <a:t>Spatial and temporal features</a:t>
+              </a:r>
+            </a:p>
+          </p:txBody>
+        </p:sp>
+        <p:sp>
+          <p:nvSpPr>
+            <p:cNvPr id="45" name="TextBox 16">
+              <a:extLst>
+                <a:ext uri="{FF2B5EF4-FFF2-40B4-BE49-F238E27FC236}">
+                  <a16:creationId xmlns:a16="http://schemas.microsoft.com/office/drawing/2014/main" id="{CA7EB751-9521-4420-B38F-6EE665F73C1B}"/>
+                </a:ext>
+              </a:extLst>
+            </p:cNvPr>
+            <p:cNvSpPr txBox="1"/>
+            <p:nvPr/>
+          </p:nvSpPr>
+          <p:spPr>
+            <a:xfrm>
+              <a:off x="1115454" y="983314"/>
+              <a:ext cx="2276297" cy="1579268"/>
+            </a:xfrm>
+            <a:prstGeom prst="rect">
+              <a:avLst/>
+            </a:prstGeom>
+            <a:noFill/>
+          </p:spPr>
+          <p:txBody>
+            <a:bodyPr wrap="square" rtlCol="0">
+              <a:spAutoFit/>
+            </a:bodyPr>
+            <a:lstStyle/>
+            <a:p>
+              <a:r>
+                <a:rPr lang="en-US" altLang="zh-CN" sz="1488" b="1" i="1" dirty="0"/>
+                <a:t>Configurations:</a:t>
+              </a:r>
+            </a:p>
+            <a:p>
+              <a:pPr marL="458781" indent="-458781">
+                <a:buFont typeface="Arial" charset="0"/>
+                <a:buChar char="•"/>
+              </a:pPr>
+              <a:r>
+                <a:rPr lang="en-US" altLang="zh-CN" sz="1488" i="1" dirty="0"/>
+                <a:t>FPS</a:t>
+              </a:r>
+            </a:p>
+            <a:p>
+              <a:pPr marL="458781" indent="-458781">
+                <a:buFont typeface="Arial" charset="0"/>
+                <a:buChar char="•"/>
+              </a:pPr>
+              <a:r>
+                <a:rPr lang="en-US" altLang="zh-CN" sz="1488" i="1" dirty="0"/>
+                <a:t>Resolution</a:t>
+              </a:r>
+            </a:p>
+            <a:p>
+              <a:pPr marL="458781" indent="-458781">
+                <a:buFont typeface="Arial" charset="0"/>
+                <a:buChar char="•"/>
+              </a:pPr>
+              <a:r>
+                <a:rPr lang="en-US" altLang="zh-CN" sz="1488" i="1" dirty="0"/>
+                <a:t>Model</a:t>
+              </a:r>
+            </a:p>
+          </p:txBody>
+        </p:sp>
+        <p:cxnSp>
+          <p:nvCxnSpPr>
+            <p:cNvPr id="71" name="直接箭头连接符 70">
+              <a:extLst>
+                <a:ext uri="{FF2B5EF4-FFF2-40B4-BE49-F238E27FC236}">
+                  <a16:creationId xmlns:a16="http://schemas.microsoft.com/office/drawing/2014/main" id="{7EE09BE3-9D16-481A-A01D-BA5EEFE726A4}"/>
+                </a:ext>
+              </a:extLst>
+            </p:cNvPr>
+            <p:cNvCxnSpPr>
+              <a:cxnSpLocks/>
+              <a:endCxn id="22" idx="0"/>
+            </p:cNvCxnSpPr>
+            <p:nvPr/>
+          </p:nvCxnSpPr>
+          <p:spPr>
+            <a:xfrm flipH="1">
+              <a:off x="5803872" y="1339903"/>
+              <a:ext cx="5177" cy="1267349"/>
+            </a:xfrm>
+            <a:prstGeom prst="straightConnector1">
+              <a:avLst/>
+            </a:prstGeom>
+            <a:ln w="28575">
+              <a:tailEnd type="triangle"/>
+            </a:ln>
+          </p:spPr>
+          <p:style>
+            <a:lnRef idx="1">
+              <a:schemeClr val="dk1"/>
+            </a:lnRef>
+            <a:fillRef idx="0">
+              <a:schemeClr val="dk1"/>
+            </a:fillRef>
+            <a:effectRef idx="0">
+              <a:schemeClr val="dk1"/>
+            </a:effectRef>
+            <a:fontRef idx="minor">
+              <a:schemeClr val="tx1"/>
+            </a:fontRef>
+          </p:style>
+        </p:cxnSp>
+        <p:cxnSp>
+          <p:nvCxnSpPr>
+            <p:cNvPr id="75" name="连接符: 肘形 74">
+              <a:extLst>
+                <a:ext uri="{FF2B5EF4-FFF2-40B4-BE49-F238E27FC236}">
+                  <a16:creationId xmlns:a16="http://schemas.microsoft.com/office/drawing/2014/main" id="{4A657362-B305-410A-8F75-19ECDCB59005}"/>
+                </a:ext>
+              </a:extLst>
+            </p:cNvPr>
+            <p:cNvCxnSpPr>
+              <a:cxnSpLocks/>
+              <a:stCxn id="7" idx="3"/>
+              <a:endCxn id="65" idx="0"/>
+            </p:cNvCxnSpPr>
+            <p:nvPr/>
+          </p:nvCxnSpPr>
+          <p:spPr>
+            <a:xfrm>
+              <a:off x="8170987" y="687872"/>
+              <a:ext cx="523974" cy="1939109"/>
+            </a:xfrm>
+            <a:prstGeom prst="bentConnector2">
+              <a:avLst/>
+            </a:prstGeom>
+            <a:ln w="28575">
+              <a:tailEnd type="triangle"/>
+            </a:ln>
+          </p:spPr>
+          <p:style>
+            <a:lnRef idx="1">
+              <a:schemeClr val="dk1"/>
+            </a:lnRef>
+            <a:fillRef idx="0">
+              <a:schemeClr val="dk1"/>
+            </a:fillRef>
+            <a:effectRef idx="0">
+              <a:schemeClr val="dk1"/>
+            </a:effectRef>
+            <a:fontRef idx="minor">
+              <a:schemeClr val="tx1"/>
+            </a:fontRef>
+          </p:style>
+        </p:cxnSp>
       </p:grpSp>
-      <p:sp>
-        <p:nvSpPr>
-          <p:cNvPr id="2" name="TextBox 16">
-            <a:extLst>
-              <a:ext uri="{FF2B5EF4-FFF2-40B4-BE49-F238E27FC236}">
-                <a16:creationId xmlns:a16="http://schemas.microsoft.com/office/drawing/2014/main" id="{F2EAF924-5ADA-4A13-9D4A-88D7F0F3C4E1}"/>
-              </a:ext>
-            </a:extLst>
-          </p:cNvPr>
-          <p:cNvSpPr txBox="1"/>
-          <p:nvPr/>
-        </p:nvSpPr>
-        <p:spPr>
-          <a:xfrm>
-            <a:off x="8513814" y="25834"/>
-            <a:ext cx="2276298" cy="400110"/>
-          </a:xfrm>
-          <a:prstGeom prst="rect">
-            <a:avLst/>
-          </a:prstGeom>
-          <a:noFill/>
-        </p:spPr>
-        <p:txBody>
-          <a:bodyPr wrap="square" rtlCol="0">
-            <a:spAutoFit/>
-          </a:bodyPr>
-          <a:lstStyle/>
-          <a:p>
-            <a:r>
-              <a:rPr lang="en-US" altLang="zh-CN" sz="2000" b="1" i="1" dirty="0"/>
-              <a:t>Reward  Feedback</a:t>
-            </a:r>
-          </a:p>
-        </p:txBody>
-      </p:sp>
-      <p:sp>
-        <p:nvSpPr>
-          <p:cNvPr id="27" name="Right Arrow 20">
-            <a:extLst>
-              <a:ext uri="{FF2B5EF4-FFF2-40B4-BE49-F238E27FC236}">
-                <a16:creationId xmlns:a16="http://schemas.microsoft.com/office/drawing/2014/main" id="{25553247-6757-4692-9816-DB7EBB7E1F01}"/>
-              </a:ext>
-            </a:extLst>
-          </p:cNvPr>
-          <p:cNvSpPr/>
-          <p:nvPr/>
-        </p:nvSpPr>
-        <p:spPr>
-          <a:xfrm>
-            <a:off x="1659666" y="2672592"/>
-            <a:ext cx="520703" cy="693097"/>
-          </a:xfrm>
-          <a:prstGeom prst="rightArrow">
-            <a:avLst/>
-          </a:prstGeom>
-        </p:spPr>
-        <p:style>
-          <a:lnRef idx="2">
-            <a:schemeClr val="dk1"/>
-          </a:lnRef>
-          <a:fillRef idx="1">
-            <a:schemeClr val="lt1"/>
-          </a:fillRef>
-          <a:effectRef idx="0">
-            <a:schemeClr val="dk1"/>
-          </a:effectRef>
-          <a:fontRef idx="minor">
-            <a:schemeClr val="dk1"/>
-          </a:fontRef>
-        </p:style>
-        <p:txBody>
-          <a:bodyPr rtlCol="0" anchor="ctr"/>
-          <a:lstStyle/>
-          <a:p>
-            <a:pPr algn="ctr"/>
-            <a:endParaRPr lang="en-US" sz="1133"/>
-          </a:p>
-        </p:txBody>
-      </p:sp>
-      <p:sp>
-        <p:nvSpPr>
-          <p:cNvPr id="29" name="TextBox 28">
-            <a:extLst>
-              <a:ext uri="{FF2B5EF4-FFF2-40B4-BE49-F238E27FC236}">
-                <a16:creationId xmlns:a16="http://schemas.microsoft.com/office/drawing/2014/main" id="{97ADD32F-5A82-4E65-A9DD-2985BD3E429A}"/>
-              </a:ext>
-            </a:extLst>
-          </p:cNvPr>
-          <p:cNvSpPr txBox="1"/>
-          <p:nvPr/>
-        </p:nvSpPr>
-        <p:spPr>
-          <a:xfrm>
-            <a:off x="2232161" y="2691426"/>
-            <a:ext cx="1785436" cy="877163"/>
-          </a:xfrm>
-          <a:prstGeom prst="rect">
-            <a:avLst/>
-          </a:prstGeom>
-          <a:solidFill>
-            <a:schemeClr val="bg1">
-              <a:lumMod val="95000"/>
-            </a:schemeClr>
-          </a:solidFill>
-          <a:effectLst>
-            <a:outerShdw blurRad="50800" dist="76200" dir="2700000" algn="tl" rotWithShape="0">
-              <a:prstClr val="black">
-                <a:alpha val="40000"/>
-              </a:prstClr>
-            </a:outerShdw>
-          </a:effectLst>
-        </p:spPr>
-        <p:style>
-          <a:lnRef idx="2">
-            <a:schemeClr val="dk1"/>
-          </a:lnRef>
-          <a:fillRef idx="1">
-            <a:schemeClr val="lt1"/>
-          </a:fillRef>
-          <a:effectRef idx="0">
-            <a:schemeClr val="dk1"/>
-          </a:effectRef>
-          <a:fontRef idx="minor">
-            <a:schemeClr val="dk1"/>
-          </a:fontRef>
-        </p:style>
-        <p:txBody>
-          <a:bodyPr wrap="square" rtlCol="0">
-            <a:spAutoFit/>
-          </a:bodyPr>
-          <a:lstStyle/>
-          <a:p>
-            <a:pPr algn="ctr"/>
-            <a:r>
-              <a:rPr lang="en-US" altLang="zh-CN" sz="1700" b="1" dirty="0"/>
-              <a:t>(</a:t>
-            </a:r>
-            <a:r>
-              <a:rPr lang="en-US" altLang="zh-CN" sz="1700" b="1" dirty="0" err="1"/>
-              <a:t>ffmpeg</a:t>
-            </a:r>
-            <a:r>
-              <a:rPr lang="en-US" altLang="zh-CN" sz="1700" b="1" dirty="0"/>
-              <a:t>)</a:t>
-            </a:r>
-          </a:p>
-          <a:p>
-            <a:pPr algn="ctr"/>
-            <a:r>
-              <a:rPr lang="en-US" altLang="zh-CN" sz="1700" b="1" dirty="0"/>
-              <a:t>Frame Rate</a:t>
-            </a:r>
-          </a:p>
-          <a:p>
-            <a:pPr algn="ctr"/>
-            <a:r>
-              <a:rPr lang="en-US" altLang="zh-CN" sz="1700" b="1" dirty="0"/>
-              <a:t>Selection </a:t>
-            </a:r>
-            <a:endParaRPr lang="en-US" sz="1700" b="1" dirty="0"/>
-          </a:p>
-        </p:txBody>
-      </p:sp>
-      <p:sp>
-        <p:nvSpPr>
-          <p:cNvPr id="31" name="Right Arrow 17">
-            <a:extLst>
-              <a:ext uri="{FF2B5EF4-FFF2-40B4-BE49-F238E27FC236}">
-                <a16:creationId xmlns:a16="http://schemas.microsoft.com/office/drawing/2014/main" id="{C82415BD-DA3E-4EF4-BC54-0CCB3012C9BB}"/>
-              </a:ext>
-            </a:extLst>
-          </p:cNvPr>
-          <p:cNvSpPr/>
-          <p:nvPr/>
-        </p:nvSpPr>
-        <p:spPr>
-          <a:xfrm>
-            <a:off x="4036992" y="2840671"/>
-            <a:ext cx="962199" cy="298000"/>
-          </a:xfrm>
-          <a:prstGeom prst="rightArrow">
-            <a:avLst/>
-          </a:prstGeom>
-        </p:spPr>
-        <p:style>
-          <a:lnRef idx="2">
-            <a:schemeClr val="dk1"/>
-          </a:lnRef>
-          <a:fillRef idx="1">
-            <a:schemeClr val="lt1"/>
-          </a:fillRef>
-          <a:effectRef idx="0">
-            <a:schemeClr val="dk1"/>
-          </a:effectRef>
-          <a:fontRef idx="minor">
-            <a:schemeClr val="dk1"/>
-          </a:fontRef>
-        </p:style>
-        <p:txBody>
-          <a:bodyPr rtlCol="0" anchor="ctr"/>
-          <a:lstStyle/>
-          <a:p>
-            <a:pPr algn="ctr"/>
-            <a:endParaRPr lang="en-US" sz="1133"/>
-          </a:p>
-        </p:txBody>
-      </p:sp>
-      <p:pic>
-        <p:nvPicPr>
-          <p:cNvPr id="39" name="图片 38">
-            <a:extLst>
-              <a:ext uri="{FF2B5EF4-FFF2-40B4-BE49-F238E27FC236}">
-                <a16:creationId xmlns:a16="http://schemas.microsoft.com/office/drawing/2014/main" id="{D150EE41-D8AB-4B61-AA74-31F71E40DC95}"/>
-              </a:ext>
-            </a:extLst>
-          </p:cNvPr>
-          <p:cNvPicPr>
-            <a:picLocks noChangeAspect="1"/>
-          </p:cNvPicPr>
-          <p:nvPr/>
-        </p:nvPicPr>
-        <p:blipFill>
-          <a:blip r:embed="rId2" cstate="print">
-            <a:extLst>
-              <a:ext uri="{28A0092B-C50C-407E-A947-70E740481C1C}">
-                <a14:useLocalDpi xmlns:a14="http://schemas.microsoft.com/office/drawing/2010/main" val="0"/>
-              </a:ext>
-            </a:extLst>
-          </a:blip>
-          <a:stretch>
-            <a:fillRect/>
-          </a:stretch>
-        </p:blipFill>
-        <p:spPr>
-          <a:xfrm>
-            <a:off x="3472703" y="1433351"/>
-            <a:ext cx="1405617" cy="790659"/>
-          </a:xfrm>
-          <a:prstGeom prst="rect">
-            <a:avLst/>
-          </a:prstGeom>
-        </p:spPr>
-      </p:pic>
-      <p:pic>
-        <p:nvPicPr>
-          <p:cNvPr id="41" name="图片 40">
-            <a:extLst>
-              <a:ext uri="{FF2B5EF4-FFF2-40B4-BE49-F238E27FC236}">
-                <a16:creationId xmlns:a16="http://schemas.microsoft.com/office/drawing/2014/main" id="{C698A4CD-B0C9-44B9-BF3C-DE6BB25FBF7B}"/>
-              </a:ext>
-            </a:extLst>
-          </p:cNvPr>
-          <p:cNvPicPr>
-            <a:picLocks noChangeAspect="1"/>
-          </p:cNvPicPr>
-          <p:nvPr/>
-        </p:nvPicPr>
-        <p:blipFill>
-          <a:blip r:embed="rId3" cstate="print">
-            <a:extLst>
-              <a:ext uri="{28A0092B-C50C-407E-A947-70E740481C1C}">
-                <a14:useLocalDpi xmlns:a14="http://schemas.microsoft.com/office/drawing/2010/main" val="0"/>
-              </a:ext>
-            </a:extLst>
-          </a:blip>
-          <a:stretch>
-            <a:fillRect/>
-          </a:stretch>
-        </p:blipFill>
-        <p:spPr>
-          <a:xfrm>
-            <a:off x="3634610" y="1585261"/>
-            <a:ext cx="1405619" cy="790660"/>
-          </a:xfrm>
-          <a:prstGeom prst="rect">
-            <a:avLst/>
-          </a:prstGeom>
-        </p:spPr>
-      </p:pic>
-      <p:pic>
-        <p:nvPicPr>
-          <p:cNvPr id="37" name="图片 36">
-            <a:extLst>
-              <a:ext uri="{FF2B5EF4-FFF2-40B4-BE49-F238E27FC236}">
-                <a16:creationId xmlns:a16="http://schemas.microsoft.com/office/drawing/2014/main" id="{2640D3FE-61F5-4AF2-9B34-3DFA525FE42A}"/>
-              </a:ext>
-            </a:extLst>
-          </p:cNvPr>
-          <p:cNvPicPr>
-            <a:picLocks noChangeAspect="1"/>
-          </p:cNvPicPr>
-          <p:nvPr/>
-        </p:nvPicPr>
-        <p:blipFill>
-          <a:blip r:embed="rId4" cstate="print">
-            <a:extLst>
-              <a:ext uri="{28A0092B-C50C-407E-A947-70E740481C1C}">
-                <a14:useLocalDpi xmlns:a14="http://schemas.microsoft.com/office/drawing/2010/main" val="0"/>
-              </a:ext>
-            </a:extLst>
-          </a:blip>
-          <a:stretch>
-            <a:fillRect/>
-          </a:stretch>
-        </p:blipFill>
-        <p:spPr>
-          <a:xfrm>
-            <a:off x="3889161" y="1719946"/>
-            <a:ext cx="1405617" cy="790659"/>
-          </a:xfrm>
-          <a:prstGeom prst="rect">
-            <a:avLst/>
-          </a:prstGeom>
-        </p:spPr>
-      </p:pic>
-      <p:sp>
-        <p:nvSpPr>
-          <p:cNvPr id="49" name="TextBox 26">
-            <a:extLst>
-              <a:ext uri="{FF2B5EF4-FFF2-40B4-BE49-F238E27FC236}">
-                <a16:creationId xmlns:a16="http://schemas.microsoft.com/office/drawing/2014/main" id="{5B09B27F-833D-4C22-AE51-F37F13B1DC20}"/>
-              </a:ext>
-            </a:extLst>
-          </p:cNvPr>
-          <p:cNvSpPr txBox="1"/>
-          <p:nvPr/>
-        </p:nvSpPr>
-        <p:spPr>
-          <a:xfrm rot="2290779">
-            <a:off x="3190583" y="1976194"/>
-            <a:ext cx="445281" cy="557204"/>
-          </a:xfrm>
-          <a:prstGeom prst="rect">
-            <a:avLst/>
-          </a:prstGeom>
-          <a:noFill/>
-        </p:spPr>
-        <p:txBody>
-          <a:bodyPr wrap="square" rtlCol="0">
-            <a:spAutoFit/>
-          </a:bodyPr>
-          <a:lstStyle/>
-          <a:p>
-            <a:r>
-              <a:rPr lang="mr-IN" sz="3021" dirty="0"/>
-              <a:t>…</a:t>
-            </a:r>
-            <a:endParaRPr lang="en-US" sz="3021" dirty="0"/>
-          </a:p>
-        </p:txBody>
-      </p:sp>
-      <p:pic>
-        <p:nvPicPr>
-          <p:cNvPr id="51" name="图片 50">
-            <a:extLst>
-              <a:ext uri="{FF2B5EF4-FFF2-40B4-BE49-F238E27FC236}">
-                <a16:creationId xmlns:a16="http://schemas.microsoft.com/office/drawing/2014/main" id="{772C9F74-D2E6-48E3-AA1C-402C505A92F2}"/>
-              </a:ext>
-            </a:extLst>
-          </p:cNvPr>
-          <p:cNvPicPr>
-            <a:picLocks noChangeAspect="1"/>
-          </p:cNvPicPr>
-          <p:nvPr/>
-        </p:nvPicPr>
-        <p:blipFill>
-          <a:blip r:embed="rId5" cstate="print">
-            <a:extLst>
-              <a:ext uri="{28A0092B-C50C-407E-A947-70E740481C1C}">
-                <a14:useLocalDpi xmlns:a14="http://schemas.microsoft.com/office/drawing/2010/main" val="0"/>
-              </a:ext>
-            </a:extLst>
-          </a:blip>
-          <a:stretch>
-            <a:fillRect/>
-          </a:stretch>
-        </p:blipFill>
-        <p:spPr>
-          <a:xfrm>
-            <a:off x="6716630" y="2300024"/>
-            <a:ext cx="726187" cy="432447"/>
-          </a:xfrm>
-          <a:prstGeom prst="rect">
-            <a:avLst/>
-          </a:prstGeom>
-        </p:spPr>
-      </p:pic>
-      <p:cxnSp>
-        <p:nvCxnSpPr>
-          <p:cNvPr id="56" name="Elbow Connector 14">
-            <a:extLst>
-              <a:ext uri="{FF2B5EF4-FFF2-40B4-BE49-F238E27FC236}">
-                <a16:creationId xmlns:a16="http://schemas.microsoft.com/office/drawing/2014/main" id="{87962F8B-EC14-4EAB-9E59-825F579076CC}"/>
-              </a:ext>
-            </a:extLst>
-          </p:cNvPr>
-          <p:cNvCxnSpPr>
-            <a:cxnSpLocks/>
-            <a:stCxn id="7" idx="1"/>
-            <a:endCxn id="29" idx="0"/>
-          </p:cNvCxnSpPr>
-          <p:nvPr/>
-        </p:nvCxnSpPr>
-        <p:spPr>
-          <a:xfrm rot="10800000" flipV="1">
-            <a:off x="3124881" y="687876"/>
-            <a:ext cx="1636835" cy="2003549"/>
-          </a:xfrm>
-          <a:prstGeom prst="bentConnector2">
-            <a:avLst/>
-          </a:prstGeom>
-          <a:ln w="28575">
-            <a:solidFill>
-              <a:schemeClr val="tx1"/>
-            </a:solidFill>
-            <a:headEnd type="none" w="lg" len="lg"/>
-            <a:tailEnd type="triangle" w="lg" len="lg"/>
-          </a:ln>
-        </p:spPr>
-        <p:style>
-          <a:lnRef idx="1">
-            <a:schemeClr val="accent1"/>
-          </a:lnRef>
-          <a:fillRef idx="0">
-            <a:schemeClr val="accent1"/>
-          </a:fillRef>
-          <a:effectRef idx="0">
-            <a:schemeClr val="accent1"/>
-          </a:effectRef>
-          <a:fontRef idx="minor">
-            <a:schemeClr val="tx1"/>
-          </a:fontRef>
-        </p:style>
-      </p:cxnSp>
-      <p:sp>
-        <p:nvSpPr>
-          <p:cNvPr id="65" name="TextBox 28">
-            <a:extLst>
-              <a:ext uri="{FF2B5EF4-FFF2-40B4-BE49-F238E27FC236}">
-                <a16:creationId xmlns:a16="http://schemas.microsoft.com/office/drawing/2014/main" id="{C747593E-D9FA-4963-8917-CA335CA9DCD5}"/>
-              </a:ext>
-            </a:extLst>
-          </p:cNvPr>
-          <p:cNvSpPr txBox="1"/>
-          <p:nvPr/>
-        </p:nvSpPr>
-        <p:spPr>
-          <a:xfrm>
-            <a:off x="7656714" y="2626985"/>
-            <a:ext cx="2076489" cy="877163"/>
-          </a:xfrm>
-          <a:prstGeom prst="rect">
-            <a:avLst/>
-          </a:prstGeom>
-          <a:solidFill>
-            <a:schemeClr val="bg1">
-              <a:lumMod val="95000"/>
-            </a:schemeClr>
-          </a:solidFill>
-          <a:effectLst>
-            <a:outerShdw blurRad="50800" dist="76200" dir="2700000" algn="tl" rotWithShape="0">
-              <a:prstClr val="black">
-                <a:alpha val="40000"/>
-              </a:prstClr>
-            </a:outerShdw>
-          </a:effectLst>
-        </p:spPr>
-        <p:style>
-          <a:lnRef idx="2">
-            <a:schemeClr val="dk1"/>
-          </a:lnRef>
-          <a:fillRef idx="1">
-            <a:schemeClr val="lt1"/>
-          </a:fillRef>
-          <a:effectRef idx="0">
-            <a:schemeClr val="dk1"/>
-          </a:effectRef>
-          <a:fontRef idx="minor">
-            <a:schemeClr val="dk1"/>
-          </a:fontRef>
-        </p:style>
-        <p:txBody>
-          <a:bodyPr wrap="square" rtlCol="0">
-            <a:spAutoFit/>
-          </a:bodyPr>
-          <a:lstStyle/>
-          <a:p>
-            <a:pPr algn="ctr"/>
-            <a:r>
-              <a:rPr lang="zh-CN" altLang="en-US" sz="1700" b="1" dirty="0"/>
-              <a:t>（</a:t>
-            </a:r>
-            <a:r>
-              <a:rPr lang="en-US" altLang="zh-CN" sz="1700" b="1" dirty="0"/>
-              <a:t>Model Zoo</a:t>
-            </a:r>
-            <a:r>
-              <a:rPr lang="zh-CN" altLang="en-US" sz="1700" b="1" dirty="0"/>
-              <a:t>）</a:t>
-            </a:r>
-            <a:endParaRPr lang="en-US" altLang="zh-CN" sz="1700" b="1" dirty="0"/>
-          </a:p>
-          <a:p>
-            <a:pPr algn="ctr"/>
-            <a:r>
-              <a:rPr lang="en-US" altLang="zh-CN" sz="1700" b="1" dirty="0"/>
-              <a:t>Object Detection</a:t>
-            </a:r>
-          </a:p>
-          <a:p>
-            <a:pPr algn="ctr"/>
-            <a:r>
-              <a:rPr lang="en-US" altLang="zh-CN" sz="1700" b="1" dirty="0"/>
-              <a:t>Model Selection</a:t>
-            </a:r>
-            <a:endParaRPr lang="en-US" sz="1700" b="1" dirty="0"/>
-          </a:p>
-        </p:txBody>
-      </p:sp>
-      <p:sp>
-        <p:nvSpPr>
-          <p:cNvPr id="32" name="TextBox 25">
-            <a:extLst>
-              <a:ext uri="{FF2B5EF4-FFF2-40B4-BE49-F238E27FC236}">
-                <a16:creationId xmlns:a16="http://schemas.microsoft.com/office/drawing/2014/main" id="{9011D62F-FB66-4EE9-9EC0-7EFFBA6B7E01}"/>
-              </a:ext>
-            </a:extLst>
-          </p:cNvPr>
-          <p:cNvSpPr txBox="1"/>
-          <p:nvPr/>
-        </p:nvSpPr>
-        <p:spPr>
-          <a:xfrm>
-            <a:off x="2180364" y="3611894"/>
-            <a:ext cx="2425796" cy="324833"/>
-          </a:xfrm>
-          <a:prstGeom prst="rect">
-            <a:avLst/>
-          </a:prstGeom>
-          <a:noFill/>
-        </p:spPr>
-        <p:txBody>
-          <a:bodyPr wrap="square" rtlCol="0">
-            <a:spAutoFit/>
-          </a:bodyPr>
-          <a:lstStyle/>
-          <a:p>
-            <a:r>
-              <a:rPr lang="en-US" sz="1511" dirty="0"/>
-              <a:t>(</a:t>
-            </a:r>
-            <a:r>
-              <a:rPr lang="en-US" sz="1511" i="1" dirty="0"/>
-              <a:t>e.g.</a:t>
-            </a:r>
-            <a:r>
-              <a:rPr lang="en-US" sz="1511" dirty="0"/>
-              <a:t>, 1,5,10,…,30 fps</a:t>
-            </a:r>
-            <a:r>
-              <a:rPr lang="zh-CN" altLang="en-US" sz="1511" dirty="0"/>
-              <a:t>）</a:t>
-            </a:r>
-            <a:endParaRPr lang="en-US" sz="1133" dirty="0"/>
-          </a:p>
-        </p:txBody>
-      </p:sp>
-      <p:sp>
-        <p:nvSpPr>
-          <p:cNvPr id="57" name="Right Arrow 17">
-            <a:extLst>
-              <a:ext uri="{FF2B5EF4-FFF2-40B4-BE49-F238E27FC236}">
-                <a16:creationId xmlns:a16="http://schemas.microsoft.com/office/drawing/2014/main" id="{15011C2C-542E-4677-9D9D-F7DEFCD5BC1A}"/>
-              </a:ext>
-            </a:extLst>
-          </p:cNvPr>
-          <p:cNvSpPr/>
-          <p:nvPr/>
-        </p:nvSpPr>
-        <p:spPr>
-          <a:xfrm>
-            <a:off x="9783162" y="2840671"/>
-            <a:ext cx="466726" cy="298000"/>
-          </a:xfrm>
-          <a:prstGeom prst="rightArrow">
-            <a:avLst/>
-          </a:prstGeom>
-        </p:spPr>
-        <p:style>
-          <a:lnRef idx="2">
-            <a:schemeClr val="dk1"/>
-          </a:lnRef>
-          <a:fillRef idx="1">
-            <a:schemeClr val="lt1"/>
-          </a:fillRef>
-          <a:effectRef idx="0">
-            <a:schemeClr val="dk1"/>
-          </a:effectRef>
-          <a:fontRef idx="minor">
-            <a:schemeClr val="dk1"/>
-          </a:fontRef>
-        </p:style>
-        <p:txBody>
-          <a:bodyPr rtlCol="0" anchor="ctr"/>
-          <a:lstStyle/>
-          <a:p>
-            <a:pPr algn="ctr"/>
-            <a:endParaRPr lang="en-US" sz="1133"/>
-          </a:p>
-        </p:txBody>
-      </p:sp>
-      <p:sp>
-        <p:nvSpPr>
-          <p:cNvPr id="58" name="TextBox 28">
-            <a:extLst>
-              <a:ext uri="{FF2B5EF4-FFF2-40B4-BE49-F238E27FC236}">
-                <a16:creationId xmlns:a16="http://schemas.microsoft.com/office/drawing/2014/main" id="{D0896010-A33E-4CA2-8CC5-98F23E9CB79A}"/>
-              </a:ext>
-            </a:extLst>
-          </p:cNvPr>
-          <p:cNvSpPr txBox="1"/>
-          <p:nvPr/>
-        </p:nvSpPr>
-        <p:spPr>
-          <a:xfrm>
-            <a:off x="10279586" y="2647363"/>
-            <a:ext cx="1115851" cy="615553"/>
-          </a:xfrm>
-          <a:prstGeom prst="rect">
-            <a:avLst/>
-          </a:prstGeom>
-          <a:solidFill>
-            <a:schemeClr val="bg1">
-              <a:lumMod val="95000"/>
-            </a:schemeClr>
-          </a:solidFill>
-          <a:effectLst>
-            <a:outerShdw blurRad="50800" dist="76200" dir="2700000" algn="tl" rotWithShape="0">
-              <a:prstClr val="black">
-                <a:alpha val="40000"/>
-              </a:prstClr>
-            </a:outerShdw>
-          </a:effectLst>
-        </p:spPr>
-        <p:style>
-          <a:lnRef idx="2">
-            <a:schemeClr val="dk1"/>
-          </a:lnRef>
-          <a:fillRef idx="1">
-            <a:schemeClr val="lt1"/>
-          </a:fillRef>
-          <a:effectRef idx="0">
-            <a:schemeClr val="dk1"/>
-          </a:effectRef>
-          <a:fontRef idx="minor">
-            <a:schemeClr val="dk1"/>
-          </a:fontRef>
-        </p:style>
-        <p:txBody>
-          <a:bodyPr wrap="square" rtlCol="0">
-            <a:spAutoFit/>
-          </a:bodyPr>
-          <a:lstStyle/>
-          <a:p>
-            <a:pPr algn="ctr"/>
-            <a:r>
-              <a:rPr lang="en-US" altLang="zh-CN" sz="1700" b="1" dirty="0"/>
-              <a:t>Inference</a:t>
-            </a:r>
-          </a:p>
-          <a:p>
-            <a:pPr algn="ctr"/>
-            <a:r>
-              <a:rPr lang="en-US" altLang="zh-CN" sz="1700" b="1" dirty="0"/>
-              <a:t>Results</a:t>
-            </a:r>
-            <a:endParaRPr lang="zh-CN" altLang="en-US" sz="1700" b="1" dirty="0"/>
-          </a:p>
-        </p:txBody>
-      </p:sp>
-      <p:sp>
-        <p:nvSpPr>
-          <p:cNvPr id="9" name="椭圆 8">
-            <a:extLst>
-              <a:ext uri="{FF2B5EF4-FFF2-40B4-BE49-F238E27FC236}">
-                <a16:creationId xmlns:a16="http://schemas.microsoft.com/office/drawing/2014/main" id="{0ADEB399-9E1A-49A3-9758-20852A7F4E4A}"/>
-              </a:ext>
-            </a:extLst>
-          </p:cNvPr>
-          <p:cNvSpPr/>
-          <p:nvPr/>
-        </p:nvSpPr>
-        <p:spPr>
-          <a:xfrm>
-            <a:off x="6936400" y="236676"/>
-            <a:ext cx="324744" cy="286059"/>
-          </a:xfrm>
-          <a:prstGeom prst="ellipse">
-            <a:avLst/>
-          </a:prstGeom>
-          <a:solidFill>
-            <a:schemeClr val="bg1"/>
-          </a:solidFill>
-          <a:ln>
-            <a:solidFill>
-              <a:schemeClr val="tx1"/>
-            </a:solidFill>
-          </a:ln>
-        </p:spPr>
-        <p:style>
-          <a:lnRef idx="2">
-            <a:schemeClr val="accent1">
-              <a:shade val="50000"/>
-            </a:schemeClr>
-          </a:lnRef>
-          <a:fillRef idx="1">
-            <a:schemeClr val="accent1"/>
-          </a:fillRef>
-          <a:effectRef idx="0">
-            <a:schemeClr val="accent1"/>
-          </a:effectRef>
-          <a:fontRef idx="minor">
-            <a:schemeClr val="lt1"/>
-          </a:fontRef>
-        </p:style>
-        <p:txBody>
-          <a:bodyPr rtlCol="0" anchor="ctr"/>
-          <a:lstStyle/>
-          <a:p>
-            <a:pPr algn="ctr"/>
-            <a:endParaRPr lang="zh-CN" altLang="en-US" sz="1700"/>
-          </a:p>
-        </p:txBody>
-      </p:sp>
-      <p:sp>
-        <p:nvSpPr>
-          <p:cNvPr id="33" name="椭圆 32">
-            <a:extLst>
-              <a:ext uri="{FF2B5EF4-FFF2-40B4-BE49-F238E27FC236}">
-                <a16:creationId xmlns:a16="http://schemas.microsoft.com/office/drawing/2014/main" id="{39FC1C84-707A-4674-856D-EAF33B5EEF20}"/>
-              </a:ext>
-            </a:extLst>
-          </p:cNvPr>
-          <p:cNvSpPr/>
-          <p:nvPr/>
-        </p:nvSpPr>
-        <p:spPr>
-          <a:xfrm>
-            <a:off x="6936399" y="625344"/>
-            <a:ext cx="324744" cy="286059"/>
-          </a:xfrm>
-          <a:prstGeom prst="ellipse">
-            <a:avLst/>
-          </a:prstGeom>
-          <a:solidFill>
-            <a:schemeClr val="bg1"/>
-          </a:solidFill>
-          <a:ln>
-            <a:solidFill>
-              <a:schemeClr val="tx1"/>
-            </a:solidFill>
-          </a:ln>
-        </p:spPr>
-        <p:style>
-          <a:lnRef idx="2">
-            <a:schemeClr val="accent1">
-              <a:shade val="50000"/>
-            </a:schemeClr>
-          </a:lnRef>
-          <a:fillRef idx="1">
-            <a:schemeClr val="accent1"/>
-          </a:fillRef>
-          <a:effectRef idx="0">
-            <a:schemeClr val="accent1"/>
-          </a:effectRef>
-          <a:fontRef idx="minor">
-            <a:schemeClr val="lt1"/>
-          </a:fontRef>
-        </p:style>
-        <p:txBody>
-          <a:bodyPr rtlCol="0" anchor="ctr"/>
-          <a:lstStyle/>
-          <a:p>
-            <a:pPr algn="ctr"/>
-            <a:endParaRPr lang="zh-CN" altLang="en-US" sz="1700"/>
-          </a:p>
-        </p:txBody>
-      </p:sp>
-      <p:sp>
-        <p:nvSpPr>
-          <p:cNvPr id="34" name="椭圆 33">
-            <a:extLst>
-              <a:ext uri="{FF2B5EF4-FFF2-40B4-BE49-F238E27FC236}">
-                <a16:creationId xmlns:a16="http://schemas.microsoft.com/office/drawing/2014/main" id="{D9BC229C-9CAF-40CB-8FA8-93A0B0ECFF09}"/>
-              </a:ext>
-            </a:extLst>
-          </p:cNvPr>
-          <p:cNvSpPr/>
-          <p:nvPr/>
-        </p:nvSpPr>
-        <p:spPr>
-          <a:xfrm>
-            <a:off x="7668304" y="225890"/>
-            <a:ext cx="324744" cy="286059"/>
-          </a:xfrm>
-          <a:prstGeom prst="ellipse">
-            <a:avLst/>
-          </a:prstGeom>
-          <a:solidFill>
-            <a:schemeClr val="bg1"/>
-          </a:solidFill>
-          <a:ln>
-            <a:solidFill>
-              <a:schemeClr val="tx1"/>
-            </a:solidFill>
-          </a:ln>
-        </p:spPr>
-        <p:style>
-          <a:lnRef idx="2">
-            <a:schemeClr val="accent1">
-              <a:shade val="50000"/>
-            </a:schemeClr>
-          </a:lnRef>
-          <a:fillRef idx="1">
-            <a:schemeClr val="accent1"/>
-          </a:fillRef>
-          <a:effectRef idx="0">
-            <a:schemeClr val="accent1"/>
-          </a:effectRef>
-          <a:fontRef idx="minor">
-            <a:schemeClr val="lt1"/>
-          </a:fontRef>
-        </p:style>
-        <p:txBody>
-          <a:bodyPr rtlCol="0" anchor="ctr"/>
-          <a:lstStyle/>
-          <a:p>
-            <a:pPr algn="ctr"/>
-            <a:endParaRPr lang="zh-CN" altLang="en-US" sz="1700"/>
-          </a:p>
-        </p:txBody>
-      </p:sp>
-      <p:sp>
-        <p:nvSpPr>
-          <p:cNvPr id="35" name="椭圆 34">
-            <a:extLst>
-              <a:ext uri="{FF2B5EF4-FFF2-40B4-BE49-F238E27FC236}">
-                <a16:creationId xmlns:a16="http://schemas.microsoft.com/office/drawing/2014/main" id="{AAF09293-34CA-4EC8-AA76-1784EF9070FD}"/>
-              </a:ext>
-            </a:extLst>
-          </p:cNvPr>
-          <p:cNvSpPr/>
-          <p:nvPr/>
-        </p:nvSpPr>
-        <p:spPr>
-          <a:xfrm>
-            <a:off x="7668306" y="614237"/>
-            <a:ext cx="324744" cy="286059"/>
-          </a:xfrm>
-          <a:prstGeom prst="ellipse">
-            <a:avLst/>
-          </a:prstGeom>
-          <a:solidFill>
-            <a:schemeClr val="bg1"/>
-          </a:solidFill>
-          <a:ln>
-            <a:solidFill>
-              <a:schemeClr val="tx1"/>
-            </a:solidFill>
-          </a:ln>
-        </p:spPr>
-        <p:style>
-          <a:lnRef idx="2">
-            <a:schemeClr val="accent1">
-              <a:shade val="50000"/>
-            </a:schemeClr>
-          </a:lnRef>
-          <a:fillRef idx="1">
-            <a:schemeClr val="accent1"/>
-          </a:fillRef>
-          <a:effectRef idx="0">
-            <a:schemeClr val="accent1"/>
-          </a:effectRef>
-          <a:fontRef idx="minor">
-            <a:schemeClr val="lt1"/>
-          </a:fontRef>
-        </p:style>
-        <p:txBody>
-          <a:bodyPr rtlCol="0" anchor="ctr"/>
-          <a:lstStyle/>
-          <a:p>
-            <a:pPr algn="ctr"/>
-            <a:endParaRPr lang="zh-CN" altLang="en-US" sz="1700"/>
-          </a:p>
-        </p:txBody>
-      </p:sp>
-      <p:sp>
-        <p:nvSpPr>
-          <p:cNvPr id="36" name="椭圆 35">
-            <a:extLst>
-              <a:ext uri="{FF2B5EF4-FFF2-40B4-BE49-F238E27FC236}">
-                <a16:creationId xmlns:a16="http://schemas.microsoft.com/office/drawing/2014/main" id="{DC913660-4F12-43D1-886C-77DA002F04B3}"/>
-              </a:ext>
-            </a:extLst>
-          </p:cNvPr>
-          <p:cNvSpPr/>
-          <p:nvPr/>
-        </p:nvSpPr>
-        <p:spPr>
-          <a:xfrm>
-            <a:off x="7668305" y="974429"/>
-            <a:ext cx="324744" cy="286059"/>
-          </a:xfrm>
-          <a:prstGeom prst="ellipse">
-            <a:avLst/>
-          </a:prstGeom>
-          <a:solidFill>
-            <a:schemeClr val="bg1"/>
-          </a:solidFill>
-          <a:ln>
-            <a:solidFill>
-              <a:schemeClr val="tx1"/>
-            </a:solidFill>
-          </a:ln>
-        </p:spPr>
-        <p:style>
-          <a:lnRef idx="2">
-            <a:schemeClr val="accent1">
-              <a:shade val="50000"/>
-            </a:schemeClr>
-          </a:lnRef>
-          <a:fillRef idx="1">
-            <a:schemeClr val="accent1"/>
-          </a:fillRef>
-          <a:effectRef idx="0">
-            <a:schemeClr val="accent1"/>
-          </a:effectRef>
-          <a:fontRef idx="minor">
-            <a:schemeClr val="lt1"/>
-          </a:fontRef>
-        </p:style>
-        <p:txBody>
-          <a:bodyPr rtlCol="0" anchor="ctr"/>
-          <a:lstStyle/>
-          <a:p>
-            <a:pPr algn="ctr"/>
-            <a:endParaRPr lang="zh-CN" altLang="en-US" sz="1700"/>
-          </a:p>
-        </p:txBody>
-      </p:sp>
-      <p:sp>
-        <p:nvSpPr>
-          <p:cNvPr id="38" name="椭圆 37">
-            <a:extLst>
-              <a:ext uri="{FF2B5EF4-FFF2-40B4-BE49-F238E27FC236}">
-                <a16:creationId xmlns:a16="http://schemas.microsoft.com/office/drawing/2014/main" id="{368912F1-15D0-4B6D-8CC2-FA2BE007B1EA}"/>
-              </a:ext>
-            </a:extLst>
-          </p:cNvPr>
-          <p:cNvSpPr/>
-          <p:nvPr/>
-        </p:nvSpPr>
-        <p:spPr>
-          <a:xfrm>
-            <a:off x="6936399" y="965485"/>
-            <a:ext cx="324744" cy="286059"/>
-          </a:xfrm>
-          <a:prstGeom prst="ellipse">
-            <a:avLst/>
-          </a:prstGeom>
-          <a:solidFill>
-            <a:schemeClr val="bg1"/>
-          </a:solidFill>
-          <a:ln>
-            <a:solidFill>
-              <a:schemeClr val="tx1"/>
-            </a:solidFill>
-          </a:ln>
-        </p:spPr>
-        <p:style>
-          <a:lnRef idx="2">
-            <a:schemeClr val="accent1">
-              <a:shade val="50000"/>
-            </a:schemeClr>
-          </a:lnRef>
-          <a:fillRef idx="1">
-            <a:schemeClr val="accent1"/>
-          </a:fillRef>
-          <a:effectRef idx="0">
-            <a:schemeClr val="accent1"/>
-          </a:effectRef>
-          <a:fontRef idx="minor">
-            <a:schemeClr val="lt1"/>
-          </a:fontRef>
-        </p:style>
-        <p:txBody>
-          <a:bodyPr rtlCol="0" anchor="ctr"/>
-          <a:lstStyle/>
-          <a:p>
-            <a:pPr algn="ctr"/>
-            <a:endParaRPr lang="zh-CN" altLang="en-US" sz="1700"/>
-          </a:p>
-        </p:txBody>
-      </p:sp>
-      <p:cxnSp>
-        <p:nvCxnSpPr>
-          <p:cNvPr id="15" name="直接连接符 14">
-            <a:extLst>
-              <a:ext uri="{FF2B5EF4-FFF2-40B4-BE49-F238E27FC236}">
-                <a16:creationId xmlns:a16="http://schemas.microsoft.com/office/drawing/2014/main" id="{BA582A80-309C-43A4-A60D-5443564517D1}"/>
-              </a:ext>
-            </a:extLst>
-          </p:cNvPr>
-          <p:cNvCxnSpPr>
-            <a:cxnSpLocks/>
-            <a:stCxn id="9" idx="6"/>
-            <a:endCxn id="34" idx="2"/>
-          </p:cNvCxnSpPr>
-          <p:nvPr/>
-        </p:nvCxnSpPr>
-        <p:spPr>
-          <a:xfrm flipV="1">
-            <a:off x="7261143" y="368919"/>
-            <a:ext cx="407160" cy="10785"/>
-          </a:xfrm>
-          <a:prstGeom prst="line">
-            <a:avLst/>
-          </a:prstGeom>
-          <a:ln>
-            <a:solidFill>
-              <a:schemeClr val="tx1"/>
-            </a:solidFill>
-          </a:ln>
-        </p:spPr>
-        <p:style>
-          <a:lnRef idx="1">
-            <a:schemeClr val="accent1"/>
-          </a:lnRef>
-          <a:fillRef idx="0">
-            <a:schemeClr val="accent1"/>
-          </a:fillRef>
-          <a:effectRef idx="0">
-            <a:schemeClr val="accent1"/>
-          </a:effectRef>
-          <a:fontRef idx="minor">
-            <a:schemeClr val="tx1"/>
-          </a:fontRef>
-        </p:style>
-      </p:cxnSp>
-      <p:cxnSp>
-        <p:nvCxnSpPr>
-          <p:cNvPr id="20" name="直接连接符 19">
-            <a:extLst>
-              <a:ext uri="{FF2B5EF4-FFF2-40B4-BE49-F238E27FC236}">
-                <a16:creationId xmlns:a16="http://schemas.microsoft.com/office/drawing/2014/main" id="{F77C6A47-8388-4CEB-8278-9D522FDA9588}"/>
-              </a:ext>
-            </a:extLst>
-          </p:cNvPr>
-          <p:cNvCxnSpPr>
-            <a:stCxn id="33" idx="6"/>
-            <a:endCxn id="35" idx="2"/>
-          </p:cNvCxnSpPr>
-          <p:nvPr/>
-        </p:nvCxnSpPr>
-        <p:spPr>
-          <a:xfrm flipV="1">
-            <a:off x="7261139" y="757260"/>
-            <a:ext cx="407163" cy="11106"/>
-          </a:xfrm>
-          <a:prstGeom prst="line">
-            <a:avLst/>
-          </a:prstGeom>
-          <a:ln>
-            <a:solidFill>
-              <a:schemeClr val="tx1"/>
-            </a:solidFill>
-          </a:ln>
-        </p:spPr>
-        <p:style>
-          <a:lnRef idx="1">
-            <a:schemeClr val="accent1"/>
-          </a:lnRef>
-          <a:fillRef idx="0">
-            <a:schemeClr val="accent1"/>
-          </a:fillRef>
-          <a:effectRef idx="0">
-            <a:schemeClr val="accent1"/>
-          </a:effectRef>
-          <a:fontRef idx="minor">
-            <a:schemeClr val="tx1"/>
-          </a:fontRef>
-        </p:style>
-      </p:cxnSp>
-      <p:cxnSp>
-        <p:nvCxnSpPr>
-          <p:cNvPr id="24" name="直接连接符 23">
-            <a:extLst>
-              <a:ext uri="{FF2B5EF4-FFF2-40B4-BE49-F238E27FC236}">
-                <a16:creationId xmlns:a16="http://schemas.microsoft.com/office/drawing/2014/main" id="{20613FC5-B7DF-4781-A81F-F0FC736104E2}"/>
-              </a:ext>
-            </a:extLst>
-          </p:cNvPr>
-          <p:cNvCxnSpPr>
-            <a:stCxn id="33" idx="6"/>
-            <a:endCxn id="34" idx="2"/>
-          </p:cNvCxnSpPr>
-          <p:nvPr/>
-        </p:nvCxnSpPr>
-        <p:spPr>
-          <a:xfrm flipV="1">
-            <a:off x="7261140" y="368918"/>
-            <a:ext cx="407162" cy="399453"/>
-          </a:xfrm>
-          <a:prstGeom prst="line">
-            <a:avLst/>
-          </a:prstGeom>
-          <a:ln>
-            <a:solidFill>
-              <a:schemeClr val="tx1"/>
-            </a:solidFill>
-          </a:ln>
-        </p:spPr>
-        <p:style>
-          <a:lnRef idx="1">
-            <a:schemeClr val="accent1"/>
-          </a:lnRef>
-          <a:fillRef idx="0">
-            <a:schemeClr val="accent1"/>
-          </a:fillRef>
-          <a:effectRef idx="0">
-            <a:schemeClr val="accent1"/>
-          </a:effectRef>
-          <a:fontRef idx="minor">
-            <a:schemeClr val="tx1"/>
-          </a:fontRef>
-        </p:style>
-      </p:cxnSp>
-      <p:cxnSp>
-        <p:nvCxnSpPr>
-          <p:cNvPr id="26" name="直接连接符 25">
-            <a:extLst>
-              <a:ext uri="{FF2B5EF4-FFF2-40B4-BE49-F238E27FC236}">
-                <a16:creationId xmlns:a16="http://schemas.microsoft.com/office/drawing/2014/main" id="{2EE723F8-895D-4DB3-806B-02C92F264279}"/>
-              </a:ext>
-            </a:extLst>
-          </p:cNvPr>
-          <p:cNvCxnSpPr>
-            <a:cxnSpLocks/>
-            <a:stCxn id="33" idx="6"/>
-            <a:endCxn id="36" idx="2"/>
-          </p:cNvCxnSpPr>
-          <p:nvPr/>
-        </p:nvCxnSpPr>
-        <p:spPr>
-          <a:xfrm>
-            <a:off x="7261144" y="768374"/>
-            <a:ext cx="407162" cy="349085"/>
-          </a:xfrm>
-          <a:prstGeom prst="line">
-            <a:avLst/>
-          </a:prstGeom>
-          <a:ln>
-            <a:solidFill>
-              <a:schemeClr val="tx1"/>
-            </a:solidFill>
-          </a:ln>
-        </p:spPr>
-        <p:style>
-          <a:lnRef idx="1">
-            <a:schemeClr val="accent1"/>
-          </a:lnRef>
-          <a:fillRef idx="0">
-            <a:schemeClr val="accent1"/>
-          </a:fillRef>
-          <a:effectRef idx="0">
-            <a:schemeClr val="accent1"/>
-          </a:effectRef>
-          <a:fontRef idx="minor">
-            <a:schemeClr val="tx1"/>
-          </a:fontRef>
-        </p:style>
-      </p:cxnSp>
-      <p:cxnSp>
-        <p:nvCxnSpPr>
-          <p:cNvPr id="44" name="直接连接符 43">
-            <a:extLst>
-              <a:ext uri="{FF2B5EF4-FFF2-40B4-BE49-F238E27FC236}">
-                <a16:creationId xmlns:a16="http://schemas.microsoft.com/office/drawing/2014/main" id="{950C33E9-19C7-480C-8186-505E6F78A1FE}"/>
-              </a:ext>
-            </a:extLst>
-          </p:cNvPr>
-          <p:cNvCxnSpPr>
-            <a:stCxn id="9" idx="6"/>
-            <a:endCxn id="35" idx="2"/>
-          </p:cNvCxnSpPr>
-          <p:nvPr/>
-        </p:nvCxnSpPr>
-        <p:spPr>
-          <a:xfrm>
-            <a:off x="7261145" y="379702"/>
-            <a:ext cx="407162" cy="377563"/>
-          </a:xfrm>
-          <a:prstGeom prst="line">
-            <a:avLst/>
-          </a:prstGeom>
-          <a:ln>
-            <a:solidFill>
-              <a:schemeClr val="tx1"/>
-            </a:solidFill>
-          </a:ln>
-        </p:spPr>
-        <p:style>
-          <a:lnRef idx="1">
-            <a:schemeClr val="accent1"/>
-          </a:lnRef>
-          <a:fillRef idx="0">
-            <a:schemeClr val="accent1"/>
-          </a:fillRef>
-          <a:effectRef idx="0">
-            <a:schemeClr val="accent1"/>
-          </a:effectRef>
-          <a:fontRef idx="minor">
-            <a:schemeClr val="tx1"/>
-          </a:fontRef>
-        </p:style>
-      </p:cxnSp>
-      <p:cxnSp>
-        <p:nvCxnSpPr>
-          <p:cNvPr id="46" name="直接连接符 45">
-            <a:extLst>
-              <a:ext uri="{FF2B5EF4-FFF2-40B4-BE49-F238E27FC236}">
-                <a16:creationId xmlns:a16="http://schemas.microsoft.com/office/drawing/2014/main" id="{C8C3DA07-912B-422C-9B51-5C0C85199EC6}"/>
-              </a:ext>
-            </a:extLst>
-          </p:cNvPr>
-          <p:cNvCxnSpPr>
-            <a:stCxn id="9" idx="6"/>
-            <a:endCxn id="36" idx="3"/>
-          </p:cNvCxnSpPr>
-          <p:nvPr/>
-        </p:nvCxnSpPr>
-        <p:spPr>
-          <a:xfrm>
-            <a:off x="7261150" y="379696"/>
-            <a:ext cx="454719" cy="838889"/>
-          </a:xfrm>
-          <a:prstGeom prst="line">
-            <a:avLst/>
-          </a:prstGeom>
-          <a:ln>
-            <a:solidFill>
-              <a:schemeClr val="tx1"/>
-            </a:solidFill>
-          </a:ln>
-        </p:spPr>
-        <p:style>
-          <a:lnRef idx="1">
-            <a:schemeClr val="accent1"/>
-          </a:lnRef>
-          <a:fillRef idx="0">
-            <a:schemeClr val="accent1"/>
-          </a:fillRef>
-          <a:effectRef idx="0">
-            <a:schemeClr val="accent1"/>
-          </a:effectRef>
-          <a:fontRef idx="minor">
-            <a:schemeClr val="tx1"/>
-          </a:fontRef>
-        </p:style>
-      </p:cxnSp>
-      <p:cxnSp>
-        <p:nvCxnSpPr>
-          <p:cNvPr id="52" name="直接连接符 51">
-            <a:extLst>
-              <a:ext uri="{FF2B5EF4-FFF2-40B4-BE49-F238E27FC236}">
-                <a16:creationId xmlns:a16="http://schemas.microsoft.com/office/drawing/2014/main" id="{B8B22FC8-BA48-475A-B488-6E6D0E97C4CB}"/>
-              </a:ext>
-            </a:extLst>
-          </p:cNvPr>
-          <p:cNvCxnSpPr>
-            <a:cxnSpLocks/>
-            <a:stCxn id="38" idx="6"/>
-            <a:endCxn id="35" idx="2"/>
-          </p:cNvCxnSpPr>
-          <p:nvPr/>
-        </p:nvCxnSpPr>
-        <p:spPr>
-          <a:xfrm flipV="1">
-            <a:off x="7261143" y="757253"/>
-            <a:ext cx="407164" cy="351248"/>
-          </a:xfrm>
-          <a:prstGeom prst="line">
-            <a:avLst/>
-          </a:prstGeom>
-          <a:ln>
-            <a:solidFill>
-              <a:schemeClr val="tx1"/>
-            </a:solidFill>
-          </a:ln>
-        </p:spPr>
-        <p:style>
-          <a:lnRef idx="1">
-            <a:schemeClr val="accent1"/>
-          </a:lnRef>
-          <a:fillRef idx="0">
-            <a:schemeClr val="accent1"/>
-          </a:fillRef>
-          <a:effectRef idx="0">
-            <a:schemeClr val="accent1"/>
-          </a:effectRef>
-          <a:fontRef idx="minor">
-            <a:schemeClr val="tx1"/>
-          </a:fontRef>
-        </p:style>
-      </p:cxnSp>
-      <p:cxnSp>
-        <p:nvCxnSpPr>
-          <p:cNvPr id="54" name="直接连接符 53">
-            <a:extLst>
-              <a:ext uri="{FF2B5EF4-FFF2-40B4-BE49-F238E27FC236}">
-                <a16:creationId xmlns:a16="http://schemas.microsoft.com/office/drawing/2014/main" id="{B195FF9D-AABF-4C02-AF6A-2C948BFA1EA6}"/>
-              </a:ext>
-            </a:extLst>
-          </p:cNvPr>
-          <p:cNvCxnSpPr>
-            <a:cxnSpLocks/>
-            <a:stCxn id="38" idx="6"/>
-            <a:endCxn id="36" idx="2"/>
-          </p:cNvCxnSpPr>
-          <p:nvPr/>
-        </p:nvCxnSpPr>
-        <p:spPr>
-          <a:xfrm>
-            <a:off x="7261139" y="1108510"/>
-            <a:ext cx="407163" cy="8942"/>
-          </a:xfrm>
-          <a:prstGeom prst="line">
-            <a:avLst/>
-          </a:prstGeom>
-          <a:ln>
-            <a:solidFill>
-              <a:schemeClr val="tx1"/>
-            </a:solidFill>
-          </a:ln>
-        </p:spPr>
-        <p:style>
-          <a:lnRef idx="1">
-            <a:schemeClr val="accent1"/>
-          </a:lnRef>
-          <a:fillRef idx="0">
-            <a:schemeClr val="accent1"/>
-          </a:fillRef>
-          <a:effectRef idx="0">
-            <a:schemeClr val="accent1"/>
-          </a:effectRef>
-          <a:fontRef idx="minor">
-            <a:schemeClr val="tx1"/>
-          </a:fontRef>
-        </p:style>
-      </p:cxnSp>
-      <p:cxnSp>
-        <p:nvCxnSpPr>
-          <p:cNvPr id="59" name="直接连接符 58">
-            <a:extLst>
-              <a:ext uri="{FF2B5EF4-FFF2-40B4-BE49-F238E27FC236}">
-                <a16:creationId xmlns:a16="http://schemas.microsoft.com/office/drawing/2014/main" id="{D26E91BE-2ED9-4821-9A7C-6826B231AF6D}"/>
-              </a:ext>
-            </a:extLst>
-          </p:cNvPr>
-          <p:cNvCxnSpPr>
-            <a:cxnSpLocks/>
-            <a:stCxn id="38" idx="6"/>
-            <a:endCxn id="34" idx="2"/>
-          </p:cNvCxnSpPr>
-          <p:nvPr/>
-        </p:nvCxnSpPr>
-        <p:spPr>
-          <a:xfrm flipV="1">
-            <a:off x="7261141" y="368913"/>
-            <a:ext cx="407162" cy="739596"/>
-          </a:xfrm>
-          <a:prstGeom prst="line">
-            <a:avLst/>
-          </a:prstGeom>
-          <a:ln>
-            <a:solidFill>
-              <a:schemeClr val="tx1"/>
-            </a:solidFill>
-          </a:ln>
-        </p:spPr>
-        <p:style>
-          <a:lnRef idx="1">
-            <a:schemeClr val="accent1"/>
-          </a:lnRef>
-          <a:fillRef idx="0">
-            <a:schemeClr val="accent1"/>
-          </a:fillRef>
-          <a:effectRef idx="0">
-            <a:schemeClr val="accent1"/>
-          </a:effectRef>
-          <a:fontRef idx="minor">
-            <a:schemeClr val="tx1"/>
-          </a:fontRef>
-        </p:style>
-      </p:cxnSp>
-      <p:cxnSp>
-        <p:nvCxnSpPr>
-          <p:cNvPr id="17" name="连接符: 肘形 16">
-            <a:extLst>
-              <a:ext uri="{FF2B5EF4-FFF2-40B4-BE49-F238E27FC236}">
-                <a16:creationId xmlns:a16="http://schemas.microsoft.com/office/drawing/2014/main" id="{0B325244-3E3F-4B7D-8195-26F2739090E6}"/>
-              </a:ext>
-            </a:extLst>
-          </p:cNvPr>
-          <p:cNvCxnSpPr>
-            <a:cxnSpLocks/>
-            <a:stCxn id="58" idx="0"/>
-          </p:cNvCxnSpPr>
-          <p:nvPr/>
-        </p:nvCxnSpPr>
-        <p:spPr>
-          <a:xfrm rot="16200000" flipV="1">
-            <a:off x="8403618" y="213469"/>
-            <a:ext cx="2221418" cy="2646368"/>
-          </a:xfrm>
-          <a:prstGeom prst="bentConnector2">
-            <a:avLst/>
-          </a:prstGeom>
-          <a:ln w="38100">
-            <a:solidFill>
-              <a:schemeClr val="tx1"/>
-            </a:solidFill>
-            <a:tailEnd type="triangle"/>
-          </a:ln>
-        </p:spPr>
-        <p:style>
-          <a:lnRef idx="1">
-            <a:schemeClr val="dk1"/>
-          </a:lnRef>
-          <a:fillRef idx="0">
-            <a:schemeClr val="dk1"/>
-          </a:fillRef>
-          <a:effectRef idx="0">
-            <a:schemeClr val="dk1"/>
-          </a:effectRef>
-          <a:fontRef idx="minor">
-            <a:schemeClr val="tx1"/>
-          </a:fontRef>
-        </p:style>
-      </p:cxnSp>
-      <p:sp>
-        <p:nvSpPr>
-          <p:cNvPr id="50" name="TextBox 28">
-            <a:extLst>
-              <a:ext uri="{FF2B5EF4-FFF2-40B4-BE49-F238E27FC236}">
-                <a16:creationId xmlns:a16="http://schemas.microsoft.com/office/drawing/2014/main" id="{CF067667-C5F6-4F62-9598-2DF5D5517623}"/>
-              </a:ext>
-            </a:extLst>
-          </p:cNvPr>
-          <p:cNvSpPr txBox="1"/>
-          <p:nvPr/>
-        </p:nvSpPr>
-        <p:spPr>
-          <a:xfrm>
-            <a:off x="358325" y="2597370"/>
-            <a:ext cx="1224592" cy="789703"/>
-          </a:xfrm>
-          <a:prstGeom prst="rect">
-            <a:avLst/>
-          </a:prstGeom>
-          <a:solidFill>
-            <a:schemeClr val="bg1">
-              <a:lumMod val="95000"/>
-            </a:schemeClr>
-          </a:solidFill>
-          <a:effectLst>
-            <a:outerShdw blurRad="50800" dist="76200" dir="2700000" algn="tl" rotWithShape="0">
-              <a:prstClr val="black">
-                <a:alpha val="40000"/>
-              </a:prstClr>
-            </a:outerShdw>
-          </a:effectLst>
-        </p:spPr>
-        <p:style>
-          <a:lnRef idx="2">
-            <a:schemeClr val="dk1"/>
-          </a:lnRef>
-          <a:fillRef idx="1">
-            <a:schemeClr val="lt1"/>
-          </a:fillRef>
-          <a:effectRef idx="0">
-            <a:schemeClr val="dk1"/>
-          </a:effectRef>
-          <a:fontRef idx="minor">
-            <a:schemeClr val="dk1"/>
-          </a:fontRef>
-        </p:style>
-        <p:txBody>
-          <a:bodyPr wrap="square" rtlCol="0">
-            <a:spAutoFit/>
-          </a:bodyPr>
-          <a:lstStyle/>
-          <a:p>
-            <a:pPr algn="ctr"/>
-            <a:r>
-              <a:rPr lang="en-US" altLang="zh-CN" sz="2266" dirty="0"/>
-              <a:t>Origin</a:t>
-            </a:r>
-          </a:p>
-          <a:p>
-            <a:pPr algn="ctr"/>
-            <a:r>
-              <a:rPr lang="en-US" altLang="zh-CN" sz="2266" dirty="0"/>
-              <a:t>Video</a:t>
-            </a:r>
-            <a:endParaRPr lang="zh-CN" altLang="en-US" sz="2266" dirty="0"/>
-          </a:p>
-        </p:txBody>
-      </p:sp>
-      <p:cxnSp>
-        <p:nvCxnSpPr>
-          <p:cNvPr id="21" name="连接符: 肘形 20">
-            <a:extLst>
-              <a:ext uri="{FF2B5EF4-FFF2-40B4-BE49-F238E27FC236}">
-                <a16:creationId xmlns:a16="http://schemas.microsoft.com/office/drawing/2014/main" id="{91039A5F-628A-4121-A51A-D41749459587}"/>
-              </a:ext>
-            </a:extLst>
-          </p:cNvPr>
-          <p:cNvCxnSpPr>
-            <a:cxnSpLocks/>
-            <a:stCxn id="50" idx="0"/>
-          </p:cNvCxnSpPr>
-          <p:nvPr/>
-        </p:nvCxnSpPr>
-        <p:spPr>
-          <a:xfrm rot="5400000" flipH="1" flipV="1">
-            <a:off x="1777111" y="-367075"/>
-            <a:ext cx="2157954" cy="3770934"/>
-          </a:xfrm>
-          <a:prstGeom prst="bentConnector2">
-            <a:avLst/>
-          </a:prstGeom>
-          <a:ln w="38100">
-            <a:tailEnd type="triangle"/>
-          </a:ln>
-        </p:spPr>
-        <p:style>
-          <a:lnRef idx="1">
-            <a:schemeClr val="dk1"/>
-          </a:lnRef>
-          <a:fillRef idx="0">
-            <a:schemeClr val="dk1"/>
-          </a:fillRef>
-          <a:effectRef idx="0">
-            <a:schemeClr val="dk1"/>
-          </a:effectRef>
-          <a:fontRef idx="minor">
-            <a:schemeClr val="tx1"/>
-          </a:fontRef>
-        </p:style>
-      </p:cxnSp>
-      <p:sp>
-        <p:nvSpPr>
-          <p:cNvPr id="53" name="TextBox 16">
-            <a:extLst>
-              <a:ext uri="{FF2B5EF4-FFF2-40B4-BE49-F238E27FC236}">
-                <a16:creationId xmlns:a16="http://schemas.microsoft.com/office/drawing/2014/main" id="{889A31E3-8612-49B5-9E53-3723A2A76100}"/>
-              </a:ext>
-            </a:extLst>
-          </p:cNvPr>
-          <p:cNvSpPr txBox="1"/>
-          <p:nvPr/>
-        </p:nvSpPr>
-        <p:spPr>
-          <a:xfrm>
-            <a:off x="1319826" y="-1165"/>
-            <a:ext cx="3752100" cy="400110"/>
-          </a:xfrm>
-          <a:prstGeom prst="rect">
-            <a:avLst/>
-          </a:prstGeom>
-          <a:noFill/>
-        </p:spPr>
-        <p:txBody>
-          <a:bodyPr wrap="square" rtlCol="0">
-            <a:spAutoFit/>
-          </a:bodyPr>
-          <a:lstStyle/>
-          <a:p>
-            <a:r>
-              <a:rPr lang="en-US" altLang="zh-CN" sz="2000" b="1" i="1" dirty="0"/>
-              <a:t>Spatial and temporal features</a:t>
-            </a:r>
-          </a:p>
-        </p:txBody>
-      </p:sp>
-      <p:sp>
-        <p:nvSpPr>
-          <p:cNvPr id="45" name="TextBox 16">
-            <a:extLst>
-              <a:ext uri="{FF2B5EF4-FFF2-40B4-BE49-F238E27FC236}">
-                <a16:creationId xmlns:a16="http://schemas.microsoft.com/office/drawing/2014/main" id="{CA7EB751-9521-4420-B38F-6EE665F73C1B}"/>
-              </a:ext>
-            </a:extLst>
-          </p:cNvPr>
-          <p:cNvSpPr txBox="1"/>
-          <p:nvPr/>
-        </p:nvSpPr>
-        <p:spPr>
-          <a:xfrm>
-            <a:off x="1115452" y="983321"/>
-            <a:ext cx="2276297" cy="1139286"/>
-          </a:xfrm>
-          <a:prstGeom prst="rect">
-            <a:avLst/>
-          </a:prstGeom>
-          <a:noFill/>
-        </p:spPr>
-        <p:txBody>
-          <a:bodyPr wrap="square" rtlCol="0">
-            <a:spAutoFit/>
-          </a:bodyPr>
-          <a:lstStyle/>
-          <a:p>
-            <a:r>
-              <a:rPr lang="en-US" altLang="zh-CN" sz="1701" b="1" i="1" dirty="0"/>
-              <a:t>Configurations:</a:t>
-            </a:r>
-          </a:p>
-          <a:p>
-            <a:pPr marL="431660" indent="-431660">
-              <a:buFont typeface="Arial" charset="0"/>
-              <a:buChar char="•"/>
-            </a:pPr>
-            <a:r>
-              <a:rPr lang="en-US" altLang="zh-CN" sz="1701" i="1" dirty="0"/>
-              <a:t>FPS</a:t>
-            </a:r>
-          </a:p>
-          <a:p>
-            <a:pPr marL="431660" indent="-431660">
-              <a:buFont typeface="Arial" charset="0"/>
-              <a:buChar char="•"/>
-            </a:pPr>
-            <a:r>
-              <a:rPr lang="en-US" altLang="zh-CN" sz="1701" i="1" dirty="0"/>
-              <a:t>Resolution</a:t>
-            </a:r>
-          </a:p>
-          <a:p>
-            <a:pPr marL="431660" indent="-431660">
-              <a:buFont typeface="Arial" charset="0"/>
-              <a:buChar char="•"/>
-            </a:pPr>
-            <a:r>
-              <a:rPr lang="en-US" altLang="zh-CN" sz="1701" i="1" dirty="0"/>
-              <a:t>Model</a:t>
-            </a:r>
-          </a:p>
-        </p:txBody>
-      </p:sp>
-      <p:cxnSp>
-        <p:nvCxnSpPr>
-          <p:cNvPr id="71" name="直接箭头连接符 70">
-            <a:extLst>
-              <a:ext uri="{FF2B5EF4-FFF2-40B4-BE49-F238E27FC236}">
-                <a16:creationId xmlns:a16="http://schemas.microsoft.com/office/drawing/2014/main" id="{7EE09BE3-9D16-481A-A01D-BA5EEFE726A4}"/>
-              </a:ext>
-            </a:extLst>
-          </p:cNvPr>
-          <p:cNvCxnSpPr>
-            <a:cxnSpLocks/>
-            <a:endCxn id="22" idx="0"/>
-          </p:cNvCxnSpPr>
-          <p:nvPr/>
-        </p:nvCxnSpPr>
-        <p:spPr>
-          <a:xfrm flipH="1">
-            <a:off x="5803870" y="1339911"/>
-            <a:ext cx="5178" cy="1267344"/>
-          </a:xfrm>
-          <a:prstGeom prst="straightConnector1">
-            <a:avLst/>
-          </a:prstGeom>
-          <a:ln w="28575">
-            <a:tailEnd type="triangle"/>
-          </a:ln>
-        </p:spPr>
-        <p:style>
-          <a:lnRef idx="1">
-            <a:schemeClr val="dk1"/>
-          </a:lnRef>
-          <a:fillRef idx="0">
-            <a:schemeClr val="dk1"/>
-          </a:fillRef>
-          <a:effectRef idx="0">
-            <a:schemeClr val="dk1"/>
-          </a:effectRef>
-          <a:fontRef idx="minor">
-            <a:schemeClr val="tx1"/>
-          </a:fontRef>
-        </p:style>
-      </p:cxnSp>
-      <p:cxnSp>
-        <p:nvCxnSpPr>
-          <p:cNvPr id="75" name="连接符: 肘形 74">
-            <a:extLst>
-              <a:ext uri="{FF2B5EF4-FFF2-40B4-BE49-F238E27FC236}">
-                <a16:creationId xmlns:a16="http://schemas.microsoft.com/office/drawing/2014/main" id="{4A657362-B305-410A-8F75-19ECDCB59005}"/>
-              </a:ext>
-            </a:extLst>
-          </p:cNvPr>
-          <p:cNvCxnSpPr>
-            <a:cxnSpLocks/>
-            <a:stCxn id="7" idx="3"/>
-            <a:endCxn id="65" idx="0"/>
-          </p:cNvCxnSpPr>
-          <p:nvPr/>
-        </p:nvCxnSpPr>
-        <p:spPr>
-          <a:xfrm>
-            <a:off x="8170984" y="687876"/>
-            <a:ext cx="523974" cy="1939108"/>
-          </a:xfrm>
-          <a:prstGeom prst="bentConnector2">
-            <a:avLst/>
-          </a:prstGeom>
-          <a:ln w="28575">
-            <a:tailEnd type="triangle"/>
-          </a:ln>
-        </p:spPr>
-        <p:style>
-          <a:lnRef idx="1">
-            <a:schemeClr val="dk1"/>
-          </a:lnRef>
-          <a:fillRef idx="0">
-            <a:schemeClr val="dk1"/>
-          </a:fillRef>
-          <a:effectRef idx="0">
-            <a:schemeClr val="dk1"/>
-          </a:effectRef>
-          <a:fontRef idx="minor">
-            <a:schemeClr val="tx1"/>
-          </a:fontRef>
-        </p:style>
-      </p:cxnSp>
     </p:spTree>
     <p:extLst>
       <p:ext uri="{BB962C8B-B14F-4D97-AF65-F5344CB8AC3E}">

--- a/paper/figures/auto_framework.pptx
+++ b/paper/figures/auto_framework.pptx
@@ -3312,7 +3312,7 @@
             <p:spPr>
               <a:xfrm>
                 <a:off x="3776584" y="914596"/>
-                <a:ext cx="1676479" cy="906146"/>
+                <a:ext cx="1676479" cy="1266702"/>
               </a:xfrm>
               <a:prstGeom prst="rect">
                 <a:avLst/>
@@ -3353,7 +3353,22 @@
                 <a:pPr algn="ctr"/>
                 <a:r>
                   <a:rPr lang="en-US" altLang="zh-CN" sz="1169" b="1" dirty="0"/>
-                  <a:t>(Resize) Resolution</a:t>
+                  <a:t>(</a:t>
+                </a:r>
+                <a:r>
+                  <a:rPr lang="en-US" altLang="zh-CN" sz="1169" b="1"/>
+                  <a:t>Resize)</a:t>
+                </a:r>
+              </a:p>
+              <a:p>
+                <a:pPr algn="ctr"/>
+                <a:r>
+                  <a:rPr lang="en-US" altLang="zh-CN" sz="1169" b="1"/>
+                  <a:t> </a:t>
+                </a:r>
+                <a:r>
+                  <a:rPr lang="en-US" altLang="zh-CN" sz="1169" b="1" dirty="0"/>
+                  <a:t>Resolution</a:t>
                 </a:r>
               </a:p>
               <a:p>

--- a/paper/figures/auto_framework.pptx
+++ b/paper/figures/auto_framework.pptx
@@ -243,7 +243,7 @@
           <a:p>
             <a:fld id="{495911F8-3A92-4C30-BABF-4CB553799E6D}" type="datetimeFigureOut">
               <a:rPr lang="zh-CN" altLang="en-US" smtClean="0"/>
-              <a:t>2020/12/13</a:t>
+              <a:t>2020/12/14</a:t>
             </a:fld>
             <a:endParaRPr lang="zh-CN" altLang="en-US"/>
           </a:p>
@@ -413,7 +413,7 @@
           <a:p>
             <a:fld id="{495911F8-3A92-4C30-BABF-4CB553799E6D}" type="datetimeFigureOut">
               <a:rPr lang="zh-CN" altLang="en-US" smtClean="0"/>
-              <a:t>2020/12/13</a:t>
+              <a:t>2020/12/14</a:t>
             </a:fld>
             <a:endParaRPr lang="zh-CN" altLang="en-US"/>
           </a:p>
@@ -593,7 +593,7 @@
           <a:p>
             <a:fld id="{495911F8-3A92-4C30-BABF-4CB553799E6D}" type="datetimeFigureOut">
               <a:rPr lang="zh-CN" altLang="en-US" smtClean="0"/>
-              <a:t>2020/12/13</a:t>
+              <a:t>2020/12/14</a:t>
             </a:fld>
             <a:endParaRPr lang="zh-CN" altLang="en-US"/>
           </a:p>
@@ -763,7 +763,7 @@
           <a:p>
             <a:fld id="{495911F8-3A92-4C30-BABF-4CB553799E6D}" type="datetimeFigureOut">
               <a:rPr lang="zh-CN" altLang="en-US" smtClean="0"/>
-              <a:t>2020/12/13</a:t>
+              <a:t>2020/12/14</a:t>
             </a:fld>
             <a:endParaRPr lang="zh-CN" altLang="en-US"/>
           </a:p>
@@ -1009,7 +1009,7 @@
           <a:p>
             <a:fld id="{495911F8-3A92-4C30-BABF-4CB553799E6D}" type="datetimeFigureOut">
               <a:rPr lang="zh-CN" altLang="en-US" smtClean="0"/>
-              <a:t>2020/12/13</a:t>
+              <a:t>2020/12/14</a:t>
             </a:fld>
             <a:endParaRPr lang="zh-CN" altLang="en-US"/>
           </a:p>
@@ -1241,7 +1241,7 @@
           <a:p>
             <a:fld id="{495911F8-3A92-4C30-BABF-4CB553799E6D}" type="datetimeFigureOut">
               <a:rPr lang="zh-CN" altLang="en-US" smtClean="0"/>
-              <a:t>2020/12/13</a:t>
+              <a:t>2020/12/14</a:t>
             </a:fld>
             <a:endParaRPr lang="zh-CN" altLang="en-US"/>
           </a:p>
@@ -1608,7 +1608,7 @@
           <a:p>
             <a:fld id="{495911F8-3A92-4C30-BABF-4CB553799E6D}" type="datetimeFigureOut">
               <a:rPr lang="zh-CN" altLang="en-US" smtClean="0"/>
-              <a:t>2020/12/13</a:t>
+              <a:t>2020/12/14</a:t>
             </a:fld>
             <a:endParaRPr lang="zh-CN" altLang="en-US"/>
           </a:p>
@@ -1726,7 +1726,7 @@
           <a:p>
             <a:fld id="{495911F8-3A92-4C30-BABF-4CB553799E6D}" type="datetimeFigureOut">
               <a:rPr lang="zh-CN" altLang="en-US" smtClean="0"/>
-              <a:t>2020/12/13</a:t>
+              <a:t>2020/12/14</a:t>
             </a:fld>
             <a:endParaRPr lang="zh-CN" altLang="en-US"/>
           </a:p>
@@ -1821,7 +1821,7 @@
           <a:p>
             <a:fld id="{495911F8-3A92-4C30-BABF-4CB553799E6D}" type="datetimeFigureOut">
               <a:rPr lang="zh-CN" altLang="en-US" smtClean="0"/>
-              <a:t>2020/12/13</a:t>
+              <a:t>2020/12/14</a:t>
             </a:fld>
             <a:endParaRPr lang="zh-CN" altLang="en-US"/>
           </a:p>
@@ -2098,7 +2098,7 @@
           <a:p>
             <a:fld id="{495911F8-3A92-4C30-BABF-4CB553799E6D}" type="datetimeFigureOut">
               <a:rPr lang="zh-CN" altLang="en-US" smtClean="0"/>
-              <a:t>2020/12/13</a:t>
+              <a:t>2020/12/14</a:t>
             </a:fld>
             <a:endParaRPr lang="zh-CN" altLang="en-US"/>
           </a:p>
@@ -2355,7 +2355,7 @@
           <a:p>
             <a:fld id="{495911F8-3A92-4C30-BABF-4CB553799E6D}" type="datetimeFigureOut">
               <a:rPr lang="zh-CN" altLang="en-US" smtClean="0"/>
-              <a:t>2020/12/13</a:t>
+              <a:t>2020/12/14</a:t>
             </a:fld>
             <a:endParaRPr lang="zh-CN" altLang="en-US"/>
           </a:p>
@@ -2568,7 +2568,7 @@
           <a:p>
             <a:fld id="{495911F8-3A92-4C30-BABF-4CB553799E6D}" type="datetimeFigureOut">
               <a:rPr lang="zh-CN" altLang="en-US" smtClean="0"/>
-              <a:t>2020/12/13</a:t>
+              <a:t>2020/12/14</a:t>
             </a:fld>
             <a:endParaRPr lang="zh-CN" altLang="en-US"/>
           </a:p>
@@ -2981,10 +2981,10 @@
         </p:nvGrpSpPr>
         <p:grpSpPr>
           <a:xfrm>
-            <a:off x="146540" y="65228"/>
-            <a:ext cx="11422116" cy="2742267"/>
-            <a:chOff x="358325" y="-20170"/>
-            <a:chExt cx="11037114" cy="4295444"/>
+            <a:off x="183859" y="90914"/>
+            <a:ext cx="11374128" cy="2730043"/>
+            <a:chOff x="399350" y="-20170"/>
+            <a:chExt cx="10990743" cy="4276296"/>
           </a:xfrm>
         </p:grpSpPr>
         <p:grpSp>
@@ -3002,9 +3002,9 @@
           <p:grpSpPr>
             <a:xfrm>
               <a:off x="2232169" y="31234"/>
-              <a:ext cx="8940133" cy="4244040"/>
+              <a:ext cx="8940133" cy="4224892"/>
               <a:chOff x="642518" y="-2381062"/>
-              <a:chExt cx="9942857" cy="5429661"/>
+              <a:chExt cx="9942857" cy="5405164"/>
             </a:xfrm>
           </p:grpSpPr>
           <p:sp>
@@ -3147,8 +3147,8 @@
             </p:nvSpPr>
             <p:spPr>
               <a:xfrm>
-                <a:off x="5529213" y="1235019"/>
-                <a:ext cx="1070119" cy="380719"/>
+                <a:off x="5493413" y="1368611"/>
+                <a:ext cx="1102614" cy="380719"/>
               </a:xfrm>
               <a:prstGeom prst="rightArrow">
                 <a:avLst/>
@@ -3191,7 +3191,7 @@
             </p:nvSpPr>
             <p:spPr>
               <a:xfrm>
-                <a:off x="6113132" y="2077178"/>
+                <a:off x="5941991" y="2052681"/>
                 <a:ext cx="3872183" cy="971421"/>
               </a:xfrm>
               <a:prstGeom prst="rect">
@@ -3311,7 +3311,7 @@
             </p:nvSpPr>
             <p:spPr>
               <a:xfrm>
-                <a:off x="3776584" y="914596"/>
+                <a:off x="3745936" y="959681"/>
                 <a:ext cx="1676479" cy="1266702"/>
               </a:xfrm>
               <a:prstGeom prst="rect">
@@ -3363,12 +3363,8 @@
               <a:p>
                 <a:pPr algn="ctr"/>
                 <a:r>
-                  <a:rPr lang="en-US" altLang="zh-CN" sz="1169" b="1"/>
-                  <a:t> </a:t>
-                </a:r>
-                <a:r>
                   <a:rPr lang="en-US" altLang="zh-CN" sz="1169" b="1" dirty="0"/>
-                  <a:t>Resolution</a:t>
+                  <a:t> Resolution</a:t>
                 </a:r>
               </a:p>
               <a:p>
@@ -3431,8 +3427,8 @@
           </p:nvSpPr>
           <p:spPr>
             <a:xfrm>
-              <a:off x="1659668" y="2672583"/>
-              <a:ext cx="520703" cy="693101"/>
+              <a:off x="1659661" y="2958782"/>
+              <a:ext cx="487012" cy="298866"/>
             </a:xfrm>
             <a:prstGeom prst="rightArrow">
               <a:avLst/>
@@ -3475,7 +3471,7 @@
           </p:nvSpPr>
           <p:spPr>
             <a:xfrm>
-              <a:off x="2232161" y="2691421"/>
+              <a:off x="2159115" y="2633625"/>
               <a:ext cx="1785436" cy="990105"/>
             </a:xfrm>
             <a:prstGeom prst="rect">
@@ -3559,8 +3555,8 @@
           </p:nvSpPr>
           <p:spPr>
             <a:xfrm>
-              <a:off x="4036994" y="2840666"/>
-              <a:ext cx="962199" cy="298000"/>
+              <a:off x="4013230" y="2987073"/>
+              <a:ext cx="991417" cy="298000"/>
             </a:xfrm>
             <a:prstGeom prst="rightArrow">
               <a:avLst/>
@@ -3787,8 +3783,8 @@
           </p:nvCxnSpPr>
           <p:spPr>
             <a:xfrm rot="10800000" flipV="1">
-              <a:off x="3124880" y="687872"/>
-              <a:ext cx="1636838" cy="2003550"/>
+              <a:off x="3051834" y="687872"/>
+              <a:ext cx="1709884" cy="1945753"/>
             </a:xfrm>
             <a:prstGeom prst="bentConnector2">
               <a:avLst/>
@@ -3830,7 +3826,7 @@
           </p:nvSpPr>
           <p:spPr>
             <a:xfrm>
-              <a:off x="7656716" y="2626980"/>
+              <a:off x="7619897" y="2622837"/>
               <a:ext cx="2076489" cy="990105"/>
             </a:xfrm>
             <a:prstGeom prst="rect">
@@ -3939,7 +3935,15 @@
               </a:r>
               <a:r>
                 <a:rPr lang="en-US" sz="1275" dirty="0"/>
-                <a:t>, 1,5,10,…,30 fps</a:t>
+                <a:t>, </a:t>
+              </a:r>
+              <a:r>
+                <a:rPr lang="en-US" sz="1275" dirty="0" smtClean="0"/>
+                <a:t>1,2,5,10</a:t>
+              </a:r>
+              <a:r>
+                <a:rPr lang="en-US" sz="1275" dirty="0"/>
+                <a:t>,…,30 fps</a:t>
               </a:r>
               <a:r>
                 <a:rPr lang="zh-CN" altLang="en-US" sz="1275" dirty="0"/>
@@ -3963,7 +3967,7 @@
           </p:nvSpPr>
           <p:spPr>
             <a:xfrm>
-              <a:off x="9783162" y="2840666"/>
+              <a:off x="9769429" y="2961295"/>
               <a:ext cx="466726" cy="298000"/>
             </a:xfrm>
             <a:prstGeom prst="rightArrow">
@@ -4007,8 +4011,8 @@
           </p:nvSpPr>
           <p:spPr>
             <a:xfrm>
-              <a:off x="10279588" y="2647362"/>
-              <a:ext cx="1115851" cy="708280"/>
+              <a:off x="10274242" y="2619428"/>
+              <a:ext cx="1115851" cy="992461"/>
             </a:xfrm>
             <a:prstGeom prst="rect">
               <a:avLst/>
@@ -4041,7 +4045,7 @@
             </a:fontRef>
           </p:style>
           <p:txBody>
-            <a:bodyPr wrap="square" rtlCol="0">
+            <a:bodyPr wrap="square" rtlCol="0" anchor="ctr">
               <a:spAutoFit/>
             </a:bodyPr>
             <a:lstStyle/>
@@ -4798,14 +4802,13 @@
             </p:cNvPr>
             <p:cNvCxnSpPr>
               <a:cxnSpLocks/>
-              <a:stCxn id="58" idx="0"/>
             </p:cNvCxnSpPr>
             <p:nvPr/>
           </p:nvCxnSpPr>
           <p:spPr>
             <a:xfrm rot="16200000" flipV="1">
-              <a:off x="8403650" y="213499"/>
-              <a:ext cx="2221395" cy="2646333"/>
+              <a:off x="8429417" y="240337"/>
+              <a:ext cx="2158011" cy="2628560"/>
             </a:xfrm>
             <a:prstGeom prst="bentConnector2">
               <a:avLst/>
@@ -4846,7 +4849,7 @@
           </p:nvSpPr>
           <p:spPr>
             <a:xfrm>
-              <a:off x="358325" y="2597362"/>
+              <a:off x="399350" y="2688091"/>
               <a:ext cx="1224592" cy="861948"/>
             </a:xfrm>
             <a:prstGeom prst="rect">
@@ -4880,7 +4883,7 @@
             </a:fontRef>
           </p:style>
           <p:txBody>
-            <a:bodyPr wrap="square" rtlCol="0">
+            <a:bodyPr wrap="square" rtlCol="0" anchor="ctr">
               <a:spAutoFit/>
             </a:bodyPr>
             <a:lstStyle/>
@@ -4918,8 +4921,8 @@
           </p:nvCxnSpPr>
           <p:spPr>
             <a:xfrm rot="5400000" flipH="1" flipV="1">
-              <a:off x="1777135" y="-367063"/>
-              <a:ext cx="2157912" cy="3770938"/>
+              <a:off x="1767252" y="-273751"/>
+              <a:ext cx="2206236" cy="3717449"/>
             </a:xfrm>
             <a:prstGeom prst="bentConnector2">
               <a:avLst/>
@@ -4978,71 +4981,6 @@
             </a:p>
           </p:txBody>
         </p:sp>
-        <p:sp>
-          <p:nvSpPr>
-            <p:cNvPr id="45" name="TextBox 16">
-              <a:extLst>
-                <a:ext uri="{FF2B5EF4-FFF2-40B4-BE49-F238E27FC236}">
-                  <a16:creationId xmlns:a16="http://schemas.microsoft.com/office/drawing/2014/main" id="{CA7EB751-9521-4420-B38F-6EE665F73C1B}"/>
-                </a:ext>
-              </a:extLst>
-            </p:cNvPr>
-            <p:cNvSpPr txBox="1"/>
-            <p:nvPr/>
-          </p:nvSpPr>
-          <p:spPr>
-            <a:xfrm>
-              <a:off x="1115454" y="983314"/>
-              <a:ext cx="2276297" cy="1579268"/>
-            </a:xfrm>
-            <a:prstGeom prst="rect">
-              <a:avLst/>
-            </a:prstGeom>
-            <a:noFill/>
-          </p:spPr>
-          <p:txBody>
-            <a:bodyPr wrap="square" rtlCol="0">
-              <a:spAutoFit/>
-            </a:bodyPr>
-            <a:lstStyle/>
-            <a:p>
-              <a:r>
-                <a:rPr lang="en-US" altLang="zh-CN" sz="1488" b="1" i="1" dirty="0"/>
-                <a:t>Configurations:</a:t>
-              </a:r>
-            </a:p>
-            <a:p>
-              <a:pPr marL="458781" indent="-458781">
-                <a:buFont typeface="Arial" charset="0"/>
-                <a:buChar char="•"/>
-              </a:pPr>
-              <a:r>
-                <a:rPr lang="en-US" altLang="zh-CN" sz="1488" i="1" dirty="0"/>
-                <a:t>FPS</a:t>
-              </a:r>
-            </a:p>
-            <a:p>
-              <a:pPr marL="458781" indent="-458781">
-                <a:buFont typeface="Arial" charset="0"/>
-                <a:buChar char="•"/>
-              </a:pPr>
-              <a:r>
-                <a:rPr lang="en-US" altLang="zh-CN" sz="1488" i="1" dirty="0"/>
-                <a:t>Resolution</a:t>
-              </a:r>
-            </a:p>
-            <a:p>
-              <a:pPr marL="458781" indent="-458781">
-                <a:buFont typeface="Arial" charset="0"/>
-                <a:buChar char="•"/>
-              </a:pPr>
-              <a:r>
-                <a:rPr lang="en-US" altLang="zh-CN" sz="1488" i="1" dirty="0"/>
-                <a:t>Model</a:t>
-              </a:r>
-            </a:p>
-          </p:txBody>
-        </p:sp>
         <p:cxnSp>
           <p:nvCxnSpPr>
             <p:cNvPr id="71" name="直接箭头连接符 70">
@@ -5060,7 +4998,7 @@
           </p:nvCxnSpPr>
           <p:spPr>
             <a:xfrm flipH="1">
-              <a:off x="5803872" y="1339903"/>
+              <a:off x="5776315" y="1375143"/>
               <a:ext cx="5177" cy="1267349"/>
             </a:xfrm>
             <a:prstGeom prst="straightConnector1">
@@ -5104,7 +5042,7 @@
           <p:spPr>
             <a:xfrm>
               <a:off x="8170987" y="687872"/>
-              <a:ext cx="523974" cy="1939109"/>
+              <a:ext cx="487155" cy="1934966"/>
             </a:xfrm>
             <a:prstGeom prst="bentConnector2">
               <a:avLst/>
